--- a/modules/03-structures/r-data-structures.pptx
+++ b/modules/03-structures/r-data-structures.pptx
@@ -5,7 +5,7 @@
     <p:sldMasterId id="2147483672" r:id="rId1"/>
   </p:sldMasterIdLst>
   <p:notesMasterIdLst>
-    <p:notesMasterId r:id="rId50"/>
+    <p:notesMasterId r:id="rId53"/>
   </p:notesMasterIdLst>
   <p:sldIdLst>
     <p:sldId id="256" r:id="rId2"/>
@@ -18,44 +18,47 @@
     <p:sldId id="265" r:id="rId9"/>
     <p:sldId id="332" r:id="rId10"/>
     <p:sldId id="331" r:id="rId11"/>
-    <p:sldId id="261" r:id="rId12"/>
-    <p:sldId id="340" r:id="rId13"/>
-    <p:sldId id="333" r:id="rId14"/>
-    <p:sldId id="334" r:id="rId15"/>
-    <p:sldId id="335" r:id="rId16"/>
-    <p:sldId id="336" r:id="rId17"/>
-    <p:sldId id="337" r:id="rId18"/>
-    <p:sldId id="338" r:id="rId19"/>
-    <p:sldId id="268" r:id="rId20"/>
-    <p:sldId id="284" r:id="rId21"/>
-    <p:sldId id="272" r:id="rId22"/>
-    <p:sldId id="271" r:id="rId23"/>
-    <p:sldId id="273" r:id="rId24"/>
-    <p:sldId id="274" r:id="rId25"/>
-    <p:sldId id="293" r:id="rId26"/>
-    <p:sldId id="292" r:id="rId27"/>
-    <p:sldId id="300" r:id="rId28"/>
-    <p:sldId id="304" r:id="rId29"/>
-    <p:sldId id="301" r:id="rId30"/>
-    <p:sldId id="302" r:id="rId31"/>
-    <p:sldId id="316" r:id="rId32"/>
-    <p:sldId id="303" r:id="rId33"/>
-    <p:sldId id="306" r:id="rId34"/>
-    <p:sldId id="309" r:id="rId35"/>
-    <p:sldId id="310" r:id="rId36"/>
-    <p:sldId id="311" r:id="rId37"/>
-    <p:sldId id="312" r:id="rId38"/>
-    <p:sldId id="327" r:id="rId39"/>
-    <p:sldId id="328" r:id="rId40"/>
-    <p:sldId id="314" r:id="rId41"/>
-    <p:sldId id="318" r:id="rId42"/>
-    <p:sldId id="319" r:id="rId43"/>
-    <p:sldId id="321" r:id="rId44"/>
-    <p:sldId id="320" r:id="rId45"/>
-    <p:sldId id="322" r:id="rId46"/>
-    <p:sldId id="323" r:id="rId47"/>
-    <p:sldId id="324" r:id="rId48"/>
-    <p:sldId id="326" r:id="rId49"/>
+    <p:sldId id="340" r:id="rId12"/>
+    <p:sldId id="333" r:id="rId13"/>
+    <p:sldId id="334" r:id="rId14"/>
+    <p:sldId id="335" r:id="rId15"/>
+    <p:sldId id="336" r:id="rId16"/>
+    <p:sldId id="337" r:id="rId17"/>
+    <p:sldId id="338" r:id="rId18"/>
+    <p:sldId id="268" r:id="rId19"/>
+    <p:sldId id="346" r:id="rId20"/>
+    <p:sldId id="347" r:id="rId21"/>
+    <p:sldId id="341" r:id="rId22"/>
+    <p:sldId id="342" r:id="rId23"/>
+    <p:sldId id="343" r:id="rId24"/>
+    <p:sldId id="348" r:id="rId25"/>
+    <p:sldId id="284" r:id="rId26"/>
+    <p:sldId id="272" r:id="rId27"/>
+    <p:sldId id="271" r:id="rId28"/>
+    <p:sldId id="273" r:id="rId29"/>
+    <p:sldId id="293" r:id="rId30"/>
+    <p:sldId id="292" r:id="rId31"/>
+    <p:sldId id="300" r:id="rId32"/>
+    <p:sldId id="304" r:id="rId33"/>
+    <p:sldId id="301" r:id="rId34"/>
+    <p:sldId id="302" r:id="rId35"/>
+    <p:sldId id="316" r:id="rId36"/>
+    <p:sldId id="303" r:id="rId37"/>
+    <p:sldId id="306" r:id="rId38"/>
+    <p:sldId id="309" r:id="rId39"/>
+    <p:sldId id="310" r:id="rId40"/>
+    <p:sldId id="311" r:id="rId41"/>
+    <p:sldId id="312" r:id="rId42"/>
+    <p:sldId id="327" r:id="rId43"/>
+    <p:sldId id="328" r:id="rId44"/>
+    <p:sldId id="318" r:id="rId45"/>
+    <p:sldId id="319" r:id="rId46"/>
+    <p:sldId id="321" r:id="rId47"/>
+    <p:sldId id="320" r:id="rId48"/>
+    <p:sldId id="322" r:id="rId49"/>
+    <p:sldId id="323" r:id="rId50"/>
+    <p:sldId id="324" r:id="rId51"/>
+    <p:sldId id="326" r:id="rId52"/>
   </p:sldIdLst>
   <p:sldSz cx="9144000" cy="6858000" type="screen4x3"/>
   <p:notesSz cx="6858000" cy="9144000"/>
@@ -255,7 +258,7 @@
           <a:p>
             <a:fld id="{169D78D6-8321-4F48-80A3-43D3371EE9F4}" type="datetimeFigureOut">
               <a:rPr lang="en-GB" smtClean="0"/>
-              <a:t>15/06/2021</a:t>
+              <a:t>27/10/2024</a:t>
             </a:fld>
             <a:endParaRPr lang="en-GB"/>
           </a:p>
@@ -704,7 +707,7 @@
           <a:p>
             <a:fld id="{6494DF58-1072-4E30-AD3A-1BB4B8D723CE}" type="datetimeFigureOut">
               <a:rPr lang="en-GB" smtClean="0"/>
-              <a:t>15/06/2021</a:t>
+              <a:t>27/10/2024</a:t>
             </a:fld>
             <a:endParaRPr lang="en-GB"/>
           </a:p>
@@ -874,7 +877,7 @@
           <a:p>
             <a:fld id="{6494DF58-1072-4E30-AD3A-1BB4B8D723CE}" type="datetimeFigureOut">
               <a:rPr lang="en-GB" smtClean="0"/>
-              <a:t>15/06/2021</a:t>
+              <a:t>27/10/2024</a:t>
             </a:fld>
             <a:endParaRPr lang="en-GB"/>
           </a:p>
@@ -1054,7 +1057,7 @@
           <a:p>
             <a:fld id="{6494DF58-1072-4E30-AD3A-1BB4B8D723CE}" type="datetimeFigureOut">
               <a:rPr lang="en-GB" smtClean="0"/>
-              <a:t>15/06/2021</a:t>
+              <a:t>27/10/2024</a:t>
             </a:fld>
             <a:endParaRPr lang="en-GB"/>
           </a:p>
@@ -1224,7 +1227,7 @@
           <a:p>
             <a:fld id="{6494DF58-1072-4E30-AD3A-1BB4B8D723CE}" type="datetimeFigureOut">
               <a:rPr lang="en-GB" smtClean="0"/>
-              <a:t>15/06/2021</a:t>
+              <a:t>27/10/2024</a:t>
             </a:fld>
             <a:endParaRPr lang="en-GB"/>
           </a:p>
@@ -1470,7 +1473,7 @@
           <a:p>
             <a:fld id="{6494DF58-1072-4E30-AD3A-1BB4B8D723CE}" type="datetimeFigureOut">
               <a:rPr lang="en-GB" smtClean="0"/>
-              <a:t>15/06/2021</a:t>
+              <a:t>27/10/2024</a:t>
             </a:fld>
             <a:endParaRPr lang="en-GB"/>
           </a:p>
@@ -1758,7 +1761,7 @@
           <a:p>
             <a:fld id="{6494DF58-1072-4E30-AD3A-1BB4B8D723CE}" type="datetimeFigureOut">
               <a:rPr lang="en-GB" smtClean="0"/>
-              <a:t>15/06/2021</a:t>
+              <a:t>27/10/2024</a:t>
             </a:fld>
             <a:endParaRPr lang="en-GB"/>
           </a:p>
@@ -2180,7 +2183,7 @@
           <a:p>
             <a:fld id="{6494DF58-1072-4E30-AD3A-1BB4B8D723CE}" type="datetimeFigureOut">
               <a:rPr lang="en-GB" smtClean="0"/>
-              <a:t>15/06/2021</a:t>
+              <a:t>27/10/2024</a:t>
             </a:fld>
             <a:endParaRPr lang="en-GB"/>
           </a:p>
@@ -2298,7 +2301,7 @@
           <a:p>
             <a:fld id="{6494DF58-1072-4E30-AD3A-1BB4B8D723CE}" type="datetimeFigureOut">
               <a:rPr lang="en-GB" smtClean="0"/>
-              <a:t>15/06/2021</a:t>
+              <a:t>27/10/2024</a:t>
             </a:fld>
             <a:endParaRPr lang="en-GB"/>
           </a:p>
@@ -2393,7 +2396,7 @@
           <a:p>
             <a:fld id="{6494DF58-1072-4E30-AD3A-1BB4B8D723CE}" type="datetimeFigureOut">
               <a:rPr lang="en-GB" smtClean="0"/>
-              <a:t>15/06/2021</a:t>
+              <a:t>27/10/2024</a:t>
             </a:fld>
             <a:endParaRPr lang="en-GB"/>
           </a:p>
@@ -2670,7 +2673,7 @@
           <a:p>
             <a:fld id="{6494DF58-1072-4E30-AD3A-1BB4B8D723CE}" type="datetimeFigureOut">
               <a:rPr lang="en-GB" smtClean="0"/>
-              <a:t>15/06/2021</a:t>
+              <a:t>27/10/2024</a:t>
             </a:fld>
             <a:endParaRPr lang="en-GB"/>
           </a:p>
@@ -2923,7 +2926,7 @@
           <a:p>
             <a:fld id="{6494DF58-1072-4E30-AD3A-1BB4B8D723CE}" type="datetimeFigureOut">
               <a:rPr lang="en-GB" smtClean="0"/>
-              <a:t>15/06/2021</a:t>
+              <a:t>27/10/2024</a:t>
             </a:fld>
             <a:endParaRPr lang="en-GB"/>
           </a:p>
@@ -3139,7 +3142,7 @@
           <a:p>
             <a:fld id="{6494DF58-1072-4E30-AD3A-1BB4B8D723CE}" type="datetimeFigureOut">
               <a:rPr lang="en-GB" smtClean="0"/>
-              <a:t>15/06/2021</a:t>
+              <a:t>27/10/2024</a:t>
             </a:fld>
             <a:endParaRPr lang="en-GB"/>
           </a:p>
@@ -3558,34 +3561,17 @@
         <p:spPr/>
         <p:txBody>
           <a:bodyPr>
-            <a:normAutofit fontScale="70000" lnSpcReduction="20000"/>
+            <a:normAutofit/>
           </a:bodyPr>
           <a:lstStyle/>
           <a:p>
+            <a:endParaRPr lang="en-GB" dirty="0"/>
+          </a:p>
+          <a:p>
             <a:r>
               <a:rPr lang="en-GB" dirty="0"/>
-              <a:t>Training Session with Health Systems Consult Ltd, Abuja</a:t>
-            </a:r>
-          </a:p>
-          <a:p>
-            <a:r>
-              <a:rPr lang="en-GB" dirty="0"/>
-              <a:t>Tuesday 15 June 2021</a:t>
-            </a:r>
-          </a:p>
-          <a:p>
-            <a:endParaRPr lang="en-GB" dirty="0"/>
-          </a:p>
-          <a:p>
-            <a:r>
-              <a:rPr lang="en-GB" dirty="0"/>
-              <a:t>Presenter: Dr Victor A. </a:t>
-            </a:r>
-            <a:r>
-              <a:rPr lang="en-GB"/>
-              <a:t>Ordu</a:t>
-            </a:r>
-            <a:endParaRPr lang="en-GB" dirty="0"/>
+              <a:t>Presenter: Victor A. Ordu</a:t>
+            </a:r>
           </a:p>
         </p:txBody>
       </p:sp>
@@ -3671,7 +3657,7 @@
         <p:spPr/>
         <p:txBody>
           <a:bodyPr>
-            <a:normAutofit fontScale="85000" lnSpcReduction="20000"/>
+            <a:normAutofit fontScale="77500" lnSpcReduction="20000"/>
           </a:bodyPr>
           <a:lstStyle/>
           <a:p>
@@ -3681,7 +3667,7 @@
                   <a:schemeClr val="bg1"/>
                 </a:solidFill>
               </a:rPr>
-              <a:t>Start a clean slate with </a:t>
+              <a:t>If you have any objects in the workspace, clear it with </a:t>
             </a:r>
             <a:r>
               <a:rPr lang="en-US" dirty="0">
@@ -3709,27 +3695,8 @@
                   <a:srgbClr val="FFFF00"/>
                 </a:solidFill>
                 <a:latin typeface="Consolas" pitchFamily="49" charset="0"/>
-                <a:cs typeface="Consolas" pitchFamily="49" charset="0"/>
-              </a:rPr>
-              <a:t>Name</a:t>
-            </a:r>
-            <a:r>
-              <a:rPr lang="en-US" dirty="0">
-                <a:solidFill>
-                  <a:schemeClr val="bg1"/>
-                </a:solidFill>
-              </a:rPr>
-              <a:t> containing full names (both Surname and Given Name in each element) of 10 adults</a:t>
-            </a:r>
-          </a:p>
-          <a:p>
-            <a:r>
-              <a:rPr lang="en-US" dirty="0">
-                <a:solidFill>
-                  <a:schemeClr val="bg1"/>
-                </a:solidFill>
-              </a:rPr>
-              <a:t>Make a second vector </a:t>
+              </a:rPr>
+              <a:t>n</a:t>
             </a:r>
             <a:r>
               <a:rPr lang="en-US" dirty="0">
@@ -3739,58 +3706,82 @@
                 <a:latin typeface="Consolas" pitchFamily="49" charset="0"/>
                 <a:cs typeface="Consolas" pitchFamily="49" charset="0"/>
               </a:rPr>
-              <a:t>Facility</a:t>
-            </a:r>
-            <a:r>
-              <a:rPr lang="en-US" dirty="0">
-                <a:solidFill>
-                  <a:schemeClr val="bg1"/>
-                </a:solidFill>
-              </a:rPr>
-              <a:t> of names of 10 facilities (imaginary, please!)</a:t>
-            </a:r>
-            <a:endParaRPr lang="en-GB" dirty="0">
-              <a:solidFill>
-                <a:schemeClr val="bg1"/>
-              </a:solidFill>
-            </a:endParaRPr>
-          </a:p>
-          <a:p>
-            <a:r>
-              <a:rPr lang="en-US" dirty="0">
-                <a:solidFill>
-                  <a:schemeClr val="bg1"/>
-                </a:solidFill>
-              </a:rPr>
-              <a:t>Use </a:t>
-            </a:r>
-            <a:r>
-              <a:rPr lang="en-US" dirty="0" err="1">
+              <a:t>ame</a:t>
+            </a:r>
+            <a:r>
+              <a:rPr lang="en-US" dirty="0">
+                <a:solidFill>
+                  <a:schemeClr val="bg1"/>
+                </a:solidFill>
+              </a:rPr>
+              <a:t> containing the full names (both Surname and Given Name in each element) of 10 adults</a:t>
+            </a:r>
+          </a:p>
+          <a:p>
+            <a:r>
+              <a:rPr lang="en-US" dirty="0">
+                <a:solidFill>
+                  <a:schemeClr val="bg1"/>
+                </a:solidFill>
+              </a:rPr>
+              <a:t>Make a second vector </a:t>
+            </a:r>
+            <a:r>
+              <a:rPr lang="en-US" dirty="0">
+                <a:solidFill>
+                  <a:srgbClr val="FFFF00"/>
+                </a:solidFill>
+                <a:latin typeface="Consolas" pitchFamily="49" charset="0"/>
+              </a:rPr>
+              <a:t>f</a:t>
+            </a:r>
+            <a:r>
+              <a:rPr lang="en-US" dirty="0">
                 <a:solidFill>
                   <a:srgbClr val="FFFF00"/>
                 </a:solidFill>
                 <a:latin typeface="Consolas" pitchFamily="49" charset="0"/>
                 <a:cs typeface="Consolas" pitchFamily="49" charset="0"/>
               </a:rPr>
-              <a:t>typeof</a:t>
-            </a:r>
-            <a:r>
-              <a:rPr lang="en-US" dirty="0">
+              <a:t>acility</a:t>
+            </a:r>
+            <a:r>
+              <a:rPr lang="en-US" dirty="0">
+                <a:solidFill>
+                  <a:schemeClr val="bg1"/>
+                </a:solidFill>
+              </a:rPr>
+              <a:t> of names of 10 imaginary facilities</a:t>
+            </a:r>
+          </a:p>
+          <a:p>
+            <a:r>
+              <a:rPr lang="en-GB" dirty="0">
+                <a:solidFill>
+                  <a:schemeClr val="bg1"/>
+                </a:solidFill>
+              </a:rPr>
+              <a:t>Make a third vector id of serial identifiers ranging from 1 through 10.</a:t>
+            </a:r>
+          </a:p>
+          <a:p>
+            <a:r>
+              <a:rPr lang="en-US" dirty="0">
+                <a:solidFill>
+                  <a:schemeClr val="bg1"/>
+                </a:solidFill>
+              </a:rPr>
+              <a:t>Use </a:t>
+            </a:r>
+            <a:r>
+              <a:rPr lang="en-US" dirty="0" err="1">
                 <a:solidFill>
                   <a:srgbClr val="FFFF00"/>
                 </a:solidFill>
                 <a:latin typeface="Consolas" pitchFamily="49" charset="0"/>
                 <a:cs typeface="Consolas" pitchFamily="49" charset="0"/>
               </a:rPr>
-              <a:t>()</a:t>
-            </a:r>
-            <a:r>
-              <a:rPr lang="en-US" dirty="0">
-                <a:solidFill>
-                  <a:schemeClr val="bg1"/>
-                </a:solidFill>
-              </a:rPr>
-              <a:t> to check what type of vector </a:t>
+              <a:t>typeof</a:t>
             </a:r>
             <a:r>
               <a:rPr lang="en-US" dirty="0">
@@ -3800,25 +3791,24 @@
                 <a:latin typeface="Consolas" pitchFamily="49" charset="0"/>
                 <a:cs typeface="Consolas" pitchFamily="49" charset="0"/>
               </a:rPr>
-              <a:t>Name</a:t>
-            </a:r>
-            <a:r>
-              <a:rPr lang="en-US" dirty="0">
-                <a:solidFill>
-                  <a:schemeClr val="bg1"/>
-                </a:solidFill>
-              </a:rPr>
-              <a:t> is</a:t>
-            </a:r>
-          </a:p>
-          <a:p>
-            <a:r>
-              <a:rPr lang="en-US" dirty="0">
-                <a:solidFill>
-                  <a:schemeClr val="bg1"/>
-                </a:solidFill>
-              </a:rPr>
-              <a:t>Confirm the type of </a:t>
+              <a:t>()</a:t>
+            </a:r>
+            <a:r>
+              <a:rPr lang="en-US" dirty="0">
+                <a:solidFill>
+                  <a:schemeClr val="bg1"/>
+                </a:solidFill>
+              </a:rPr>
+              <a:t> to check what type of vector </a:t>
+            </a:r>
+            <a:r>
+              <a:rPr lang="en-US" dirty="0">
+                <a:solidFill>
+                  <a:srgbClr val="FFFF00"/>
+                </a:solidFill>
+                <a:latin typeface="Consolas" pitchFamily="49" charset="0"/>
+              </a:rPr>
+              <a:t>n</a:t>
             </a:r>
             <a:r>
               <a:rPr lang="en-US" dirty="0">
@@ -3828,7 +3818,44 @@
                 <a:latin typeface="Consolas" pitchFamily="49" charset="0"/>
                 <a:cs typeface="Consolas" pitchFamily="49" charset="0"/>
               </a:rPr>
-              <a:t>Facility</a:t>
+              <a:t>ame</a:t>
+            </a:r>
+            <a:r>
+              <a:rPr lang="en-US" dirty="0">
+                <a:solidFill>
+                  <a:schemeClr val="bg1"/>
+                </a:solidFill>
+              </a:rPr>
+              <a:t> is</a:t>
+            </a:r>
+          </a:p>
+          <a:p>
+            <a:r>
+              <a:rPr lang="en-US" dirty="0">
+                <a:solidFill>
+                  <a:schemeClr val="bg1"/>
+                </a:solidFill>
+              </a:rPr>
+              <a:t>Confirm the type of </a:t>
+            </a:r>
+            <a:r>
+              <a:rPr lang="en-US" dirty="0">
+                <a:solidFill>
+                  <a:srgbClr val="FFFF00"/>
+                </a:solidFill>
+                <a:latin typeface="Consolas" pitchFamily="49" charset="0"/>
+              </a:rPr>
+              <a:t>f</a:t>
+            </a:r>
+            <a:r>
+              <a:rPr lang="en-US" dirty="0">
+                <a:solidFill>
+                  <a:srgbClr val="FFFF00"/>
+                </a:solidFill>
+                <a:latin typeface="Consolas" pitchFamily="49" charset="0"/>
+                <a:cs typeface="Consolas" pitchFamily="49" charset="0"/>
+              </a:rPr>
+              <a:t>acility</a:t>
             </a:r>
             <a:r>
               <a:rPr lang="en-US" dirty="0">
@@ -4219,6 +4246,55 @@
                       </p:childTnLst>
                     </p:cTn>
                   </p:par>
+                  <p:par>
+                    <p:cTn id="27" fill="hold">
+                      <p:stCondLst>
+                        <p:cond delay="indefinite"/>
+                      </p:stCondLst>
+                      <p:childTnLst>
+                        <p:par>
+                          <p:cTn id="28" fill="hold">
+                            <p:stCondLst>
+                              <p:cond delay="0"/>
+                            </p:stCondLst>
+                            <p:childTnLst>
+                              <p:par>
+                                <p:cTn id="29" presetID="1" presetClass="entr" presetSubtype="0" fill="hold" grpId="0" nodeType="clickEffect">
+                                  <p:stCondLst>
+                                    <p:cond delay="0"/>
+                                  </p:stCondLst>
+                                  <p:childTnLst>
+                                    <p:set>
+                                      <p:cBhvr>
+                                        <p:cTn id="30" dur="1" fill="hold">
+                                          <p:stCondLst>
+                                            <p:cond delay="0"/>
+                                          </p:stCondLst>
+                                        </p:cTn>
+                                        <p:tgtEl>
+                                          <p:spTgt spid="3">
+                                            <p:txEl>
+                                              <p:pRg st="6" end="6"/>
+                                            </p:txEl>
+                                          </p:spTgt>
+                                        </p:tgtEl>
+                                        <p:attrNameLst>
+                                          <p:attrName>style.visibility</p:attrName>
+                                        </p:attrNameLst>
+                                      </p:cBhvr>
+                                      <p:to>
+                                        <p:strVal val="visible"/>
+                                      </p:to>
+                                    </p:set>
+                                  </p:childTnLst>
+                                </p:cTn>
+                              </p:par>
+                            </p:childTnLst>
+                          </p:cTn>
+                        </p:par>
+                      </p:childTnLst>
+                    </p:cTn>
+                  </p:par>
                 </p:childTnLst>
               </p:cTn>
               <p:prevCondLst>
@@ -4266,364 +4342,6 @@
       </p:grpSpPr>
       <p:sp>
         <p:nvSpPr>
-          <p:cNvPr id="3" name="Content Placeholder 2"/>
-          <p:cNvSpPr>
-            <a:spLocks noGrp="1"/>
-          </p:cNvSpPr>
-          <p:nvPr>
-            <p:ph idx="1"/>
-          </p:nvPr>
-        </p:nvSpPr>
-        <p:spPr>
-          <a:xfrm>
-            <a:off x="457200" y="1600200"/>
-            <a:ext cx="8363272" cy="4781128"/>
-          </a:xfrm>
-        </p:spPr>
-        <p:txBody>
-          <a:bodyPr>
-            <a:normAutofit/>
-          </a:bodyPr>
-          <a:lstStyle/>
-          <a:p>
-            <a:r>
-              <a:rPr lang="en-US" dirty="0">
-                <a:solidFill>
-                  <a:schemeClr val="bg1"/>
-                </a:solidFill>
-              </a:rPr>
-              <a:t>Integer vectors</a:t>
-            </a:r>
-          </a:p>
-          <a:p>
-            <a:pPr lvl="1"/>
-            <a:r>
-              <a:rPr lang="en-US" dirty="0">
-                <a:solidFill>
-                  <a:schemeClr val="bg1"/>
-                </a:solidFill>
-              </a:rPr>
-              <a:t>1L, 2L, 3L</a:t>
-            </a:r>
-          </a:p>
-          <a:p>
-            <a:pPr lvl="2"/>
-            <a:r>
-              <a:rPr lang="en-US" dirty="0">
-                <a:solidFill>
-                  <a:schemeClr val="bg1"/>
-                </a:solidFill>
-              </a:rPr>
-              <a:t>Why the ‘L’?</a:t>
-            </a:r>
-          </a:p>
-          <a:p>
-            <a:pPr lvl="1"/>
-            <a:r>
-              <a:rPr lang="en-US" dirty="0">
-                <a:solidFill>
-                  <a:schemeClr val="bg1"/>
-                </a:solidFill>
-              </a:rPr>
-              <a:t>Not numerical </a:t>
-            </a:r>
-            <a:r>
-              <a:rPr lang="en-US" dirty="0">
-                <a:solidFill>
-                  <a:schemeClr val="accent6">
-                    <a:lumMod val="75000"/>
-                  </a:schemeClr>
-                </a:solidFill>
-              </a:rPr>
-              <a:t>per se</a:t>
-            </a:r>
-          </a:p>
-          <a:p>
-            <a:pPr lvl="1"/>
-            <a:r>
-              <a:rPr lang="en-US" dirty="0">
-                <a:solidFill>
-                  <a:schemeClr val="bg1"/>
-                </a:solidFill>
-              </a:rPr>
-              <a:t>Wide range – max up to </a:t>
-            </a:r>
-            <a:r>
-              <a:rPr lang="en-US" dirty="0">
-                <a:solidFill>
-                  <a:schemeClr val="accent6">
-                    <a:lumMod val="75000"/>
-                  </a:schemeClr>
-                </a:solidFill>
-              </a:rPr>
-              <a:t>2,147,483,647</a:t>
-            </a:r>
-            <a:endParaRPr lang="en-US" dirty="0">
-              <a:solidFill>
-                <a:schemeClr val="bg1"/>
-              </a:solidFill>
-            </a:endParaRPr>
-          </a:p>
-          <a:p>
-            <a:pPr lvl="1"/>
-            <a:endParaRPr lang="en-US" dirty="0">
-              <a:solidFill>
-                <a:schemeClr val="bg1"/>
-              </a:solidFill>
-            </a:endParaRPr>
-          </a:p>
-          <a:p>
-            <a:pPr lvl="1"/>
-            <a:r>
-              <a:rPr lang="en-US" u="sng" dirty="0">
-                <a:solidFill>
-                  <a:schemeClr val="bg1"/>
-                </a:solidFill>
-              </a:rPr>
-              <a:t>Exercise</a:t>
-            </a:r>
-          </a:p>
-          <a:p>
-            <a:pPr lvl="2"/>
-            <a:r>
-              <a:rPr lang="en-US" dirty="0">
-                <a:solidFill>
-                  <a:schemeClr val="bg1"/>
-                </a:solidFill>
-              </a:rPr>
-              <a:t>Make an integer vector </a:t>
-            </a:r>
-            <a:r>
-              <a:rPr lang="en-US" dirty="0">
-                <a:solidFill>
-                  <a:srgbClr val="FFFF00"/>
-                </a:solidFill>
-                <a:latin typeface="Consolas" pitchFamily="49" charset="0"/>
-                <a:cs typeface="Consolas" pitchFamily="49" charset="0"/>
-              </a:rPr>
-              <a:t>Age</a:t>
-            </a:r>
-            <a:r>
-              <a:rPr lang="en-US" dirty="0">
-                <a:solidFill>
-                  <a:schemeClr val="bg1"/>
-                </a:solidFill>
-              </a:rPr>
-              <a:t> of 10 adult subjects</a:t>
-            </a:r>
-          </a:p>
-          <a:p>
-            <a:pPr lvl="2"/>
-            <a:r>
-              <a:rPr lang="en-US" dirty="0">
-                <a:solidFill>
-                  <a:schemeClr val="bg1"/>
-                </a:solidFill>
-              </a:rPr>
-              <a:t>Make an integer vector </a:t>
-            </a:r>
-            <a:r>
-              <a:rPr lang="en-US" dirty="0" err="1">
-                <a:solidFill>
-                  <a:srgbClr val="FFFF00"/>
-                </a:solidFill>
-                <a:latin typeface="Consolas" pitchFamily="49" charset="0"/>
-                <a:cs typeface="Consolas" pitchFamily="49" charset="0"/>
-              </a:rPr>
-              <a:t>StaffStrength</a:t>
-            </a:r>
-            <a:r>
-              <a:rPr lang="en-US" dirty="0">
-                <a:solidFill>
-                  <a:schemeClr val="bg1"/>
-                </a:solidFill>
-              </a:rPr>
-              <a:t> for 10 facilities</a:t>
-            </a:r>
-          </a:p>
-          <a:p>
-            <a:pPr lvl="1"/>
-            <a:endParaRPr lang="en-GB" dirty="0">
-              <a:solidFill>
-                <a:schemeClr val="bg1"/>
-              </a:solidFill>
-            </a:endParaRPr>
-          </a:p>
-        </p:txBody>
-      </p:sp>
-    </p:spTree>
-    <p:extLst>
-      <p:ext uri="{BB962C8B-B14F-4D97-AF65-F5344CB8AC3E}">
-        <p14:creationId xmlns:p14="http://schemas.microsoft.com/office/powerpoint/2010/main" val="2917639555"/>
-      </p:ext>
-    </p:extLst>
-  </p:cSld>
-  <p:clrMapOvr>
-    <a:masterClrMapping/>
-  </p:clrMapOvr>
-  <p:timing>
-    <p:tnLst>
-      <p:par>
-        <p:cTn id="1" dur="indefinite" restart="never" nodeType="tmRoot">
-          <p:childTnLst>
-            <p:seq concurrent="1" nextAc="seek">
-              <p:cTn id="2" dur="indefinite" nodeType="mainSeq">
-                <p:childTnLst>
-                  <p:par>
-                    <p:cTn id="3" fill="hold">
-                      <p:stCondLst>
-                        <p:cond delay="indefinite"/>
-                      </p:stCondLst>
-                      <p:childTnLst>
-                        <p:par>
-                          <p:cTn id="4" fill="hold">
-                            <p:stCondLst>
-                              <p:cond delay="0"/>
-                            </p:stCondLst>
-                            <p:childTnLst>
-                              <p:par>
-                                <p:cTn id="5" presetID="1" presetClass="entr" presetSubtype="0" fill="hold" nodeType="clickEffect">
-                                  <p:stCondLst>
-                                    <p:cond delay="0"/>
-                                  </p:stCondLst>
-                                  <p:childTnLst>
-                                    <p:set>
-                                      <p:cBhvr>
-                                        <p:cTn id="6" dur="1" fill="hold">
-                                          <p:stCondLst>
-                                            <p:cond delay="0"/>
-                                          </p:stCondLst>
-                                        </p:cTn>
-                                        <p:tgtEl>
-                                          <p:spTgt spid="3">
-                                            <p:txEl>
-                                              <p:pRg st="6" end="6"/>
-                                            </p:txEl>
-                                          </p:spTgt>
-                                        </p:tgtEl>
-                                        <p:attrNameLst>
-                                          <p:attrName>style.visibility</p:attrName>
-                                        </p:attrNameLst>
-                                      </p:cBhvr>
-                                      <p:to>
-                                        <p:strVal val="visible"/>
-                                      </p:to>
-                                    </p:set>
-                                  </p:childTnLst>
-                                </p:cTn>
-                              </p:par>
-                              <p:par>
-                                <p:cTn id="7" presetID="1" presetClass="entr" presetSubtype="0" fill="hold" nodeType="withEffect">
-                                  <p:stCondLst>
-                                    <p:cond delay="0"/>
-                                  </p:stCondLst>
-                                  <p:childTnLst>
-                                    <p:set>
-                                      <p:cBhvr>
-                                        <p:cTn id="8" dur="1" fill="hold">
-                                          <p:stCondLst>
-                                            <p:cond delay="0"/>
-                                          </p:stCondLst>
-                                        </p:cTn>
-                                        <p:tgtEl>
-                                          <p:spTgt spid="3">
-                                            <p:txEl>
-                                              <p:pRg st="7" end="7"/>
-                                            </p:txEl>
-                                          </p:spTgt>
-                                        </p:tgtEl>
-                                        <p:attrNameLst>
-                                          <p:attrName>style.visibility</p:attrName>
-                                        </p:attrNameLst>
-                                      </p:cBhvr>
-                                      <p:to>
-                                        <p:strVal val="visible"/>
-                                      </p:to>
-                                    </p:set>
-                                  </p:childTnLst>
-                                </p:cTn>
-                              </p:par>
-                              <p:par>
-                                <p:cTn id="9" presetID="1" presetClass="entr" presetSubtype="0" fill="hold" nodeType="withEffect">
-                                  <p:stCondLst>
-                                    <p:cond delay="0"/>
-                                  </p:stCondLst>
-                                  <p:childTnLst>
-                                    <p:set>
-                                      <p:cBhvr>
-                                        <p:cTn id="10" dur="1" fill="hold">
-                                          <p:stCondLst>
-                                            <p:cond delay="0"/>
-                                          </p:stCondLst>
-                                        </p:cTn>
-                                        <p:tgtEl>
-                                          <p:spTgt spid="3">
-                                            <p:txEl>
-                                              <p:pRg st="8" end="8"/>
-                                            </p:txEl>
-                                          </p:spTgt>
-                                        </p:tgtEl>
-                                        <p:attrNameLst>
-                                          <p:attrName>style.visibility</p:attrName>
-                                        </p:attrNameLst>
-                                      </p:cBhvr>
-                                      <p:to>
-                                        <p:strVal val="visible"/>
-                                      </p:to>
-                                    </p:set>
-                                  </p:childTnLst>
-                                </p:cTn>
-                              </p:par>
-                            </p:childTnLst>
-                          </p:cTn>
-                        </p:par>
-                      </p:childTnLst>
-                    </p:cTn>
-                  </p:par>
-                </p:childTnLst>
-              </p:cTn>
-              <p:prevCondLst>
-                <p:cond evt="onPrev" delay="0">
-                  <p:tgtEl>
-                    <p:sldTgt/>
-                  </p:tgtEl>
-                </p:cond>
-              </p:prevCondLst>
-              <p:nextCondLst>
-                <p:cond evt="onNext" delay="0">
-                  <p:tgtEl>
-                    <p:sldTgt/>
-                  </p:tgtEl>
-                </p:cond>
-              </p:nextCondLst>
-            </p:seq>
-          </p:childTnLst>
-        </p:cTn>
-      </p:par>
-    </p:tnLst>
-  </p:timing>
-</p:sld>
-</file>
-
-<file path=ppt/slides/slide12.xml><?xml version="1.0" encoding="utf-8"?>
-<p:sld xmlns:a="http://schemas.openxmlformats.org/drawingml/2006/main" xmlns:r="http://schemas.openxmlformats.org/officeDocument/2006/relationships" xmlns:p="http://schemas.openxmlformats.org/presentationml/2006/main">
-  <p:cSld>
-    <p:spTree>
-      <p:nvGrpSpPr>
-        <p:cNvPr id="1" name=""/>
-        <p:cNvGrpSpPr/>
-        <p:nvPr/>
-      </p:nvGrpSpPr>
-      <p:grpSpPr>
-        <a:xfrm>
-          <a:off x="0" y="0"/>
-          <a:ext cx="0" cy="0"/>
-          <a:chOff x="0" y="0"/>
-          <a:chExt cx="0" cy="0"/>
-        </a:xfrm>
-      </p:grpSpPr>
-      <p:sp>
-        <p:nvSpPr>
           <p:cNvPr id="2" name="Title 1">
             <a:extLst>
               <a:ext uri="{FF2B5EF4-FFF2-40B4-BE49-F238E27FC236}">
@@ -4676,7 +4394,7 @@
         <p:spPr/>
         <p:txBody>
           <a:bodyPr>
-            <a:normAutofit lnSpcReduction="10000"/>
+            <a:normAutofit/>
           </a:bodyPr>
           <a:lstStyle/>
           <a:p>
@@ -4698,26 +4416,6 @@
                 </a:solidFill>
               </a:rPr>
               <a:t>Why the ‘L’?</a:t>
-            </a:r>
-          </a:p>
-          <a:p>
-            <a:r>
-              <a:rPr lang="en-US" dirty="0">
-                <a:solidFill>
-                  <a:schemeClr val="bg1"/>
-                </a:solidFill>
-              </a:rPr>
-              <a:t>Not numerical </a:t>
-            </a:r>
-            <a:r>
-              <a:rPr lang="en-US" dirty="0">
-                <a:solidFill>
-                  <a:schemeClr val="accent6">
-                    <a:lumMod val="75000"/>
-                  </a:schemeClr>
-                </a:solidFill>
-              </a:rPr>
-              <a:t>per se</a:t>
             </a:r>
           </a:p>
           <a:p>
@@ -4778,38 +4476,56 @@
                   <a:srgbClr val="FFFF00"/>
                 </a:solidFill>
                 <a:latin typeface="Consolas" pitchFamily="49" charset="0"/>
-                <a:cs typeface="Consolas" pitchFamily="49" charset="0"/>
-              </a:rPr>
-              <a:t>Age</a:t>
-            </a:r>
-            <a:r>
-              <a:rPr lang="en-US" dirty="0">
-                <a:solidFill>
-                  <a:schemeClr val="bg1"/>
-                </a:solidFill>
-              </a:rPr>
-              <a:t> of 10 adult subjects</a:t>
-            </a:r>
-          </a:p>
-          <a:p>
-            <a:pPr lvl="1"/>
-            <a:r>
-              <a:rPr lang="en-US" dirty="0">
-                <a:solidFill>
-                  <a:schemeClr val="bg1"/>
-                </a:solidFill>
-              </a:rPr>
-              <a:t>Make an integer vector </a:t>
-            </a:r>
-            <a:r>
-              <a:rPr lang="en-US" dirty="0" err="1">
+              </a:rPr>
+              <a:t>a</a:t>
+            </a:r>
+            <a:r>
+              <a:rPr lang="en-US" dirty="0">
                 <a:solidFill>
                   <a:srgbClr val="FFFF00"/>
                 </a:solidFill>
                 <a:latin typeface="Consolas" pitchFamily="49" charset="0"/>
                 <a:cs typeface="Consolas" pitchFamily="49" charset="0"/>
               </a:rPr>
-              <a:t>StaffStrength</a:t>
+              <a:t>ge</a:t>
+            </a:r>
+            <a:r>
+              <a:rPr lang="en-US" dirty="0">
+                <a:solidFill>
+                  <a:schemeClr val="bg1"/>
+                </a:solidFill>
+              </a:rPr>
+              <a:t> of 10 adult subjects</a:t>
+            </a:r>
+          </a:p>
+          <a:p>
+            <a:pPr lvl="1"/>
+            <a:r>
+              <a:rPr lang="en-US" dirty="0">
+                <a:solidFill>
+                  <a:schemeClr val="bg1"/>
+                </a:solidFill>
+              </a:rPr>
+              <a:t>Make an integer vector </a:t>
+            </a:r>
+            <a:r>
+              <a:rPr lang="en-US" dirty="0" err="1">
+                <a:solidFill>
+                  <a:srgbClr val="FFFF00"/>
+                </a:solidFill>
+                <a:latin typeface="Consolas" pitchFamily="49" charset="0"/>
+              </a:rPr>
+              <a:t>s</a:t>
+            </a:r>
+            <a:r>
+              <a:rPr lang="en-US" dirty="0" err="1">
+                <a:solidFill>
+                  <a:srgbClr val="FFFF00"/>
+                </a:solidFill>
+                <a:latin typeface="Consolas" pitchFamily="49" charset="0"/>
+                <a:cs typeface="Consolas" pitchFamily="49" charset="0"/>
+              </a:rPr>
+              <a:t>taffStrength</a:t>
             </a:r>
             <a:r>
               <a:rPr lang="en-US" dirty="0">
@@ -4871,7 +4587,7 @@
                                         <p:tgtEl>
                                           <p:spTgt spid="3">
                                             <p:txEl>
-                                              <p:pRg st="5" end="5"/>
+                                              <p:pRg st="4" end="4"/>
                                             </p:txEl>
                                           </p:spTgt>
                                         </p:tgtEl>
@@ -4902,7 +4618,7 @@
                                         <p:tgtEl>
                                           <p:spTgt spid="3">
                                             <p:txEl>
-                                              <p:pRg st="6" end="6"/>
+                                              <p:pRg st="5" end="5"/>
                                             </p:txEl>
                                           </p:spTgt>
                                         </p:tgtEl>
@@ -4933,7 +4649,7 @@
                                         <p:tgtEl>
                                           <p:spTgt spid="3">
                                             <p:txEl>
-                                              <p:pRg st="7" end="7"/>
+                                              <p:pRg st="6" end="6"/>
                                             </p:txEl>
                                           </p:spTgt>
                                         </p:tgtEl>
@@ -4979,7 +4695,7 @@
 </p:sld>
 </file>
 
-<file path=ppt/slides/slide13.xml><?xml version="1.0" encoding="utf-8"?>
+<file path=ppt/slides/slide12.xml><?xml version="1.0" encoding="utf-8"?>
 <p:sld xmlns:a="http://schemas.openxmlformats.org/drawingml/2006/main" xmlns:r="http://schemas.openxmlformats.org/officeDocument/2006/relationships" xmlns:p="http://schemas.openxmlformats.org/presentationml/2006/main">
   <p:cSld>
     <p:spTree>
@@ -5245,7 +4961,7 @@
 </p:sld>
 </file>
 
-<file path=ppt/slides/slide14.xml><?xml version="1.0" encoding="utf-8"?>
+<file path=ppt/slides/slide13.xml><?xml version="1.0" encoding="utf-8"?>
 <p:sld xmlns:a="http://schemas.openxmlformats.org/drawingml/2006/main" xmlns:r="http://schemas.openxmlformats.org/officeDocument/2006/relationships" xmlns:p="http://schemas.openxmlformats.org/presentationml/2006/main">
   <p:cSld>
     <p:spTree>
@@ -5405,9 +5121,18 @@
                   <a:srgbClr val="FFFF00"/>
                 </a:solidFill>
                 <a:latin typeface="Consolas" pitchFamily="49" charset="0"/>
+              </a:rPr>
+              <a:t>p</a:t>
+            </a:r>
+            <a:r>
+              <a:rPr lang="en-US" dirty="0" err="1">
+                <a:solidFill>
+                  <a:srgbClr val="FFFF00"/>
+                </a:solidFill>
+                <a:latin typeface="Consolas" pitchFamily="49" charset="0"/>
                 <a:cs typeface="Consolas" pitchFamily="49" charset="0"/>
               </a:rPr>
-              <a:t>PermitSighted</a:t>
+              <a:t>ermitSighted</a:t>
             </a:r>
             <a:r>
               <a:rPr lang="en-US" dirty="0">
@@ -5823,7 +5548,7 @@
 </p:sld>
 </file>
 
-<file path=ppt/slides/slide15.xml><?xml version="1.0" encoding="utf-8"?>
+<file path=ppt/slides/slide14.xml><?xml version="1.0" encoding="utf-8"?>
 <p:sld xmlns:a="http://schemas.openxmlformats.org/drawingml/2006/main" xmlns:r="http://schemas.openxmlformats.org/officeDocument/2006/relationships" xmlns:p="http://schemas.openxmlformats.org/presentationml/2006/main">
   <p:cSld>
     <p:spTree>
@@ -6042,7 +5767,7 @@
 </p:sld>
 </file>
 
-<file path=ppt/slides/slide16.xml><?xml version="1.0" encoding="utf-8"?>
+<file path=ppt/slides/slide15.xml><?xml version="1.0" encoding="utf-8"?>
 <p:sld xmlns:a="http://schemas.openxmlformats.org/drawingml/2006/main" xmlns:r="http://schemas.openxmlformats.org/officeDocument/2006/relationships" xmlns:p="http://schemas.openxmlformats.org/presentationml/2006/main">
   <p:cSld>
     <p:spTree>
@@ -6120,7 +5845,7 @@
                   <a:schemeClr val="bg1"/>
                 </a:solidFill>
               </a:rPr>
-              <a:t>Remember: All elements of atomic vectors are of the same time</a:t>
+              <a:t>Remember: All elements of atomic vectors are of the same type</a:t>
             </a:r>
           </a:p>
           <a:p>
@@ -6158,7 +5883,7 @@
                   <a:schemeClr val="bg1"/>
                 </a:solidFill>
               </a:rPr>
-              <a:t>When we mix elements that are usually interpretable as different type, R will attempt coercion.</a:t>
+              <a:t>When we mix elements that are usually interpretable as a different type, R will attempt coercion.</a:t>
             </a:r>
           </a:p>
           <a:p>
@@ -6415,7 +6140,7 @@
 </p:sld>
 </file>
 
-<file path=ppt/slides/slide17.xml><?xml version="1.0" encoding="utf-8"?>
+<file path=ppt/slides/slide16.xml><?xml version="1.0" encoding="utf-8"?>
 <p:sld xmlns:a="http://schemas.openxmlformats.org/drawingml/2006/main" xmlns:r="http://schemas.openxmlformats.org/officeDocument/2006/relationships" xmlns:p="http://schemas.openxmlformats.org/presentationml/2006/main">
   <p:cSld>
     <p:spTree>
@@ -6634,7 +6359,7 @@
 </p:sld>
 </file>
 
-<file path=ppt/slides/slide18.xml><?xml version="1.0" encoding="utf-8"?>
+<file path=ppt/slides/slide17.xml><?xml version="1.0" encoding="utf-8"?>
 <p:sld xmlns:a="http://schemas.openxmlformats.org/drawingml/2006/main" xmlns:r="http://schemas.openxmlformats.org/officeDocument/2006/relationships" xmlns:p="http://schemas.openxmlformats.org/presentationml/2006/main">
   <p:cSld>
     <p:spTree>
@@ -6855,7 +6580,7 @@
 </p:sld>
 </file>
 
-<file path=ppt/slides/slide19.xml><?xml version="1.0" encoding="utf-8"?>
+<file path=ppt/slides/slide18.xml><?xml version="1.0" encoding="utf-8"?>
 <p:sld xmlns:a="http://schemas.openxmlformats.org/drawingml/2006/main" xmlns:r="http://schemas.openxmlformats.org/officeDocument/2006/relationships" xmlns:p="http://schemas.openxmlformats.org/presentationml/2006/main">
   <p:cSld>
     <p:spTree>
@@ -7385,6 +7110,199 @@
 </p:sld>
 </file>
 
+<file path=ppt/slides/slide19.xml><?xml version="1.0" encoding="utf-8"?>
+<p:sld xmlns:a="http://schemas.openxmlformats.org/drawingml/2006/main" xmlns:r="http://schemas.openxmlformats.org/officeDocument/2006/relationships" xmlns:p="http://schemas.openxmlformats.org/presentationml/2006/main">
+  <p:cSld>
+    <p:spTree>
+      <p:nvGrpSpPr>
+        <p:cNvPr id="1" name=""/>
+        <p:cNvGrpSpPr/>
+        <p:nvPr/>
+      </p:nvGrpSpPr>
+      <p:grpSpPr>
+        <a:xfrm>
+          <a:off x="0" y="0"/>
+          <a:ext cx="0" cy="0"/>
+          <a:chOff x="0" y="0"/>
+          <a:chExt cx="0" cy="0"/>
+        </a:xfrm>
+      </p:grpSpPr>
+      <p:sp>
+        <p:nvSpPr>
+          <p:cNvPr id="2" name="Title 1">
+            <a:extLst>
+              <a:ext uri="{FF2B5EF4-FFF2-40B4-BE49-F238E27FC236}">
+                <a16:creationId xmlns:a16="http://schemas.microsoft.com/office/drawing/2014/main" id="{0C30AA79-1C4F-F264-2205-9CD11BAC7552}"/>
+              </a:ext>
+            </a:extLst>
+          </p:cNvPr>
+          <p:cNvSpPr>
+            <a:spLocks noGrp="1"/>
+          </p:cNvSpPr>
+          <p:nvPr>
+            <p:ph type="title"/>
+          </p:nvPr>
+        </p:nvSpPr>
+        <p:spPr/>
+        <p:txBody>
+          <a:bodyPr/>
+          <a:lstStyle/>
+          <a:p>
+            <a:r>
+              <a:rPr lang="en-GB" dirty="0">
+                <a:solidFill>
+                  <a:schemeClr val="bg1"/>
+                </a:solidFill>
+              </a:rPr>
+              <a:t>Vector operations</a:t>
+            </a:r>
+          </a:p>
+        </p:txBody>
+      </p:sp>
+      <p:sp>
+        <p:nvSpPr>
+          <p:cNvPr id="3" name="Content Placeholder 2">
+            <a:extLst>
+              <a:ext uri="{FF2B5EF4-FFF2-40B4-BE49-F238E27FC236}">
+                <a16:creationId xmlns:a16="http://schemas.microsoft.com/office/drawing/2014/main" id="{E493A4D2-5E9A-30FD-0C3F-87111E8DCEDE}"/>
+              </a:ext>
+            </a:extLst>
+          </p:cNvPr>
+          <p:cNvSpPr>
+            <a:spLocks noGrp="1"/>
+          </p:cNvSpPr>
+          <p:nvPr>
+            <p:ph idx="1"/>
+          </p:nvPr>
+        </p:nvSpPr>
+        <p:spPr/>
+        <p:txBody>
+          <a:bodyPr>
+            <a:normAutofit fontScale="85000" lnSpcReduction="20000"/>
+          </a:bodyPr>
+          <a:lstStyle/>
+          <a:p>
+            <a:r>
+              <a:rPr lang="en-GB" dirty="0">
+                <a:solidFill>
+                  <a:schemeClr val="bg1"/>
+                </a:solidFill>
+              </a:rPr>
+              <a:t>Various operations can be carried out on vectors</a:t>
+            </a:r>
+          </a:p>
+          <a:p>
+            <a:r>
+              <a:rPr lang="en-GB" dirty="0">
+                <a:solidFill>
+                  <a:schemeClr val="bg1"/>
+                </a:solidFill>
+              </a:rPr>
+              <a:t>Includes</a:t>
+            </a:r>
+          </a:p>
+          <a:p>
+            <a:pPr lvl="1"/>
+            <a:r>
+              <a:rPr lang="en-GB" dirty="0">
+                <a:solidFill>
+                  <a:schemeClr val="bg1"/>
+                </a:solidFill>
+              </a:rPr>
+              <a:t>Arithmetic</a:t>
+            </a:r>
+          </a:p>
+          <a:p>
+            <a:pPr lvl="1"/>
+            <a:r>
+              <a:rPr lang="en-GB" dirty="0">
+                <a:solidFill>
+                  <a:schemeClr val="bg1"/>
+                </a:solidFill>
+              </a:rPr>
+              <a:t>Logical</a:t>
+            </a:r>
+          </a:p>
+          <a:p>
+            <a:pPr lvl="1"/>
+            <a:r>
+              <a:rPr lang="en-GB" dirty="0">
+                <a:solidFill>
+                  <a:schemeClr val="bg1"/>
+                </a:solidFill>
+              </a:rPr>
+              <a:t>Comparisons</a:t>
+            </a:r>
+          </a:p>
+          <a:p>
+            <a:pPr lvl="1"/>
+            <a:r>
+              <a:rPr lang="en-GB" dirty="0">
+                <a:solidFill>
+                  <a:schemeClr val="bg1"/>
+                </a:solidFill>
+              </a:rPr>
+              <a:t>Other function calls</a:t>
+            </a:r>
+          </a:p>
+          <a:p>
+            <a:r>
+              <a:rPr lang="en-GB" dirty="0">
+                <a:solidFill>
+                  <a:schemeClr val="bg1"/>
+                </a:solidFill>
+              </a:rPr>
+              <a:t>Operations on a whole vector usually apply to each element</a:t>
+            </a:r>
+          </a:p>
+          <a:p>
+            <a:pPr lvl="1"/>
+            <a:r>
+              <a:rPr lang="en-GB" dirty="0">
+                <a:solidFill>
+                  <a:schemeClr val="bg1"/>
+                </a:solidFill>
+              </a:rPr>
+              <a:t>E.g. to add 5 to a vector means to add it to each element</a:t>
+            </a:r>
+          </a:p>
+          <a:p>
+            <a:pPr lvl="1"/>
+            <a:r>
+              <a:rPr lang="en-GB" dirty="0">
+                <a:solidFill>
+                  <a:schemeClr val="bg1"/>
+                </a:solidFill>
+              </a:rPr>
+              <a:t>For 2 vectors of the same size, each operand is applied to the corresponding counterpart</a:t>
+            </a:r>
+          </a:p>
+          <a:p>
+            <a:pPr lvl="1"/>
+            <a:r>
+              <a:rPr lang="en-GB" dirty="0">
+                <a:solidFill>
+                  <a:schemeClr val="bg1"/>
+                </a:solidFill>
+              </a:rPr>
+              <a:t>If one vector is smaller, the operations are recycled</a:t>
+            </a:r>
+          </a:p>
+        </p:txBody>
+      </p:sp>
+    </p:spTree>
+    <p:extLst>
+      <p:ext uri="{BB962C8B-B14F-4D97-AF65-F5344CB8AC3E}">
+        <p14:creationId xmlns:p14="http://schemas.microsoft.com/office/powerpoint/2010/main" val="2683639746"/>
+      </p:ext>
+    </p:extLst>
+  </p:cSld>
+  <p:clrMapOvr>
+    <a:masterClrMapping/>
+  </p:clrMapOvr>
+</p:sld>
+</file>
+
 <file path=ppt/slides/slide2.xml><?xml version="1.0" encoding="utf-8"?>
 <p:sld xmlns:a="http://schemas.openxmlformats.org/drawingml/2006/main" xmlns:r="http://schemas.openxmlformats.org/officeDocument/2006/relationships" xmlns:p="http://schemas.openxmlformats.org/presentationml/2006/main">
   <p:cSld>
@@ -7509,6 +7427,988 @@
 <file path=ppt/slides/slide20.xml><?xml version="1.0" encoding="utf-8"?>
 <p:sld xmlns:a="http://schemas.openxmlformats.org/drawingml/2006/main" xmlns:r="http://schemas.openxmlformats.org/officeDocument/2006/relationships" xmlns:p="http://schemas.openxmlformats.org/presentationml/2006/main">
   <p:cSld>
+    <p:bg>
+      <p:bgPr>
+        <a:solidFill>
+          <a:schemeClr val="bg1"/>
+        </a:solidFill>
+        <a:effectLst/>
+      </p:bgPr>
+    </p:bg>
+    <p:spTree>
+      <p:nvGrpSpPr>
+        <p:cNvPr id="1" name=""/>
+        <p:cNvGrpSpPr/>
+        <p:nvPr/>
+      </p:nvGrpSpPr>
+      <p:grpSpPr>
+        <a:xfrm>
+          <a:off x="0" y="0"/>
+          <a:ext cx="0" cy="0"/>
+          <a:chOff x="0" y="0"/>
+          <a:chExt cx="0" cy="0"/>
+        </a:xfrm>
+      </p:grpSpPr>
+      <p:sp>
+        <p:nvSpPr>
+          <p:cNvPr id="10" name="Rectangle 9">
+            <a:extLst>
+              <a:ext uri="{FF2B5EF4-FFF2-40B4-BE49-F238E27FC236}">
+                <a16:creationId xmlns:a16="http://schemas.microsoft.com/office/drawing/2014/main" id="{42A4FC2C-047E-45A5-965D-8E1E3BF09BC6}"/>
+              </a:ext>
+              <a:ext uri="{C183D7F6-B498-43B3-948B-1728B52AA6E4}">
+                <adec:decorative xmlns:adec="http://schemas.microsoft.com/office/drawing/2017/decorative" val="1"/>
+              </a:ext>
+            </a:extLst>
+          </p:cNvPr>
+          <p:cNvSpPr>
+            <a:spLocks noGrp="1" noRot="1" noChangeAspect="1" noMove="1" noResize="1" noEditPoints="1" noAdjustHandles="1" noChangeArrowheads="1" noChangeShapeType="1" noTextEdit="1"/>
+          </p:cNvSpPr>
+          <p:nvPr>
+            <p:extLst>
+              <p:ext uri="{386F3935-93C4-4BCD-93E2-E3B085C9AB24}">
+                <p16:designElem xmlns:p16="http://schemas.microsoft.com/office/powerpoint/2015/main" val="1"/>
+              </p:ext>
+            </p:extLst>
+          </p:nvPr>
+        </p:nvSpPr>
+        <p:spPr bwMode="white">
+          <a:xfrm>
+            <a:off x="1143" y="0"/>
+            <a:ext cx="9141714" cy="6858000"/>
+          </a:xfrm>
+          <a:prstGeom prst="rect">
+            <a:avLst/>
+          </a:prstGeom>
+          <a:noFill/>
+          <a:ln>
+            <a:noFill/>
+          </a:ln>
+        </p:spPr>
+        <p:style>
+          <a:lnRef idx="2">
+            <a:schemeClr val="accent1">
+              <a:shade val="50000"/>
+            </a:schemeClr>
+          </a:lnRef>
+          <a:fillRef idx="1">
+            <a:schemeClr val="accent1"/>
+          </a:fillRef>
+          <a:effectRef idx="0">
+            <a:schemeClr val="accent1"/>
+          </a:effectRef>
+          <a:fontRef idx="minor">
+            <a:schemeClr val="lt1"/>
+          </a:fontRef>
+        </p:style>
+        <p:txBody>
+          <a:bodyPr rtlCol="0" anchor="ctr"/>
+          <a:lstStyle>
+            <a:defPPr>
+              <a:defRPr lang="en-US"/>
+            </a:defPPr>
+            <a:lvl1pPr marL="0" algn="l" defTabSz="914400" rtl="0" eaLnBrk="1" latinLnBrk="0" hangingPunct="1">
+              <a:defRPr sz="1800" kern="1200">
+                <a:solidFill>
+                  <a:schemeClr val="lt1"/>
+                </a:solidFill>
+                <a:latin typeface="+mn-lt"/>
+                <a:ea typeface="+mn-ea"/>
+                <a:cs typeface="+mn-cs"/>
+              </a:defRPr>
+            </a:lvl1pPr>
+            <a:lvl2pPr marL="457200" algn="l" defTabSz="914400" rtl="0" eaLnBrk="1" latinLnBrk="0" hangingPunct="1">
+              <a:defRPr sz="1800" kern="1200">
+                <a:solidFill>
+                  <a:schemeClr val="lt1"/>
+                </a:solidFill>
+                <a:latin typeface="+mn-lt"/>
+                <a:ea typeface="+mn-ea"/>
+                <a:cs typeface="+mn-cs"/>
+              </a:defRPr>
+            </a:lvl2pPr>
+            <a:lvl3pPr marL="914400" algn="l" defTabSz="914400" rtl="0" eaLnBrk="1" latinLnBrk="0" hangingPunct="1">
+              <a:defRPr sz="1800" kern="1200">
+                <a:solidFill>
+                  <a:schemeClr val="lt1"/>
+                </a:solidFill>
+                <a:latin typeface="+mn-lt"/>
+                <a:ea typeface="+mn-ea"/>
+                <a:cs typeface="+mn-cs"/>
+              </a:defRPr>
+            </a:lvl3pPr>
+            <a:lvl4pPr marL="1371600" algn="l" defTabSz="914400" rtl="0" eaLnBrk="1" latinLnBrk="0" hangingPunct="1">
+              <a:defRPr sz="1800" kern="1200">
+                <a:solidFill>
+                  <a:schemeClr val="lt1"/>
+                </a:solidFill>
+                <a:latin typeface="+mn-lt"/>
+                <a:ea typeface="+mn-ea"/>
+                <a:cs typeface="+mn-cs"/>
+              </a:defRPr>
+            </a:lvl4pPr>
+            <a:lvl5pPr marL="1828800" algn="l" defTabSz="914400" rtl="0" eaLnBrk="1" latinLnBrk="0" hangingPunct="1">
+              <a:defRPr sz="1800" kern="1200">
+                <a:solidFill>
+                  <a:schemeClr val="lt1"/>
+                </a:solidFill>
+                <a:latin typeface="+mn-lt"/>
+                <a:ea typeface="+mn-ea"/>
+                <a:cs typeface="+mn-cs"/>
+              </a:defRPr>
+            </a:lvl5pPr>
+            <a:lvl6pPr marL="2286000" algn="l" defTabSz="914400" rtl="0" eaLnBrk="1" latinLnBrk="0" hangingPunct="1">
+              <a:defRPr sz="1800" kern="1200">
+                <a:solidFill>
+                  <a:schemeClr val="lt1"/>
+                </a:solidFill>
+                <a:latin typeface="+mn-lt"/>
+                <a:ea typeface="+mn-ea"/>
+                <a:cs typeface="+mn-cs"/>
+              </a:defRPr>
+            </a:lvl6pPr>
+            <a:lvl7pPr marL="2743200" algn="l" defTabSz="914400" rtl="0" eaLnBrk="1" latinLnBrk="0" hangingPunct="1">
+              <a:defRPr sz="1800" kern="1200">
+                <a:solidFill>
+                  <a:schemeClr val="lt1"/>
+                </a:solidFill>
+                <a:latin typeface="+mn-lt"/>
+                <a:ea typeface="+mn-ea"/>
+                <a:cs typeface="+mn-cs"/>
+              </a:defRPr>
+            </a:lvl7pPr>
+            <a:lvl8pPr marL="3200400" algn="l" defTabSz="914400" rtl="0" eaLnBrk="1" latinLnBrk="0" hangingPunct="1">
+              <a:defRPr sz="1800" kern="1200">
+                <a:solidFill>
+                  <a:schemeClr val="lt1"/>
+                </a:solidFill>
+                <a:latin typeface="+mn-lt"/>
+                <a:ea typeface="+mn-ea"/>
+                <a:cs typeface="+mn-cs"/>
+              </a:defRPr>
+            </a:lvl8pPr>
+            <a:lvl9pPr marL="3657600" algn="l" defTabSz="914400" rtl="0" eaLnBrk="1" latinLnBrk="0" hangingPunct="1">
+              <a:defRPr sz="1800" kern="1200">
+                <a:solidFill>
+                  <a:schemeClr val="lt1"/>
+                </a:solidFill>
+                <a:latin typeface="+mn-lt"/>
+                <a:ea typeface="+mn-ea"/>
+                <a:cs typeface="+mn-cs"/>
+              </a:defRPr>
+            </a:lvl9pPr>
+          </a:lstStyle>
+          <a:p>
+            <a:pPr algn="ctr"/>
+            <a:endParaRPr lang="en-US"/>
+          </a:p>
+        </p:txBody>
+      </p:sp>
+      <p:pic>
+        <p:nvPicPr>
+          <p:cNvPr id="5" name="Content Placeholder 4" descr="A screenshot of a computer code&#10;&#10;Description automatically generated">
+            <a:extLst>
+              <a:ext uri="{FF2B5EF4-FFF2-40B4-BE49-F238E27FC236}">
+                <a16:creationId xmlns:a16="http://schemas.microsoft.com/office/drawing/2014/main" id="{2540D7FA-57C2-E328-5516-95BBB2672099}"/>
+              </a:ext>
+            </a:extLst>
+          </p:cNvPr>
+          <p:cNvPicPr>
+            <a:picLocks noGrp="1" noChangeAspect="1"/>
+          </p:cNvPicPr>
+          <p:nvPr>
+            <p:ph idx="1"/>
+          </p:nvPr>
+        </p:nvPicPr>
+        <p:blipFill>
+          <a:blip r:embed="rId2"/>
+          <a:srcRect r="2234" b="3"/>
+          <a:stretch/>
+        </p:blipFill>
+        <p:spPr>
+          <a:xfrm>
+            <a:off x="20" y="1282"/>
+            <a:ext cx="9143980" cy="6856718"/>
+          </a:xfrm>
+          <a:prstGeom prst="rect">
+            <a:avLst/>
+          </a:prstGeom>
+        </p:spPr>
+      </p:pic>
+    </p:spTree>
+    <p:extLst>
+      <p:ext uri="{BB962C8B-B14F-4D97-AF65-F5344CB8AC3E}">
+        <p14:creationId xmlns:p14="http://schemas.microsoft.com/office/powerpoint/2010/main" val="2083799108"/>
+      </p:ext>
+    </p:extLst>
+  </p:cSld>
+  <p:clrMapOvr>
+    <a:masterClrMapping/>
+  </p:clrMapOvr>
+</p:sld>
+</file>
+
+<file path=ppt/slides/slide21.xml><?xml version="1.0" encoding="utf-8"?>
+<p:sld xmlns:a="http://schemas.openxmlformats.org/drawingml/2006/main" xmlns:r="http://schemas.openxmlformats.org/officeDocument/2006/relationships" xmlns:p="http://schemas.openxmlformats.org/presentationml/2006/main">
+  <p:cSld>
+    <p:spTree>
+      <p:nvGrpSpPr>
+        <p:cNvPr id="1" name="">
+          <a:extLst>
+            <a:ext uri="{FF2B5EF4-FFF2-40B4-BE49-F238E27FC236}">
+              <a16:creationId xmlns:a16="http://schemas.microsoft.com/office/drawing/2014/main" id="{CA47A1E5-787D-7185-7C06-4E3E9396BC4C}"/>
+            </a:ext>
+          </a:extLst>
+        </p:cNvPr>
+        <p:cNvGrpSpPr/>
+        <p:nvPr/>
+      </p:nvGrpSpPr>
+      <p:grpSpPr>
+        <a:xfrm>
+          <a:off x="0" y="0"/>
+          <a:ext cx="0" cy="0"/>
+          <a:chOff x="0" y="0"/>
+          <a:chExt cx="0" cy="0"/>
+        </a:xfrm>
+      </p:grpSpPr>
+      <p:sp>
+        <p:nvSpPr>
+          <p:cNvPr id="2" name="Title 1">
+            <a:extLst>
+              <a:ext uri="{FF2B5EF4-FFF2-40B4-BE49-F238E27FC236}">
+                <a16:creationId xmlns:a16="http://schemas.microsoft.com/office/drawing/2014/main" id="{7B4F718E-C16D-259B-DFE2-0D57ABCEA6E9}"/>
+              </a:ext>
+            </a:extLst>
+          </p:cNvPr>
+          <p:cNvSpPr>
+            <a:spLocks noGrp="1"/>
+          </p:cNvSpPr>
+          <p:nvPr>
+            <p:ph type="title"/>
+          </p:nvPr>
+        </p:nvSpPr>
+        <p:spPr/>
+        <p:txBody>
+          <a:bodyPr/>
+          <a:lstStyle/>
+          <a:p>
+            <a:r>
+              <a:rPr lang="en-US" dirty="0">
+                <a:solidFill>
+                  <a:schemeClr val="bg1"/>
+                </a:solidFill>
+              </a:rPr>
+              <a:t>Indexing</a:t>
+            </a:r>
+            <a:endParaRPr lang="en-GB" dirty="0">
+              <a:solidFill>
+                <a:schemeClr val="bg1"/>
+              </a:solidFill>
+            </a:endParaRPr>
+          </a:p>
+        </p:txBody>
+      </p:sp>
+      <p:sp>
+        <p:nvSpPr>
+          <p:cNvPr id="3" name="Content Placeholder 2">
+            <a:extLst>
+              <a:ext uri="{FF2B5EF4-FFF2-40B4-BE49-F238E27FC236}">
+                <a16:creationId xmlns:a16="http://schemas.microsoft.com/office/drawing/2014/main" id="{AD63AD4D-5B33-A848-0792-628D8CF3352B}"/>
+              </a:ext>
+            </a:extLst>
+          </p:cNvPr>
+          <p:cNvSpPr>
+            <a:spLocks noGrp="1"/>
+          </p:cNvSpPr>
+          <p:nvPr>
+            <p:ph idx="1"/>
+          </p:nvPr>
+        </p:nvSpPr>
+        <p:spPr/>
+        <p:txBody>
+          <a:bodyPr>
+            <a:normAutofit fontScale="92500" lnSpcReduction="10000"/>
+          </a:bodyPr>
+          <a:lstStyle/>
+          <a:p>
+            <a:r>
+              <a:rPr lang="en-US" dirty="0">
+                <a:solidFill>
+                  <a:schemeClr val="bg1"/>
+                </a:solidFill>
+              </a:rPr>
+              <a:t>A crucial aspect of R programming</a:t>
+            </a:r>
+          </a:p>
+          <a:p>
+            <a:r>
+              <a:rPr lang="en-US" dirty="0">
+                <a:solidFill>
+                  <a:schemeClr val="bg1"/>
+                </a:solidFill>
+              </a:rPr>
+              <a:t>Enables one to </a:t>
+            </a:r>
+            <a:r>
+              <a:rPr lang="en-US" dirty="0">
+                <a:solidFill>
+                  <a:schemeClr val="accent6">
+                    <a:lumMod val="75000"/>
+                  </a:schemeClr>
+                </a:solidFill>
+              </a:rPr>
+              <a:t>get</a:t>
+            </a:r>
+            <a:r>
+              <a:rPr lang="en-US" dirty="0">
+                <a:solidFill>
+                  <a:schemeClr val="bg1"/>
+                </a:solidFill>
+              </a:rPr>
+              <a:t> or </a:t>
+            </a:r>
+            <a:r>
+              <a:rPr lang="en-US" dirty="0">
+                <a:solidFill>
+                  <a:schemeClr val="accent6">
+                    <a:lumMod val="75000"/>
+                  </a:schemeClr>
+                </a:solidFill>
+              </a:rPr>
+              <a:t>set</a:t>
+            </a:r>
+            <a:r>
+              <a:rPr lang="en-US" dirty="0">
+                <a:solidFill>
+                  <a:schemeClr val="bg1"/>
+                </a:solidFill>
+              </a:rPr>
+              <a:t> elements of a data structure</a:t>
+            </a:r>
+          </a:p>
+          <a:p>
+            <a:r>
+              <a:rPr lang="en-US" dirty="0">
+                <a:solidFill>
+                  <a:schemeClr val="bg1"/>
+                </a:solidFill>
+              </a:rPr>
+              <a:t>Bracket operator </a:t>
+            </a:r>
+            <a:r>
+              <a:rPr lang="en-US" dirty="0">
+                <a:solidFill>
+                  <a:schemeClr val="accent6">
+                    <a:lumMod val="75000"/>
+                  </a:schemeClr>
+                </a:solidFill>
+              </a:rPr>
+              <a:t>“[ ]” </a:t>
+            </a:r>
+            <a:r>
+              <a:rPr lang="en-US" dirty="0">
+                <a:solidFill>
+                  <a:schemeClr val="bg1"/>
+                </a:solidFill>
+              </a:rPr>
+              <a:t>is used for indexing vectors</a:t>
+            </a:r>
+          </a:p>
+          <a:p>
+            <a:r>
+              <a:rPr lang="en-US" dirty="0">
+                <a:solidFill>
+                  <a:schemeClr val="bg1"/>
+                </a:solidFill>
+              </a:rPr>
+              <a:t>Can use:</a:t>
+            </a:r>
+          </a:p>
+          <a:p>
+            <a:pPr lvl="1"/>
+            <a:r>
+              <a:rPr lang="en-US" dirty="0">
+                <a:solidFill>
+                  <a:schemeClr val="bg1"/>
+                </a:solidFill>
+              </a:rPr>
+              <a:t>positional values =&gt; 4 gives the 4</a:t>
+            </a:r>
+            <a:r>
+              <a:rPr lang="en-US" baseline="30000" dirty="0">
+                <a:solidFill>
+                  <a:schemeClr val="bg1"/>
+                </a:solidFill>
+              </a:rPr>
+              <a:t>th</a:t>
+            </a:r>
+            <a:r>
+              <a:rPr lang="en-US" dirty="0">
+                <a:solidFill>
+                  <a:schemeClr val="bg1"/>
+                </a:solidFill>
+              </a:rPr>
+              <a:t> element</a:t>
+            </a:r>
+          </a:p>
+          <a:p>
+            <a:pPr lvl="1"/>
+            <a:r>
+              <a:rPr lang="en-US" dirty="0">
+                <a:solidFill>
+                  <a:schemeClr val="bg1"/>
+                </a:solidFill>
+              </a:rPr>
+              <a:t>named =&gt; applies only to named vectors</a:t>
+            </a:r>
+          </a:p>
+          <a:p>
+            <a:pPr lvl="1"/>
+            <a:r>
+              <a:rPr lang="en-US" dirty="0">
+                <a:solidFill>
+                  <a:schemeClr val="bg1"/>
+                </a:solidFill>
+              </a:rPr>
+              <a:t>logical TRUE/FALSE</a:t>
+            </a:r>
+          </a:p>
+          <a:p>
+            <a:pPr lvl="1"/>
+            <a:r>
+              <a:rPr lang="en-US" dirty="0">
+                <a:solidFill>
+                  <a:schemeClr val="bg1"/>
+                </a:solidFill>
+              </a:rPr>
+              <a:t>predicate statements</a:t>
+            </a:r>
+          </a:p>
+        </p:txBody>
+      </p:sp>
+    </p:spTree>
+    <p:extLst>
+      <p:ext uri="{BB962C8B-B14F-4D97-AF65-F5344CB8AC3E}">
+        <p14:creationId xmlns:p14="http://schemas.microsoft.com/office/powerpoint/2010/main" val="310181670"/>
+      </p:ext>
+    </p:extLst>
+  </p:cSld>
+  <p:clrMapOvr>
+    <a:masterClrMapping/>
+  </p:clrMapOvr>
+</p:sld>
+</file>
+
+<file path=ppt/slides/slide22.xml><?xml version="1.0" encoding="utf-8"?>
+<p:sld xmlns:a="http://schemas.openxmlformats.org/drawingml/2006/main" xmlns:r="http://schemas.openxmlformats.org/officeDocument/2006/relationships" xmlns:p="http://schemas.openxmlformats.org/presentationml/2006/main">
+  <p:cSld>
+    <p:bg>
+      <p:bgPr>
+        <a:solidFill>
+          <a:schemeClr val="bg1"/>
+        </a:solidFill>
+        <a:effectLst/>
+      </p:bgPr>
+    </p:bg>
+    <p:spTree>
+      <p:nvGrpSpPr>
+        <p:cNvPr id="1" name=""/>
+        <p:cNvGrpSpPr/>
+        <p:nvPr/>
+      </p:nvGrpSpPr>
+      <p:grpSpPr>
+        <a:xfrm>
+          <a:off x="0" y="0"/>
+          <a:ext cx="0" cy="0"/>
+          <a:chOff x="0" y="0"/>
+          <a:chExt cx="0" cy="0"/>
+        </a:xfrm>
+      </p:grpSpPr>
+      <p:sp>
+        <p:nvSpPr>
+          <p:cNvPr id="10" name="Rectangle 9">
+            <a:extLst>
+              <a:ext uri="{FF2B5EF4-FFF2-40B4-BE49-F238E27FC236}">
+                <a16:creationId xmlns:a16="http://schemas.microsoft.com/office/drawing/2014/main" id="{42A4FC2C-047E-45A5-965D-8E1E3BF09BC6}"/>
+              </a:ext>
+              <a:ext uri="{C183D7F6-B498-43B3-948B-1728B52AA6E4}">
+                <adec:decorative xmlns:adec="http://schemas.microsoft.com/office/drawing/2017/decorative" val="1"/>
+              </a:ext>
+            </a:extLst>
+          </p:cNvPr>
+          <p:cNvSpPr>
+            <a:spLocks noGrp="1" noRot="1" noChangeAspect="1" noMove="1" noResize="1" noEditPoints="1" noAdjustHandles="1" noChangeArrowheads="1" noChangeShapeType="1" noTextEdit="1"/>
+          </p:cNvSpPr>
+          <p:nvPr>
+            <p:extLst>
+              <p:ext uri="{386F3935-93C4-4BCD-93E2-E3B085C9AB24}">
+                <p16:designElem xmlns:p16="http://schemas.microsoft.com/office/powerpoint/2015/main" val="1"/>
+              </p:ext>
+            </p:extLst>
+          </p:nvPr>
+        </p:nvSpPr>
+        <p:spPr bwMode="white">
+          <a:xfrm>
+            <a:off x="1143" y="0"/>
+            <a:ext cx="9141714" cy="6858000"/>
+          </a:xfrm>
+          <a:prstGeom prst="rect">
+            <a:avLst/>
+          </a:prstGeom>
+          <a:noFill/>
+          <a:ln>
+            <a:noFill/>
+          </a:ln>
+        </p:spPr>
+        <p:style>
+          <a:lnRef idx="2">
+            <a:schemeClr val="accent1">
+              <a:shade val="50000"/>
+            </a:schemeClr>
+          </a:lnRef>
+          <a:fillRef idx="1">
+            <a:schemeClr val="accent1"/>
+          </a:fillRef>
+          <a:effectRef idx="0">
+            <a:schemeClr val="accent1"/>
+          </a:effectRef>
+          <a:fontRef idx="minor">
+            <a:schemeClr val="lt1"/>
+          </a:fontRef>
+        </p:style>
+        <p:txBody>
+          <a:bodyPr rtlCol="0" anchor="ctr"/>
+          <a:lstStyle>
+            <a:defPPr>
+              <a:defRPr lang="en-US"/>
+            </a:defPPr>
+            <a:lvl1pPr marL="0" algn="l" defTabSz="914400" rtl="0" eaLnBrk="1" latinLnBrk="0" hangingPunct="1">
+              <a:defRPr sz="1800" kern="1200">
+                <a:solidFill>
+                  <a:schemeClr val="lt1"/>
+                </a:solidFill>
+                <a:latin typeface="+mn-lt"/>
+                <a:ea typeface="+mn-ea"/>
+                <a:cs typeface="+mn-cs"/>
+              </a:defRPr>
+            </a:lvl1pPr>
+            <a:lvl2pPr marL="457200" algn="l" defTabSz="914400" rtl="0" eaLnBrk="1" latinLnBrk="0" hangingPunct="1">
+              <a:defRPr sz="1800" kern="1200">
+                <a:solidFill>
+                  <a:schemeClr val="lt1"/>
+                </a:solidFill>
+                <a:latin typeface="+mn-lt"/>
+                <a:ea typeface="+mn-ea"/>
+                <a:cs typeface="+mn-cs"/>
+              </a:defRPr>
+            </a:lvl2pPr>
+            <a:lvl3pPr marL="914400" algn="l" defTabSz="914400" rtl="0" eaLnBrk="1" latinLnBrk="0" hangingPunct="1">
+              <a:defRPr sz="1800" kern="1200">
+                <a:solidFill>
+                  <a:schemeClr val="lt1"/>
+                </a:solidFill>
+                <a:latin typeface="+mn-lt"/>
+                <a:ea typeface="+mn-ea"/>
+                <a:cs typeface="+mn-cs"/>
+              </a:defRPr>
+            </a:lvl3pPr>
+            <a:lvl4pPr marL="1371600" algn="l" defTabSz="914400" rtl="0" eaLnBrk="1" latinLnBrk="0" hangingPunct="1">
+              <a:defRPr sz="1800" kern="1200">
+                <a:solidFill>
+                  <a:schemeClr val="lt1"/>
+                </a:solidFill>
+                <a:latin typeface="+mn-lt"/>
+                <a:ea typeface="+mn-ea"/>
+                <a:cs typeface="+mn-cs"/>
+              </a:defRPr>
+            </a:lvl4pPr>
+            <a:lvl5pPr marL="1828800" algn="l" defTabSz="914400" rtl="0" eaLnBrk="1" latinLnBrk="0" hangingPunct="1">
+              <a:defRPr sz="1800" kern="1200">
+                <a:solidFill>
+                  <a:schemeClr val="lt1"/>
+                </a:solidFill>
+                <a:latin typeface="+mn-lt"/>
+                <a:ea typeface="+mn-ea"/>
+                <a:cs typeface="+mn-cs"/>
+              </a:defRPr>
+            </a:lvl5pPr>
+            <a:lvl6pPr marL="2286000" algn="l" defTabSz="914400" rtl="0" eaLnBrk="1" latinLnBrk="0" hangingPunct="1">
+              <a:defRPr sz="1800" kern="1200">
+                <a:solidFill>
+                  <a:schemeClr val="lt1"/>
+                </a:solidFill>
+                <a:latin typeface="+mn-lt"/>
+                <a:ea typeface="+mn-ea"/>
+                <a:cs typeface="+mn-cs"/>
+              </a:defRPr>
+            </a:lvl6pPr>
+            <a:lvl7pPr marL="2743200" algn="l" defTabSz="914400" rtl="0" eaLnBrk="1" latinLnBrk="0" hangingPunct="1">
+              <a:defRPr sz="1800" kern="1200">
+                <a:solidFill>
+                  <a:schemeClr val="lt1"/>
+                </a:solidFill>
+                <a:latin typeface="+mn-lt"/>
+                <a:ea typeface="+mn-ea"/>
+                <a:cs typeface="+mn-cs"/>
+              </a:defRPr>
+            </a:lvl7pPr>
+            <a:lvl8pPr marL="3200400" algn="l" defTabSz="914400" rtl="0" eaLnBrk="1" latinLnBrk="0" hangingPunct="1">
+              <a:defRPr sz="1800" kern="1200">
+                <a:solidFill>
+                  <a:schemeClr val="lt1"/>
+                </a:solidFill>
+                <a:latin typeface="+mn-lt"/>
+                <a:ea typeface="+mn-ea"/>
+                <a:cs typeface="+mn-cs"/>
+              </a:defRPr>
+            </a:lvl8pPr>
+            <a:lvl9pPr marL="3657600" algn="l" defTabSz="914400" rtl="0" eaLnBrk="1" latinLnBrk="0" hangingPunct="1">
+              <a:defRPr sz="1800" kern="1200">
+                <a:solidFill>
+                  <a:schemeClr val="lt1"/>
+                </a:solidFill>
+                <a:latin typeface="+mn-lt"/>
+                <a:ea typeface="+mn-ea"/>
+                <a:cs typeface="+mn-cs"/>
+              </a:defRPr>
+            </a:lvl9pPr>
+          </a:lstStyle>
+          <a:p>
+            <a:pPr algn="ctr"/>
+            <a:endParaRPr lang="en-US"/>
+          </a:p>
+        </p:txBody>
+      </p:sp>
+      <p:pic>
+        <p:nvPicPr>
+          <p:cNvPr id="5" name="Content Placeholder 4">
+            <a:extLst>
+              <a:ext uri="{FF2B5EF4-FFF2-40B4-BE49-F238E27FC236}">
+                <a16:creationId xmlns:a16="http://schemas.microsoft.com/office/drawing/2014/main" id="{377DE401-A412-8679-72B4-9B90D34CEE83}"/>
+              </a:ext>
+            </a:extLst>
+          </p:cNvPr>
+          <p:cNvPicPr>
+            <a:picLocks noGrp="1" noChangeAspect="1"/>
+          </p:cNvPicPr>
+          <p:nvPr>
+            <p:ph idx="1"/>
+          </p:nvPr>
+        </p:nvPicPr>
+        <p:blipFill>
+          <a:blip r:embed="rId2"/>
+          <a:srcRect r="25889" b="-1"/>
+          <a:stretch/>
+        </p:blipFill>
+        <p:spPr>
+          <a:xfrm>
+            <a:off x="20" y="1282"/>
+            <a:ext cx="9143980" cy="6856718"/>
+          </a:xfrm>
+          <a:prstGeom prst="rect">
+            <a:avLst/>
+          </a:prstGeom>
+        </p:spPr>
+      </p:pic>
+    </p:spTree>
+    <p:extLst>
+      <p:ext uri="{BB962C8B-B14F-4D97-AF65-F5344CB8AC3E}">
+        <p14:creationId xmlns:p14="http://schemas.microsoft.com/office/powerpoint/2010/main" val="2607760789"/>
+      </p:ext>
+    </p:extLst>
+  </p:cSld>
+  <p:clrMapOvr>
+    <a:masterClrMapping/>
+  </p:clrMapOvr>
+</p:sld>
+</file>
+
+<file path=ppt/slides/slide23.xml><?xml version="1.0" encoding="utf-8"?>
+<p:sld xmlns:a="http://schemas.openxmlformats.org/drawingml/2006/main" xmlns:r="http://schemas.openxmlformats.org/officeDocument/2006/relationships" xmlns:p="http://schemas.openxmlformats.org/presentationml/2006/main">
+  <p:cSld>
+    <p:bg>
+      <p:bgPr>
+        <a:solidFill>
+          <a:schemeClr val="bg1"/>
+        </a:solidFill>
+        <a:effectLst/>
+      </p:bgPr>
+    </p:bg>
+    <p:spTree>
+      <p:nvGrpSpPr>
+        <p:cNvPr id="1" name=""/>
+        <p:cNvGrpSpPr/>
+        <p:nvPr/>
+      </p:nvGrpSpPr>
+      <p:grpSpPr>
+        <a:xfrm>
+          <a:off x="0" y="0"/>
+          <a:ext cx="0" cy="0"/>
+          <a:chOff x="0" y="0"/>
+          <a:chExt cx="0" cy="0"/>
+        </a:xfrm>
+      </p:grpSpPr>
+      <p:sp>
+        <p:nvSpPr>
+          <p:cNvPr id="10" name="Rectangle 9">
+            <a:extLst>
+              <a:ext uri="{FF2B5EF4-FFF2-40B4-BE49-F238E27FC236}">
+                <a16:creationId xmlns:a16="http://schemas.microsoft.com/office/drawing/2014/main" id="{42A4FC2C-047E-45A5-965D-8E1E3BF09BC6}"/>
+              </a:ext>
+              <a:ext uri="{C183D7F6-B498-43B3-948B-1728B52AA6E4}">
+                <adec:decorative xmlns:adec="http://schemas.microsoft.com/office/drawing/2017/decorative" val="1"/>
+              </a:ext>
+            </a:extLst>
+          </p:cNvPr>
+          <p:cNvSpPr>
+            <a:spLocks noGrp="1" noRot="1" noChangeAspect="1" noMove="1" noResize="1" noEditPoints="1" noAdjustHandles="1" noChangeArrowheads="1" noChangeShapeType="1" noTextEdit="1"/>
+          </p:cNvSpPr>
+          <p:nvPr>
+            <p:extLst>
+              <p:ext uri="{386F3935-93C4-4BCD-93E2-E3B085C9AB24}">
+                <p16:designElem xmlns:p16="http://schemas.microsoft.com/office/powerpoint/2015/main" val="1"/>
+              </p:ext>
+            </p:extLst>
+          </p:nvPr>
+        </p:nvSpPr>
+        <p:spPr bwMode="white">
+          <a:xfrm>
+            <a:off x="1143" y="0"/>
+            <a:ext cx="9141714" cy="6858000"/>
+          </a:xfrm>
+          <a:prstGeom prst="rect">
+            <a:avLst/>
+          </a:prstGeom>
+          <a:noFill/>
+          <a:ln>
+            <a:noFill/>
+          </a:ln>
+        </p:spPr>
+        <p:style>
+          <a:lnRef idx="2">
+            <a:schemeClr val="accent1">
+              <a:shade val="50000"/>
+            </a:schemeClr>
+          </a:lnRef>
+          <a:fillRef idx="1">
+            <a:schemeClr val="accent1"/>
+          </a:fillRef>
+          <a:effectRef idx="0">
+            <a:schemeClr val="accent1"/>
+          </a:effectRef>
+          <a:fontRef idx="minor">
+            <a:schemeClr val="lt1"/>
+          </a:fontRef>
+        </p:style>
+        <p:txBody>
+          <a:bodyPr rtlCol="0" anchor="ctr"/>
+          <a:lstStyle>
+            <a:defPPr>
+              <a:defRPr lang="en-US"/>
+            </a:defPPr>
+            <a:lvl1pPr marL="0" algn="l" defTabSz="914400" rtl="0" eaLnBrk="1" latinLnBrk="0" hangingPunct="1">
+              <a:defRPr sz="1800" kern="1200">
+                <a:solidFill>
+                  <a:schemeClr val="lt1"/>
+                </a:solidFill>
+                <a:latin typeface="+mn-lt"/>
+                <a:ea typeface="+mn-ea"/>
+                <a:cs typeface="+mn-cs"/>
+              </a:defRPr>
+            </a:lvl1pPr>
+            <a:lvl2pPr marL="457200" algn="l" defTabSz="914400" rtl="0" eaLnBrk="1" latinLnBrk="0" hangingPunct="1">
+              <a:defRPr sz="1800" kern="1200">
+                <a:solidFill>
+                  <a:schemeClr val="lt1"/>
+                </a:solidFill>
+                <a:latin typeface="+mn-lt"/>
+                <a:ea typeface="+mn-ea"/>
+                <a:cs typeface="+mn-cs"/>
+              </a:defRPr>
+            </a:lvl2pPr>
+            <a:lvl3pPr marL="914400" algn="l" defTabSz="914400" rtl="0" eaLnBrk="1" latinLnBrk="0" hangingPunct="1">
+              <a:defRPr sz="1800" kern="1200">
+                <a:solidFill>
+                  <a:schemeClr val="lt1"/>
+                </a:solidFill>
+                <a:latin typeface="+mn-lt"/>
+                <a:ea typeface="+mn-ea"/>
+                <a:cs typeface="+mn-cs"/>
+              </a:defRPr>
+            </a:lvl3pPr>
+            <a:lvl4pPr marL="1371600" algn="l" defTabSz="914400" rtl="0" eaLnBrk="1" latinLnBrk="0" hangingPunct="1">
+              <a:defRPr sz="1800" kern="1200">
+                <a:solidFill>
+                  <a:schemeClr val="lt1"/>
+                </a:solidFill>
+                <a:latin typeface="+mn-lt"/>
+                <a:ea typeface="+mn-ea"/>
+                <a:cs typeface="+mn-cs"/>
+              </a:defRPr>
+            </a:lvl4pPr>
+            <a:lvl5pPr marL="1828800" algn="l" defTabSz="914400" rtl="0" eaLnBrk="1" latinLnBrk="0" hangingPunct="1">
+              <a:defRPr sz="1800" kern="1200">
+                <a:solidFill>
+                  <a:schemeClr val="lt1"/>
+                </a:solidFill>
+                <a:latin typeface="+mn-lt"/>
+                <a:ea typeface="+mn-ea"/>
+                <a:cs typeface="+mn-cs"/>
+              </a:defRPr>
+            </a:lvl5pPr>
+            <a:lvl6pPr marL="2286000" algn="l" defTabSz="914400" rtl="0" eaLnBrk="1" latinLnBrk="0" hangingPunct="1">
+              <a:defRPr sz="1800" kern="1200">
+                <a:solidFill>
+                  <a:schemeClr val="lt1"/>
+                </a:solidFill>
+                <a:latin typeface="+mn-lt"/>
+                <a:ea typeface="+mn-ea"/>
+                <a:cs typeface="+mn-cs"/>
+              </a:defRPr>
+            </a:lvl6pPr>
+            <a:lvl7pPr marL="2743200" algn="l" defTabSz="914400" rtl="0" eaLnBrk="1" latinLnBrk="0" hangingPunct="1">
+              <a:defRPr sz="1800" kern="1200">
+                <a:solidFill>
+                  <a:schemeClr val="lt1"/>
+                </a:solidFill>
+                <a:latin typeface="+mn-lt"/>
+                <a:ea typeface="+mn-ea"/>
+                <a:cs typeface="+mn-cs"/>
+              </a:defRPr>
+            </a:lvl7pPr>
+            <a:lvl8pPr marL="3200400" algn="l" defTabSz="914400" rtl="0" eaLnBrk="1" latinLnBrk="0" hangingPunct="1">
+              <a:defRPr sz="1800" kern="1200">
+                <a:solidFill>
+                  <a:schemeClr val="lt1"/>
+                </a:solidFill>
+                <a:latin typeface="+mn-lt"/>
+                <a:ea typeface="+mn-ea"/>
+                <a:cs typeface="+mn-cs"/>
+              </a:defRPr>
+            </a:lvl8pPr>
+            <a:lvl9pPr marL="3657600" algn="l" defTabSz="914400" rtl="0" eaLnBrk="1" latinLnBrk="0" hangingPunct="1">
+              <a:defRPr sz="1800" kern="1200">
+                <a:solidFill>
+                  <a:schemeClr val="lt1"/>
+                </a:solidFill>
+                <a:latin typeface="+mn-lt"/>
+                <a:ea typeface="+mn-ea"/>
+                <a:cs typeface="+mn-cs"/>
+              </a:defRPr>
+            </a:lvl9pPr>
+          </a:lstStyle>
+          <a:p>
+            <a:pPr algn="ctr"/>
+            <a:endParaRPr lang="en-US"/>
+          </a:p>
+        </p:txBody>
+      </p:sp>
+      <p:pic>
+        <p:nvPicPr>
+          <p:cNvPr id="5" name="Content Placeholder 4">
+            <a:extLst>
+              <a:ext uri="{FF2B5EF4-FFF2-40B4-BE49-F238E27FC236}">
+                <a16:creationId xmlns:a16="http://schemas.microsoft.com/office/drawing/2014/main" id="{52ED4E40-6D21-31E7-9537-0CE868A5531D}"/>
+              </a:ext>
+            </a:extLst>
+          </p:cNvPr>
+          <p:cNvPicPr>
+            <a:picLocks noGrp="1" noChangeAspect="1"/>
+          </p:cNvPicPr>
+          <p:nvPr>
+            <p:ph idx="1"/>
+          </p:nvPr>
+        </p:nvPicPr>
+        <p:blipFill>
+          <a:blip r:embed="rId2"/>
+          <a:srcRect r="13817" b="-1"/>
+          <a:stretch/>
+        </p:blipFill>
+        <p:spPr>
+          <a:xfrm>
+            <a:off x="20" y="1282"/>
+            <a:ext cx="9143980" cy="6856718"/>
+          </a:xfrm>
+          <a:prstGeom prst="rect">
+            <a:avLst/>
+          </a:prstGeom>
+        </p:spPr>
+      </p:pic>
+    </p:spTree>
+    <p:extLst>
+      <p:ext uri="{BB962C8B-B14F-4D97-AF65-F5344CB8AC3E}">
+        <p14:creationId xmlns:p14="http://schemas.microsoft.com/office/powerpoint/2010/main" val="3289195632"/>
+      </p:ext>
+    </p:extLst>
+  </p:cSld>
+  <p:clrMapOvr>
+    <a:masterClrMapping/>
+  </p:clrMapOvr>
+</p:sld>
+</file>
+
+<file path=ppt/slides/slide24.xml><?xml version="1.0" encoding="utf-8"?>
+<p:sld xmlns:a="http://schemas.openxmlformats.org/drawingml/2006/main" xmlns:r="http://schemas.openxmlformats.org/officeDocument/2006/relationships" xmlns:p="http://schemas.openxmlformats.org/presentationml/2006/main">
+  <p:cSld>
+    <p:spTree>
+      <p:nvGrpSpPr>
+        <p:cNvPr id="1" name=""/>
+        <p:cNvGrpSpPr/>
+        <p:nvPr/>
+      </p:nvGrpSpPr>
+      <p:grpSpPr>
+        <a:xfrm>
+          <a:off x="0" y="0"/>
+          <a:ext cx="0" cy="0"/>
+          <a:chOff x="0" y="0"/>
+          <a:chExt cx="0" cy="0"/>
+        </a:xfrm>
+      </p:grpSpPr>
+      <p:pic>
+        <p:nvPicPr>
+          <p:cNvPr id="5" name="Content Placeholder 4">
+            <a:extLst>
+              <a:ext uri="{FF2B5EF4-FFF2-40B4-BE49-F238E27FC236}">
+                <a16:creationId xmlns:a16="http://schemas.microsoft.com/office/drawing/2014/main" id="{A2917BAC-05EE-5771-0E9A-9DE1CA3DE1EC}"/>
+              </a:ext>
+            </a:extLst>
+          </p:cNvPr>
+          <p:cNvPicPr>
+            <a:picLocks noGrp="1" noChangeAspect="1"/>
+          </p:cNvPicPr>
+          <p:nvPr>
+            <p:ph idx="1"/>
+          </p:nvPr>
+        </p:nvPicPr>
+        <p:blipFill>
+          <a:blip r:embed="rId2"/>
+          <a:stretch>
+            <a:fillRect/>
+          </a:stretch>
+        </p:blipFill>
+        <p:spPr>
+          <a:xfrm>
+            <a:off x="-1" y="548680"/>
+            <a:ext cx="9210339" cy="5875793"/>
+          </a:xfrm>
+        </p:spPr>
+      </p:pic>
+    </p:spTree>
+    <p:extLst>
+      <p:ext uri="{BB962C8B-B14F-4D97-AF65-F5344CB8AC3E}">
+        <p14:creationId xmlns:p14="http://schemas.microsoft.com/office/powerpoint/2010/main" val="3954422114"/>
+      </p:ext>
+    </p:extLst>
+  </p:cSld>
+  <p:clrMapOvr>
+    <a:masterClrMapping/>
+  </p:clrMapOvr>
+</p:sld>
+</file>
+
+<file path=ppt/slides/slide25.xml><?xml version="1.0" encoding="utf-8"?>
+<p:sld xmlns:a="http://schemas.openxmlformats.org/drawingml/2006/main" xmlns:r="http://schemas.openxmlformats.org/officeDocument/2006/relationships" xmlns:p="http://schemas.openxmlformats.org/presentationml/2006/main">
+  <p:cSld>
     <p:spTree>
       <p:nvGrpSpPr>
         <p:cNvPr id="1" name=""/>
@@ -7666,7 +8566,7 @@
 </p:sld>
 </file>
 
-<file path=ppt/slides/slide21.xml><?xml version="1.0" encoding="utf-8"?>
+<file path=ppt/slides/slide26.xml><?xml version="1.0" encoding="utf-8"?>
 <p:sld xmlns:a="http://schemas.openxmlformats.org/drawingml/2006/main" xmlns:r="http://schemas.openxmlformats.org/officeDocument/2006/relationships" xmlns:p="http://schemas.openxmlformats.org/presentationml/2006/main">
   <p:cSld>
     <p:spTree>
@@ -7725,7 +8625,7 @@
 </p:sld>
 </file>
 
-<file path=ppt/slides/slide22.xml><?xml version="1.0" encoding="utf-8"?>
+<file path=ppt/slides/slide27.xml><?xml version="1.0" encoding="utf-8"?>
 <p:sld xmlns:a="http://schemas.openxmlformats.org/drawingml/2006/main" xmlns:r="http://schemas.openxmlformats.org/officeDocument/2006/relationships" xmlns:p="http://schemas.openxmlformats.org/presentationml/2006/main">
   <p:cSld>
     <p:spTree>
@@ -8005,7 +8905,7 @@
 </p:sld>
 </file>
 
-<file path=ppt/slides/slide23.xml><?xml version="1.0" encoding="utf-8"?>
+<file path=ppt/slides/slide28.xml><?xml version="1.0" encoding="utf-8"?>
 <p:sld xmlns:a="http://schemas.openxmlformats.org/drawingml/2006/main" xmlns:r="http://schemas.openxmlformats.org/officeDocument/2006/relationships" xmlns:p="http://schemas.openxmlformats.org/presentationml/2006/main">
   <p:cSld>
     <p:spTree>
@@ -8148,656 +9048,7 @@
 </p:sld>
 </file>
 
-<file path=ppt/slides/slide24.xml><?xml version="1.0" encoding="utf-8"?>
-<p:sld xmlns:a="http://schemas.openxmlformats.org/drawingml/2006/main" xmlns:r="http://schemas.openxmlformats.org/officeDocument/2006/relationships" xmlns:p="http://schemas.openxmlformats.org/presentationml/2006/main">
-  <p:cSld>
-    <p:spTree>
-      <p:nvGrpSpPr>
-        <p:cNvPr id="1" name=""/>
-        <p:cNvGrpSpPr/>
-        <p:nvPr/>
-      </p:nvGrpSpPr>
-      <p:grpSpPr>
-        <a:xfrm>
-          <a:off x="0" y="0"/>
-          <a:ext cx="0" cy="0"/>
-          <a:chOff x="0" y="0"/>
-          <a:chExt cx="0" cy="0"/>
-        </a:xfrm>
-      </p:grpSpPr>
-      <p:sp>
-        <p:nvSpPr>
-          <p:cNvPr id="2" name="Title 1"/>
-          <p:cNvSpPr>
-            <a:spLocks noGrp="1"/>
-          </p:cNvSpPr>
-          <p:nvPr>
-            <p:ph type="title"/>
-          </p:nvPr>
-        </p:nvSpPr>
-        <p:spPr/>
-        <p:txBody>
-          <a:bodyPr/>
-          <a:lstStyle/>
-          <a:p>
-            <a:r>
-              <a:rPr lang="en-US" dirty="0">
-                <a:solidFill>
-                  <a:schemeClr val="bg1"/>
-                </a:solidFill>
-              </a:rPr>
-              <a:t>Importing data (</a:t>
-            </a:r>
-            <a:r>
-              <a:rPr lang="en-US" dirty="0">
-                <a:solidFill>
-                  <a:schemeClr val="accent6">
-                    <a:lumMod val="75000"/>
-                  </a:schemeClr>
-                </a:solidFill>
-              </a:rPr>
-              <a:t>simplified</a:t>
-            </a:r>
-            <a:r>
-              <a:rPr lang="en-US" dirty="0">
-                <a:solidFill>
-                  <a:schemeClr val="bg1"/>
-                </a:solidFill>
-              </a:rPr>
-              <a:t>)</a:t>
-            </a:r>
-            <a:endParaRPr lang="en-GB" dirty="0">
-              <a:solidFill>
-                <a:schemeClr val="bg1"/>
-              </a:solidFill>
-            </a:endParaRPr>
-          </a:p>
-        </p:txBody>
-      </p:sp>
-      <p:sp>
-        <p:nvSpPr>
-          <p:cNvPr id="3" name="Content Placeholder 2"/>
-          <p:cNvSpPr>
-            <a:spLocks noGrp="1"/>
-          </p:cNvSpPr>
-          <p:nvPr>
-            <p:ph idx="1"/>
-          </p:nvPr>
-        </p:nvSpPr>
-        <p:spPr>
-          <a:xfrm>
-            <a:off x="467544" y="1600200"/>
-            <a:ext cx="8229600" cy="4525963"/>
-          </a:xfrm>
-        </p:spPr>
-        <p:txBody>
-          <a:bodyPr>
-            <a:normAutofit/>
-          </a:bodyPr>
-          <a:lstStyle/>
-          <a:p>
-            <a:r>
-              <a:rPr lang="en-US" dirty="0">
-                <a:solidFill>
-                  <a:schemeClr val="bg1"/>
-                </a:solidFill>
-              </a:rPr>
-              <a:t>Many datasets are imported as data frames</a:t>
-            </a:r>
-          </a:p>
-          <a:p>
-            <a:r>
-              <a:rPr lang="en-US" dirty="0">
-                <a:solidFill>
-                  <a:schemeClr val="bg1"/>
-                </a:solidFill>
-              </a:rPr>
-              <a:t>A useful file format is </a:t>
-            </a:r>
-            <a:r>
-              <a:rPr lang="en-US" dirty="0">
-                <a:solidFill>
-                  <a:schemeClr val="accent6">
-                    <a:lumMod val="75000"/>
-                  </a:schemeClr>
-                </a:solidFill>
-              </a:rPr>
-              <a:t>.</a:t>
-            </a:r>
-            <a:r>
-              <a:rPr lang="en-US" dirty="0" err="1">
-                <a:solidFill>
-                  <a:schemeClr val="accent6">
-                    <a:lumMod val="75000"/>
-                  </a:schemeClr>
-                </a:solidFill>
-              </a:rPr>
-              <a:t>csv</a:t>
-            </a:r>
-            <a:endParaRPr lang="en-US" dirty="0">
-              <a:solidFill>
-                <a:schemeClr val="accent6">
-                  <a:lumMod val="75000"/>
-                </a:schemeClr>
-              </a:solidFill>
-            </a:endParaRPr>
-          </a:p>
-          <a:p>
-            <a:r>
-              <a:rPr lang="en-US" dirty="0">
-                <a:solidFill>
-                  <a:schemeClr val="bg1"/>
-                </a:solidFill>
-              </a:rPr>
-              <a:t>Key function is </a:t>
-            </a:r>
-            <a:r>
-              <a:rPr lang="en-US" dirty="0" err="1">
-                <a:solidFill>
-                  <a:srgbClr val="FFFF00"/>
-                </a:solidFill>
-                <a:latin typeface="Consolas" pitchFamily="49" charset="0"/>
-                <a:cs typeface="Consolas" pitchFamily="49" charset="0"/>
-              </a:rPr>
-              <a:t>read.table</a:t>
-            </a:r>
-            <a:r>
-              <a:rPr lang="en-US" dirty="0">
-                <a:solidFill>
-                  <a:srgbClr val="FFFF00"/>
-                </a:solidFill>
-                <a:latin typeface="Consolas" pitchFamily="49" charset="0"/>
-                <a:cs typeface="Consolas" pitchFamily="49" charset="0"/>
-              </a:rPr>
-              <a:t>()</a:t>
-            </a:r>
-            <a:r>
-              <a:rPr lang="en-US" dirty="0">
-                <a:solidFill>
-                  <a:schemeClr val="bg1"/>
-                </a:solidFill>
-                <a:cs typeface="Consolas" pitchFamily="49" charset="0"/>
-              </a:rPr>
-              <a:t> &amp; its variants</a:t>
-            </a:r>
-            <a:endParaRPr lang="en-US" dirty="0">
-              <a:solidFill>
-                <a:srgbClr val="FFFF00"/>
-              </a:solidFill>
-              <a:latin typeface="+mj-lt"/>
-              <a:cs typeface="Consolas" pitchFamily="49" charset="0"/>
-            </a:endParaRPr>
-          </a:p>
-          <a:p>
-            <a:r>
-              <a:rPr lang="en-US" dirty="0">
-                <a:solidFill>
-                  <a:schemeClr val="bg1"/>
-                </a:solidFill>
-                <a:cs typeface="Consolas" pitchFamily="49" charset="0"/>
-              </a:rPr>
-              <a:t>Data can also be imported from other formats e.g. .</a:t>
-            </a:r>
-            <a:r>
-              <a:rPr lang="en-US" dirty="0" err="1">
-                <a:solidFill>
-                  <a:schemeClr val="bg1"/>
-                </a:solidFill>
-                <a:cs typeface="Consolas" pitchFamily="49" charset="0"/>
-              </a:rPr>
-              <a:t>xls</a:t>
-            </a:r>
-            <a:r>
-              <a:rPr lang="en-US" dirty="0">
-                <a:solidFill>
-                  <a:schemeClr val="bg1"/>
-                </a:solidFill>
-                <a:cs typeface="Consolas" pitchFamily="49" charset="0"/>
-              </a:rPr>
-              <a:t>/.</a:t>
-            </a:r>
-            <a:r>
-              <a:rPr lang="en-US" dirty="0" err="1">
-                <a:solidFill>
-                  <a:schemeClr val="bg1"/>
-                </a:solidFill>
-                <a:cs typeface="Consolas" pitchFamily="49" charset="0"/>
-              </a:rPr>
-              <a:t>xlsx</a:t>
-            </a:r>
-            <a:r>
-              <a:rPr lang="en-US" dirty="0">
-                <a:solidFill>
-                  <a:schemeClr val="bg1"/>
-                </a:solidFill>
-                <a:cs typeface="Consolas" pitchFamily="49" charset="0"/>
-              </a:rPr>
-              <a:t>, .</a:t>
-            </a:r>
-            <a:r>
-              <a:rPr lang="en-US" dirty="0" err="1">
-                <a:solidFill>
-                  <a:schemeClr val="bg1"/>
-                </a:solidFill>
-                <a:cs typeface="Consolas" pitchFamily="49" charset="0"/>
-              </a:rPr>
-              <a:t>spv</a:t>
-            </a:r>
-            <a:r>
-              <a:rPr lang="en-US" dirty="0">
-                <a:solidFill>
-                  <a:schemeClr val="bg1"/>
-                </a:solidFill>
-                <a:cs typeface="Consolas" pitchFamily="49" charset="0"/>
-              </a:rPr>
-              <a:t>, .tab,…</a:t>
-            </a:r>
-          </a:p>
-          <a:p>
-            <a:r>
-              <a:rPr lang="en-US" dirty="0">
-                <a:solidFill>
-                  <a:schemeClr val="bg1"/>
-                </a:solidFill>
-                <a:cs typeface="Consolas" pitchFamily="49" charset="0"/>
-              </a:rPr>
-              <a:t>Easiest way to start </a:t>
-            </a:r>
-            <a:r>
-              <a:rPr lang="en-US" dirty="0">
-                <a:solidFill>
-                  <a:schemeClr val="accent6">
-                    <a:lumMod val="75000"/>
-                  </a:schemeClr>
-                </a:solidFill>
-                <a:cs typeface="Consolas" pitchFamily="49" charset="0"/>
-              </a:rPr>
-              <a:t>–&gt;</a:t>
-            </a:r>
-            <a:r>
-              <a:rPr lang="en-US" dirty="0">
-                <a:solidFill>
-                  <a:schemeClr val="bg1"/>
-                </a:solidFill>
-                <a:cs typeface="Consolas" pitchFamily="49" charset="0"/>
-              </a:rPr>
-              <a:t> save Excel files as CSV</a:t>
-            </a:r>
-          </a:p>
-          <a:p>
-            <a:r>
-              <a:rPr lang="en-US" dirty="0">
-                <a:solidFill>
-                  <a:schemeClr val="bg1"/>
-                </a:solidFill>
-                <a:cs typeface="Consolas" pitchFamily="49" charset="0"/>
-              </a:rPr>
-              <a:t>Many useful </a:t>
-            </a:r>
-            <a:r>
-              <a:rPr lang="en-US" dirty="0">
-                <a:solidFill>
-                  <a:schemeClr val="accent6">
-                    <a:lumMod val="75000"/>
-                  </a:schemeClr>
-                </a:solidFill>
-                <a:cs typeface="Consolas" pitchFamily="49" charset="0"/>
-              </a:rPr>
-              <a:t>R packages </a:t>
-            </a:r>
-            <a:r>
-              <a:rPr lang="en-US" dirty="0">
-                <a:solidFill>
-                  <a:schemeClr val="bg1"/>
-                </a:solidFill>
-                <a:cs typeface="Consolas" pitchFamily="49" charset="0"/>
-              </a:rPr>
-              <a:t>for diff. data formats</a:t>
-            </a:r>
-          </a:p>
-        </p:txBody>
-      </p:sp>
-    </p:spTree>
-    <p:extLst>
-      <p:ext uri="{BB962C8B-B14F-4D97-AF65-F5344CB8AC3E}">
-        <p14:creationId xmlns:p14="http://schemas.microsoft.com/office/powerpoint/2010/main" val="4142773404"/>
-      </p:ext>
-    </p:extLst>
-  </p:cSld>
-  <p:clrMapOvr>
-    <a:masterClrMapping/>
-  </p:clrMapOvr>
-  <p:timing>
-    <p:tnLst>
-      <p:par>
-        <p:cTn id="1" dur="indefinite" restart="never" nodeType="tmRoot">
-          <p:childTnLst>
-            <p:seq concurrent="1" nextAc="seek">
-              <p:cTn id="2" dur="indefinite" nodeType="mainSeq">
-                <p:childTnLst>
-                  <p:par>
-                    <p:cTn id="3" fill="hold">
-                      <p:stCondLst>
-                        <p:cond delay="indefinite"/>
-                      </p:stCondLst>
-                      <p:childTnLst>
-                        <p:par>
-                          <p:cTn id="4" fill="hold">
-                            <p:stCondLst>
-                              <p:cond delay="0"/>
-                            </p:stCondLst>
-                            <p:childTnLst>
-                              <p:par>
-                                <p:cTn id="5" presetID="1" presetClass="entr" presetSubtype="0" fill="hold" grpId="0" nodeType="clickEffect">
-                                  <p:stCondLst>
-                                    <p:cond delay="0"/>
-                                  </p:stCondLst>
-                                  <p:childTnLst>
-                                    <p:set>
-                                      <p:cBhvr>
-                                        <p:cTn id="6" dur="1" fill="hold">
-                                          <p:stCondLst>
-                                            <p:cond delay="0"/>
-                                          </p:stCondLst>
-                                        </p:cTn>
-                                        <p:tgtEl>
-                                          <p:spTgt spid="3">
-                                            <p:txEl>
-                                              <p:pRg st="0" end="0"/>
-                                            </p:txEl>
-                                          </p:spTgt>
-                                        </p:tgtEl>
-                                        <p:attrNameLst>
-                                          <p:attrName>style.visibility</p:attrName>
-                                        </p:attrNameLst>
-                                      </p:cBhvr>
-                                      <p:to>
-                                        <p:strVal val="visible"/>
-                                      </p:to>
-                                    </p:set>
-                                  </p:childTnLst>
-                                </p:cTn>
-                              </p:par>
-                            </p:childTnLst>
-                          </p:cTn>
-                        </p:par>
-                      </p:childTnLst>
-                    </p:cTn>
-                  </p:par>
-                  <p:par>
-                    <p:cTn id="7" fill="hold">
-                      <p:stCondLst>
-                        <p:cond delay="indefinite"/>
-                      </p:stCondLst>
-                      <p:childTnLst>
-                        <p:par>
-                          <p:cTn id="8" fill="hold">
-                            <p:stCondLst>
-                              <p:cond delay="0"/>
-                            </p:stCondLst>
-                            <p:childTnLst>
-                              <p:par>
-                                <p:cTn id="9" presetID="1" presetClass="entr" presetSubtype="0" fill="hold" grpId="0" nodeType="clickEffect">
-                                  <p:stCondLst>
-                                    <p:cond delay="0"/>
-                                  </p:stCondLst>
-                                  <p:childTnLst>
-                                    <p:set>
-                                      <p:cBhvr>
-                                        <p:cTn id="10" dur="1" fill="hold">
-                                          <p:stCondLst>
-                                            <p:cond delay="0"/>
-                                          </p:stCondLst>
-                                        </p:cTn>
-                                        <p:tgtEl>
-                                          <p:spTgt spid="3">
-                                            <p:txEl>
-                                              <p:pRg st="1" end="1"/>
-                                            </p:txEl>
-                                          </p:spTgt>
-                                        </p:tgtEl>
-                                        <p:attrNameLst>
-                                          <p:attrName>style.visibility</p:attrName>
-                                        </p:attrNameLst>
-                                      </p:cBhvr>
-                                      <p:to>
-                                        <p:strVal val="visible"/>
-                                      </p:to>
-                                    </p:set>
-                                  </p:childTnLst>
-                                </p:cTn>
-                              </p:par>
-                            </p:childTnLst>
-                          </p:cTn>
-                        </p:par>
-                      </p:childTnLst>
-                    </p:cTn>
-                  </p:par>
-                  <p:par>
-                    <p:cTn id="11" fill="hold">
-                      <p:stCondLst>
-                        <p:cond delay="indefinite"/>
-                      </p:stCondLst>
-                      <p:childTnLst>
-                        <p:par>
-                          <p:cTn id="12" fill="hold">
-                            <p:stCondLst>
-                              <p:cond delay="0"/>
-                            </p:stCondLst>
-                            <p:childTnLst>
-                              <p:par>
-                                <p:cTn id="13" presetID="1" presetClass="entr" presetSubtype="0" fill="hold" grpId="0" nodeType="clickEffect">
-                                  <p:stCondLst>
-                                    <p:cond delay="0"/>
-                                  </p:stCondLst>
-                                  <p:childTnLst>
-                                    <p:set>
-                                      <p:cBhvr>
-                                        <p:cTn id="14" dur="1" fill="hold">
-                                          <p:stCondLst>
-                                            <p:cond delay="0"/>
-                                          </p:stCondLst>
-                                        </p:cTn>
-                                        <p:tgtEl>
-                                          <p:spTgt spid="3">
-                                            <p:txEl>
-                                              <p:pRg st="2" end="2"/>
-                                            </p:txEl>
-                                          </p:spTgt>
-                                        </p:tgtEl>
-                                        <p:attrNameLst>
-                                          <p:attrName>style.visibility</p:attrName>
-                                        </p:attrNameLst>
-                                      </p:cBhvr>
-                                      <p:to>
-                                        <p:strVal val="visible"/>
-                                      </p:to>
-                                    </p:set>
-                                  </p:childTnLst>
-                                </p:cTn>
-                              </p:par>
-                            </p:childTnLst>
-                          </p:cTn>
-                        </p:par>
-                      </p:childTnLst>
-                    </p:cTn>
-                  </p:par>
-                  <p:par>
-                    <p:cTn id="15" fill="hold">
-                      <p:stCondLst>
-                        <p:cond delay="indefinite"/>
-                      </p:stCondLst>
-                      <p:childTnLst>
-                        <p:par>
-                          <p:cTn id="16" fill="hold">
-                            <p:stCondLst>
-                              <p:cond delay="0"/>
-                            </p:stCondLst>
-                            <p:childTnLst>
-                              <p:par>
-                                <p:cTn id="17" presetID="1" presetClass="entr" presetSubtype="0" fill="hold" grpId="0" nodeType="clickEffect">
-                                  <p:stCondLst>
-                                    <p:cond delay="0"/>
-                                  </p:stCondLst>
-                                  <p:childTnLst>
-                                    <p:set>
-                                      <p:cBhvr>
-                                        <p:cTn id="18" dur="1" fill="hold">
-                                          <p:stCondLst>
-                                            <p:cond delay="0"/>
-                                          </p:stCondLst>
-                                        </p:cTn>
-                                        <p:tgtEl>
-                                          <p:spTgt spid="3">
-                                            <p:txEl>
-                                              <p:pRg st="3" end="3"/>
-                                            </p:txEl>
-                                          </p:spTgt>
-                                        </p:tgtEl>
-                                        <p:attrNameLst>
-                                          <p:attrName>style.visibility</p:attrName>
-                                        </p:attrNameLst>
-                                      </p:cBhvr>
-                                      <p:to>
-                                        <p:strVal val="visible"/>
-                                      </p:to>
-                                    </p:set>
-                                  </p:childTnLst>
-                                </p:cTn>
-                              </p:par>
-                            </p:childTnLst>
-                          </p:cTn>
-                        </p:par>
-                      </p:childTnLst>
-                    </p:cTn>
-                  </p:par>
-                  <p:par>
-                    <p:cTn id="19" fill="hold">
-                      <p:stCondLst>
-                        <p:cond delay="indefinite"/>
-                      </p:stCondLst>
-                      <p:childTnLst>
-                        <p:par>
-                          <p:cTn id="20" fill="hold">
-                            <p:stCondLst>
-                              <p:cond delay="0"/>
-                            </p:stCondLst>
-                            <p:childTnLst>
-                              <p:par>
-                                <p:cTn id="21" presetID="1" presetClass="entr" presetSubtype="0" fill="hold" grpId="0" nodeType="clickEffect">
-                                  <p:stCondLst>
-                                    <p:cond delay="0"/>
-                                  </p:stCondLst>
-                                  <p:childTnLst>
-                                    <p:set>
-                                      <p:cBhvr>
-                                        <p:cTn id="22" dur="1" fill="hold">
-                                          <p:stCondLst>
-                                            <p:cond delay="0"/>
-                                          </p:stCondLst>
-                                        </p:cTn>
-                                        <p:tgtEl>
-                                          <p:spTgt spid="3">
-                                            <p:txEl>
-                                              <p:pRg st="4" end="4"/>
-                                            </p:txEl>
-                                          </p:spTgt>
-                                        </p:tgtEl>
-                                        <p:attrNameLst>
-                                          <p:attrName>style.visibility</p:attrName>
-                                        </p:attrNameLst>
-                                      </p:cBhvr>
-                                      <p:to>
-                                        <p:strVal val="visible"/>
-                                      </p:to>
-                                    </p:set>
-                                  </p:childTnLst>
-                                </p:cTn>
-                              </p:par>
-                            </p:childTnLst>
-                          </p:cTn>
-                        </p:par>
-                      </p:childTnLst>
-                    </p:cTn>
-                  </p:par>
-                  <p:par>
-                    <p:cTn id="23" fill="hold">
-                      <p:stCondLst>
-                        <p:cond delay="indefinite"/>
-                      </p:stCondLst>
-                      <p:childTnLst>
-                        <p:par>
-                          <p:cTn id="24" fill="hold">
-                            <p:stCondLst>
-                              <p:cond delay="0"/>
-                            </p:stCondLst>
-                            <p:childTnLst>
-                              <p:par>
-                                <p:cTn id="25" presetID="1" presetClass="entr" presetSubtype="0" fill="hold" grpId="0" nodeType="clickEffect">
-                                  <p:stCondLst>
-                                    <p:cond delay="0"/>
-                                  </p:stCondLst>
-                                  <p:childTnLst>
-                                    <p:set>
-                                      <p:cBhvr>
-                                        <p:cTn id="26" dur="1" fill="hold">
-                                          <p:stCondLst>
-                                            <p:cond delay="0"/>
-                                          </p:stCondLst>
-                                        </p:cTn>
-                                        <p:tgtEl>
-                                          <p:spTgt spid="3">
-                                            <p:txEl>
-                                              <p:pRg st="5" end="5"/>
-                                            </p:txEl>
-                                          </p:spTgt>
-                                        </p:tgtEl>
-                                        <p:attrNameLst>
-                                          <p:attrName>style.visibility</p:attrName>
-                                        </p:attrNameLst>
-                                      </p:cBhvr>
-                                      <p:to>
-                                        <p:strVal val="visible"/>
-                                      </p:to>
-                                    </p:set>
-                                  </p:childTnLst>
-                                </p:cTn>
-                              </p:par>
-                            </p:childTnLst>
-                          </p:cTn>
-                        </p:par>
-                      </p:childTnLst>
-                    </p:cTn>
-                  </p:par>
-                </p:childTnLst>
-              </p:cTn>
-              <p:prevCondLst>
-                <p:cond evt="onPrev" delay="0">
-                  <p:tgtEl>
-                    <p:sldTgt/>
-                  </p:tgtEl>
-                </p:cond>
-              </p:prevCondLst>
-              <p:nextCondLst>
-                <p:cond evt="onNext" delay="0">
-                  <p:tgtEl>
-                    <p:sldTgt/>
-                  </p:tgtEl>
-                </p:cond>
-              </p:nextCondLst>
-            </p:seq>
-          </p:childTnLst>
-        </p:cTn>
-      </p:par>
-    </p:tnLst>
-    <p:bldLst>
-      <p:bldP spid="3" grpId="0" build="p"/>
-    </p:bldLst>
-  </p:timing>
-</p:sld>
-</file>
-
-<file path=ppt/slides/slide25.xml><?xml version="1.0" encoding="utf-8"?>
+<file path=ppt/slides/slide29.xml><?xml version="1.0" encoding="utf-8"?>
 <p:sld xmlns:a="http://schemas.openxmlformats.org/drawingml/2006/main" xmlns:r="http://schemas.openxmlformats.org/officeDocument/2006/relationships" xmlns:p="http://schemas.openxmlformats.org/presentationml/2006/main">
   <p:cSld>
     <p:spTree>
@@ -9636,759 +9887,6 @@
 </p:sld>
 </file>
 
-<file path=ppt/slides/slide26.xml><?xml version="1.0" encoding="utf-8"?>
-<p:sld xmlns:a="http://schemas.openxmlformats.org/drawingml/2006/main" xmlns:r="http://schemas.openxmlformats.org/officeDocument/2006/relationships" xmlns:p="http://schemas.openxmlformats.org/presentationml/2006/main">
-  <p:cSld>
-    <p:spTree>
-      <p:nvGrpSpPr>
-        <p:cNvPr id="1" name=""/>
-        <p:cNvGrpSpPr/>
-        <p:nvPr/>
-      </p:nvGrpSpPr>
-      <p:grpSpPr>
-        <a:xfrm>
-          <a:off x="0" y="0"/>
-          <a:ext cx="0" cy="0"/>
-          <a:chOff x="0" y="0"/>
-          <a:chExt cx="0" cy="0"/>
-        </a:xfrm>
-      </p:grpSpPr>
-      <p:sp>
-        <p:nvSpPr>
-          <p:cNvPr id="2" name="Title 1"/>
-          <p:cNvSpPr>
-            <a:spLocks noGrp="1"/>
-          </p:cNvSpPr>
-          <p:nvPr>
-            <p:ph type="title"/>
-          </p:nvPr>
-        </p:nvSpPr>
-        <p:spPr/>
-        <p:txBody>
-          <a:bodyPr/>
-          <a:lstStyle/>
-          <a:p>
-            <a:r>
-              <a:rPr lang="en-US" dirty="0" err="1">
-                <a:solidFill>
-                  <a:schemeClr val="bg1"/>
-                </a:solidFill>
-              </a:rPr>
-              <a:t>Subsetting</a:t>
-            </a:r>
-            <a:r>
-              <a:rPr lang="en-US" dirty="0">
-                <a:solidFill>
-                  <a:schemeClr val="bg1"/>
-                </a:solidFill>
-              </a:rPr>
-              <a:t> </a:t>
-            </a:r>
-            <a:endParaRPr lang="en-GB" dirty="0">
-              <a:solidFill>
-                <a:schemeClr val="bg1"/>
-              </a:solidFill>
-            </a:endParaRPr>
-          </a:p>
-        </p:txBody>
-      </p:sp>
-      <p:sp>
-        <p:nvSpPr>
-          <p:cNvPr id="3" name="Content Placeholder 2"/>
-          <p:cNvSpPr>
-            <a:spLocks noGrp="1"/>
-          </p:cNvSpPr>
-          <p:nvPr>
-            <p:ph idx="1"/>
-          </p:nvPr>
-        </p:nvSpPr>
-        <p:spPr/>
-        <p:txBody>
-          <a:bodyPr/>
-          <a:lstStyle/>
-          <a:p>
-            <a:r>
-              <a:rPr lang="en-US" dirty="0">
-                <a:solidFill>
-                  <a:schemeClr val="bg1"/>
-                </a:solidFill>
-              </a:rPr>
-              <a:t>The </a:t>
-            </a:r>
-            <a:r>
-              <a:rPr lang="en-US" dirty="0">
-                <a:solidFill>
-                  <a:srgbClr val="FFFF00"/>
-                </a:solidFill>
-                <a:latin typeface="Consolas" pitchFamily="49" charset="0"/>
-                <a:cs typeface="Consolas" pitchFamily="49" charset="0"/>
-              </a:rPr>
-              <a:t>$</a:t>
-            </a:r>
-            <a:r>
-              <a:rPr lang="en-US" dirty="0">
-                <a:solidFill>
-                  <a:schemeClr val="bg1"/>
-                </a:solidFill>
-              </a:rPr>
-              <a:t> operator</a:t>
-            </a:r>
-          </a:p>
-          <a:p>
-            <a:pPr lvl="1"/>
-            <a:r>
-              <a:rPr lang="en-US" dirty="0">
-                <a:solidFill>
-                  <a:schemeClr val="bg1"/>
-                </a:solidFill>
-              </a:rPr>
-              <a:t>Look at the output of </a:t>
-            </a:r>
-            <a:r>
-              <a:rPr lang="en-US" dirty="0">
-                <a:solidFill>
-                  <a:srgbClr val="FFFF00"/>
-                </a:solidFill>
-                <a:latin typeface="Consolas" pitchFamily="49" charset="0"/>
-                <a:cs typeface="Consolas" pitchFamily="49" charset="0"/>
-              </a:rPr>
-              <a:t>str()</a:t>
-            </a:r>
-            <a:r>
-              <a:rPr lang="en-US" dirty="0">
-                <a:solidFill>
-                  <a:schemeClr val="bg1"/>
-                </a:solidFill>
-              </a:rPr>
-              <a:t> again - note the ‘</a:t>
-            </a:r>
-            <a:r>
-              <a:rPr lang="en-US" dirty="0">
-                <a:solidFill>
-                  <a:srgbClr val="FFFF00"/>
-                </a:solidFill>
-                <a:latin typeface="Consolas" pitchFamily="49" charset="0"/>
-                <a:cs typeface="Consolas" pitchFamily="49" charset="0"/>
-              </a:rPr>
-              <a:t>$</a:t>
-            </a:r>
-            <a:r>
-              <a:rPr lang="en-US" dirty="0">
-                <a:solidFill>
-                  <a:schemeClr val="bg1"/>
-                </a:solidFill>
-                <a:latin typeface="Consolas" pitchFamily="49" charset="0"/>
-                <a:cs typeface="Consolas" pitchFamily="49" charset="0"/>
-              </a:rPr>
-              <a:t>’</a:t>
-            </a:r>
-            <a:endParaRPr lang="en-US" dirty="0">
-              <a:solidFill>
-                <a:schemeClr val="bg1"/>
-              </a:solidFill>
-            </a:endParaRPr>
-          </a:p>
-          <a:p>
-            <a:pPr lvl="1"/>
-            <a:r>
-              <a:rPr lang="en-US" dirty="0">
-                <a:solidFill>
-                  <a:schemeClr val="bg1"/>
-                </a:solidFill>
-              </a:rPr>
-              <a:t>You can pick out individual columns </a:t>
-            </a:r>
-            <a:r>
-              <a:rPr lang="en-GB" dirty="0">
-                <a:solidFill>
-                  <a:schemeClr val="bg1"/>
-                </a:solidFill>
-              </a:rPr>
-              <a:t>with syntax </a:t>
-            </a:r>
-            <a:r>
-              <a:rPr lang="en-GB" dirty="0" err="1">
-                <a:solidFill>
-                  <a:srgbClr val="FFFF00"/>
-                </a:solidFill>
-                <a:latin typeface="Consolas" pitchFamily="49" charset="0"/>
-                <a:cs typeface="Consolas" pitchFamily="49" charset="0"/>
-              </a:rPr>
-              <a:t>dataframe$columnname</a:t>
-            </a:r>
-            <a:endParaRPr lang="en-GB" dirty="0">
-              <a:solidFill>
-                <a:srgbClr val="FFFF00"/>
-              </a:solidFill>
-              <a:latin typeface="Consolas" pitchFamily="49" charset="0"/>
-              <a:cs typeface="Consolas" pitchFamily="49" charset="0"/>
-            </a:endParaRPr>
-          </a:p>
-          <a:p>
-            <a:pPr lvl="1"/>
-            <a:r>
-              <a:rPr lang="en-US" dirty="0">
-                <a:solidFill>
-                  <a:schemeClr val="bg1"/>
-                </a:solidFill>
-                <a:cs typeface="Consolas" pitchFamily="49" charset="0"/>
-              </a:rPr>
-              <a:t>Same thing as a vector</a:t>
-            </a:r>
-          </a:p>
-          <a:p>
-            <a:pPr lvl="1"/>
-            <a:r>
-              <a:rPr lang="en-US" dirty="0">
-                <a:solidFill>
-                  <a:schemeClr val="bg1"/>
-                </a:solidFill>
-                <a:cs typeface="Consolas" pitchFamily="49" charset="0"/>
-              </a:rPr>
-              <a:t>Use to </a:t>
-            </a:r>
-            <a:r>
-              <a:rPr lang="en-US" dirty="0">
-                <a:solidFill>
-                  <a:schemeClr val="accent6">
-                    <a:lumMod val="75000"/>
-                  </a:schemeClr>
-                </a:solidFill>
-                <a:cs typeface="Consolas" pitchFamily="49" charset="0"/>
-              </a:rPr>
-              <a:t>get</a:t>
-            </a:r>
-            <a:r>
-              <a:rPr lang="en-US" dirty="0">
-                <a:solidFill>
-                  <a:schemeClr val="bg1"/>
-                </a:solidFill>
-                <a:cs typeface="Consolas" pitchFamily="49" charset="0"/>
-              </a:rPr>
-              <a:t> or </a:t>
-            </a:r>
-            <a:r>
-              <a:rPr lang="en-US" dirty="0">
-                <a:solidFill>
-                  <a:schemeClr val="accent6">
-                    <a:lumMod val="75000"/>
-                  </a:schemeClr>
-                </a:solidFill>
-                <a:cs typeface="Consolas" pitchFamily="49" charset="0"/>
-              </a:rPr>
-              <a:t>set</a:t>
-            </a:r>
-            <a:r>
-              <a:rPr lang="en-US" dirty="0">
-                <a:solidFill>
-                  <a:schemeClr val="bg1"/>
-                </a:solidFill>
-                <a:cs typeface="Consolas" pitchFamily="49" charset="0"/>
-              </a:rPr>
-              <a:t> variables</a:t>
-            </a:r>
-          </a:p>
-        </p:txBody>
-      </p:sp>
-    </p:spTree>
-    <p:extLst>
-      <p:ext uri="{BB962C8B-B14F-4D97-AF65-F5344CB8AC3E}">
-        <p14:creationId xmlns:p14="http://schemas.microsoft.com/office/powerpoint/2010/main" val="3857766663"/>
-      </p:ext>
-    </p:extLst>
-  </p:cSld>
-  <p:clrMapOvr>
-    <a:masterClrMapping/>
-  </p:clrMapOvr>
-</p:sld>
-</file>
-
-<file path=ppt/slides/slide27.xml><?xml version="1.0" encoding="utf-8"?>
-<p:sld xmlns:a="http://schemas.openxmlformats.org/drawingml/2006/main" xmlns:r="http://schemas.openxmlformats.org/officeDocument/2006/relationships" xmlns:p="http://schemas.openxmlformats.org/presentationml/2006/main">
-  <p:cSld>
-    <p:spTree>
-      <p:nvGrpSpPr>
-        <p:cNvPr id="1" name=""/>
-        <p:cNvGrpSpPr/>
-        <p:nvPr/>
-      </p:nvGrpSpPr>
-      <p:grpSpPr>
-        <a:xfrm>
-          <a:off x="0" y="0"/>
-          <a:ext cx="0" cy="0"/>
-          <a:chOff x="0" y="0"/>
-          <a:chExt cx="0" cy="0"/>
-        </a:xfrm>
-      </p:grpSpPr>
-      <p:sp>
-        <p:nvSpPr>
-          <p:cNvPr id="2" name="Title 1"/>
-          <p:cNvSpPr>
-            <a:spLocks noGrp="1"/>
-          </p:cNvSpPr>
-          <p:nvPr>
-            <p:ph type="title"/>
-          </p:nvPr>
-        </p:nvSpPr>
-        <p:spPr/>
-        <p:txBody>
-          <a:bodyPr/>
-          <a:lstStyle/>
-          <a:p>
-            <a:r>
-              <a:rPr lang="en-US" dirty="0">
-                <a:solidFill>
-                  <a:schemeClr val="bg1"/>
-                </a:solidFill>
-              </a:rPr>
-              <a:t>Types of Data Structures</a:t>
-            </a:r>
-            <a:endParaRPr lang="en-GB" dirty="0">
-              <a:solidFill>
-                <a:schemeClr val="bg1"/>
-              </a:solidFill>
-            </a:endParaRPr>
-          </a:p>
-        </p:txBody>
-      </p:sp>
-      <p:sp>
-        <p:nvSpPr>
-          <p:cNvPr id="3" name="Content Placeholder 2"/>
-          <p:cNvSpPr>
-            <a:spLocks noGrp="1"/>
-          </p:cNvSpPr>
-          <p:nvPr>
-            <p:ph idx="1"/>
-          </p:nvPr>
-        </p:nvSpPr>
-        <p:spPr/>
-        <p:txBody>
-          <a:bodyPr/>
-          <a:lstStyle/>
-          <a:p>
-            <a:pPr marL="514350" indent="-514350">
-              <a:buFont typeface="+mj-lt"/>
-              <a:buAutoNum type="arabicPeriod"/>
-            </a:pPr>
-            <a:r>
-              <a:rPr lang="en-US" dirty="0">
-                <a:solidFill>
-                  <a:schemeClr val="bg1"/>
-                </a:solidFill>
-              </a:rPr>
-              <a:t>Atomic Vectors</a:t>
-            </a:r>
-          </a:p>
-          <a:p>
-            <a:pPr marL="514350" indent="-514350">
-              <a:buFont typeface="+mj-lt"/>
-              <a:buAutoNum type="arabicPeriod"/>
-            </a:pPr>
-            <a:r>
-              <a:rPr lang="en-US" dirty="0">
-                <a:solidFill>
-                  <a:schemeClr val="bg1"/>
-                </a:solidFill>
-              </a:rPr>
-              <a:t>Data frames</a:t>
-            </a:r>
-          </a:p>
-          <a:p>
-            <a:pPr marL="514350" indent="-514350">
-              <a:buFont typeface="+mj-lt"/>
-              <a:buAutoNum type="arabicPeriod"/>
-            </a:pPr>
-            <a:r>
-              <a:rPr lang="en-US" dirty="0">
-                <a:solidFill>
-                  <a:schemeClr val="accent6">
-                    <a:lumMod val="75000"/>
-                  </a:schemeClr>
-                </a:solidFill>
-              </a:rPr>
-              <a:t>Matrices</a:t>
-            </a:r>
-          </a:p>
-          <a:p>
-            <a:pPr marL="514350" indent="-514350">
-              <a:buFont typeface="+mj-lt"/>
-              <a:buAutoNum type="arabicPeriod"/>
-            </a:pPr>
-            <a:r>
-              <a:rPr lang="en-US" dirty="0">
-                <a:solidFill>
-                  <a:schemeClr val="bg1"/>
-                </a:solidFill>
-              </a:rPr>
-              <a:t>Lists</a:t>
-            </a:r>
-            <a:endParaRPr lang="en-GB" dirty="0">
-              <a:solidFill>
-                <a:schemeClr val="bg1"/>
-              </a:solidFill>
-            </a:endParaRPr>
-          </a:p>
-        </p:txBody>
-      </p:sp>
-    </p:spTree>
-    <p:extLst>
-      <p:ext uri="{BB962C8B-B14F-4D97-AF65-F5344CB8AC3E}">
-        <p14:creationId xmlns:p14="http://schemas.microsoft.com/office/powerpoint/2010/main" val="506404945"/>
-      </p:ext>
-    </p:extLst>
-  </p:cSld>
-  <p:clrMapOvr>
-    <a:masterClrMapping/>
-  </p:clrMapOvr>
-</p:sld>
-</file>
-
-<file path=ppt/slides/slide28.xml><?xml version="1.0" encoding="utf-8"?>
-<p:sld xmlns:a="http://schemas.openxmlformats.org/drawingml/2006/main" xmlns:r="http://schemas.openxmlformats.org/officeDocument/2006/relationships" xmlns:p="http://schemas.openxmlformats.org/presentationml/2006/main">
-  <p:cSld>
-    <p:spTree>
-      <p:nvGrpSpPr>
-        <p:cNvPr id="1" name=""/>
-        <p:cNvGrpSpPr/>
-        <p:nvPr/>
-      </p:nvGrpSpPr>
-      <p:grpSpPr>
-        <a:xfrm>
-          <a:off x="0" y="0"/>
-          <a:ext cx="0" cy="0"/>
-          <a:chOff x="0" y="0"/>
-          <a:chExt cx="0" cy="0"/>
-        </a:xfrm>
-      </p:grpSpPr>
-      <p:sp>
-        <p:nvSpPr>
-          <p:cNvPr id="2" name="Title 1"/>
-          <p:cNvSpPr>
-            <a:spLocks noGrp="1"/>
-          </p:cNvSpPr>
-          <p:nvPr>
-            <p:ph type="title"/>
-          </p:nvPr>
-        </p:nvSpPr>
-        <p:spPr/>
-        <p:txBody>
-          <a:bodyPr/>
-          <a:lstStyle/>
-          <a:p>
-            <a:endParaRPr lang="en-GB" dirty="0"/>
-          </a:p>
-        </p:txBody>
-      </p:sp>
-      <p:sp>
-        <p:nvSpPr>
-          <p:cNvPr id="3" name="Content Placeholder 2"/>
-          <p:cNvSpPr>
-            <a:spLocks noGrp="1"/>
-          </p:cNvSpPr>
-          <p:nvPr>
-            <p:ph idx="1"/>
-          </p:nvPr>
-        </p:nvSpPr>
-        <p:spPr/>
-        <p:txBody>
-          <a:bodyPr/>
-          <a:lstStyle/>
-          <a:p>
-            <a:endParaRPr lang="en-GB"/>
-          </a:p>
-        </p:txBody>
-      </p:sp>
-      <p:pic>
-        <p:nvPicPr>
-          <p:cNvPr id="1026" name="Picture 2"/>
-          <p:cNvPicPr>
-            <a:picLocks noChangeAspect="1" noChangeArrowheads="1"/>
-          </p:cNvPicPr>
-          <p:nvPr/>
-        </p:nvPicPr>
-        <p:blipFill>
-          <a:blip r:embed="rId2">
-            <a:extLst>
-              <a:ext uri="{28A0092B-C50C-407E-A947-70E740481C1C}">
-                <a14:useLocalDpi xmlns:a14="http://schemas.microsoft.com/office/drawing/2010/main" val="0"/>
-              </a:ext>
-            </a:extLst>
-          </a:blip>
-          <a:srcRect/>
-          <a:stretch>
-            <a:fillRect/>
-          </a:stretch>
-        </p:blipFill>
-        <p:spPr bwMode="auto">
-          <a:xfrm>
-            <a:off x="866222" y="1844824"/>
-            <a:ext cx="7515760" cy="3528391"/>
-          </a:xfrm>
-          <a:prstGeom prst="rect">
-            <a:avLst/>
-          </a:prstGeom>
-          <a:noFill/>
-          <a:ln>
-            <a:noFill/>
-          </a:ln>
-          <a:effectLst/>
-          <a:extLst>
-            <a:ext uri="{909E8E84-426E-40DD-AFC4-6F175D3DCCD1}">
-              <a14:hiddenFill xmlns:a14="http://schemas.microsoft.com/office/drawing/2010/main">
-                <a:solidFill>
-                  <a:schemeClr val="accent1"/>
-                </a:solidFill>
-              </a14:hiddenFill>
-            </a:ext>
-            <a:ext uri="{91240B29-F687-4F45-9708-019B960494DF}">
-              <a14:hiddenLine xmlns:a14="http://schemas.microsoft.com/office/drawing/2010/main" w="9525">
-                <a:solidFill>
-                  <a:schemeClr val="tx1"/>
-                </a:solidFill>
-                <a:miter lim="800000"/>
-                <a:headEnd/>
-                <a:tailEnd/>
-              </a14:hiddenLine>
-            </a:ext>
-            <a:ext uri="{AF507438-7753-43E0-B8FC-AC1667EBCBE1}">
-              <a14:hiddenEffects xmlns:a14="http://schemas.microsoft.com/office/drawing/2010/main">
-                <a:effectLst>
-                  <a:outerShdw dist="35921" dir="2700000" algn="ctr" rotWithShape="0">
-                    <a:schemeClr val="bg2"/>
-                  </a:outerShdw>
-                </a:effectLst>
-              </a14:hiddenEffects>
-            </a:ext>
-          </a:extLst>
-        </p:spPr>
-      </p:pic>
-    </p:spTree>
-    <p:extLst>
-      <p:ext uri="{BB962C8B-B14F-4D97-AF65-F5344CB8AC3E}">
-        <p14:creationId xmlns:p14="http://schemas.microsoft.com/office/powerpoint/2010/main" val="2833957217"/>
-      </p:ext>
-    </p:extLst>
-  </p:cSld>
-  <p:clrMapOvr>
-    <a:masterClrMapping/>
-  </p:clrMapOvr>
-</p:sld>
-</file>
-
-<file path=ppt/slides/slide29.xml><?xml version="1.0" encoding="utf-8"?>
-<p:sld xmlns:a="http://schemas.openxmlformats.org/drawingml/2006/main" xmlns:r="http://schemas.openxmlformats.org/officeDocument/2006/relationships" xmlns:p="http://schemas.openxmlformats.org/presentationml/2006/main">
-  <p:cSld>
-    <p:spTree>
-      <p:nvGrpSpPr>
-        <p:cNvPr id="1" name=""/>
-        <p:cNvGrpSpPr/>
-        <p:nvPr/>
-      </p:nvGrpSpPr>
-      <p:grpSpPr>
-        <a:xfrm>
-          <a:off x="0" y="0"/>
-          <a:ext cx="0" cy="0"/>
-          <a:chOff x="0" y="0"/>
-          <a:chExt cx="0" cy="0"/>
-        </a:xfrm>
-      </p:grpSpPr>
-      <p:sp>
-        <p:nvSpPr>
-          <p:cNvPr id="2" name="Title 1"/>
-          <p:cNvSpPr>
-            <a:spLocks noGrp="1"/>
-          </p:cNvSpPr>
-          <p:nvPr>
-            <p:ph type="title"/>
-          </p:nvPr>
-        </p:nvSpPr>
-        <p:spPr/>
-        <p:txBody>
-          <a:bodyPr/>
-          <a:lstStyle/>
-          <a:p>
-            <a:r>
-              <a:rPr lang="en-US" dirty="0">
-                <a:solidFill>
-                  <a:schemeClr val="bg1"/>
-                </a:solidFill>
-              </a:rPr>
-              <a:t>Matrices</a:t>
-            </a:r>
-            <a:endParaRPr lang="en-GB" dirty="0">
-              <a:solidFill>
-                <a:schemeClr val="bg1"/>
-              </a:solidFill>
-            </a:endParaRPr>
-          </a:p>
-        </p:txBody>
-      </p:sp>
-      <p:sp>
-        <p:nvSpPr>
-          <p:cNvPr id="3" name="Content Placeholder 2"/>
-          <p:cNvSpPr>
-            <a:spLocks noGrp="1"/>
-          </p:cNvSpPr>
-          <p:nvPr>
-            <p:ph idx="1"/>
-          </p:nvPr>
-        </p:nvSpPr>
-        <p:spPr/>
-        <p:txBody>
-          <a:bodyPr>
-            <a:normAutofit/>
-          </a:bodyPr>
-          <a:lstStyle/>
-          <a:p>
-            <a:r>
-              <a:rPr lang="en-US" dirty="0">
-                <a:solidFill>
-                  <a:schemeClr val="bg1"/>
-                </a:solidFill>
-              </a:rPr>
-              <a:t>Like data frame are 2-dimensional</a:t>
-            </a:r>
-          </a:p>
-          <a:p>
-            <a:pPr lvl="1"/>
-            <a:r>
-              <a:rPr lang="en-US" dirty="0">
-                <a:solidFill>
-                  <a:schemeClr val="bg1"/>
-                </a:solidFill>
-              </a:rPr>
-              <a:t>rows &amp; columns</a:t>
-            </a:r>
-          </a:p>
-          <a:p>
-            <a:r>
-              <a:rPr lang="en-US" dirty="0">
-                <a:solidFill>
-                  <a:schemeClr val="bg1"/>
-                </a:solidFill>
-              </a:rPr>
-              <a:t>Like vectors, only of particular type</a:t>
-            </a:r>
-          </a:p>
-          <a:p>
-            <a:pPr lvl="1"/>
-            <a:r>
-              <a:rPr lang="en-US" dirty="0">
-                <a:solidFill>
-                  <a:schemeClr val="bg1"/>
-                </a:solidFill>
-              </a:rPr>
-              <a:t>integer, character, numeric, logical, etc.</a:t>
-            </a:r>
-          </a:p>
-          <a:p>
-            <a:r>
-              <a:rPr lang="en-US" dirty="0">
-                <a:solidFill>
-                  <a:schemeClr val="bg1"/>
-                </a:solidFill>
-              </a:rPr>
-              <a:t>Can be built using </a:t>
-            </a:r>
-            <a:r>
-              <a:rPr lang="en-US" dirty="0">
-                <a:solidFill>
-                  <a:srgbClr val="FFFF00"/>
-                </a:solidFill>
-                <a:latin typeface="Consolas" pitchFamily="49" charset="0"/>
-                <a:cs typeface="Consolas" pitchFamily="49" charset="0"/>
-              </a:rPr>
-              <a:t>matrix()</a:t>
-            </a:r>
-          </a:p>
-          <a:p>
-            <a:r>
-              <a:rPr lang="en-US" dirty="0">
-                <a:solidFill>
-                  <a:schemeClr val="bg1"/>
-                </a:solidFill>
-              </a:rPr>
-              <a:t>Others include </a:t>
-            </a:r>
-            <a:r>
-              <a:rPr lang="en-US" dirty="0" err="1">
-                <a:solidFill>
-                  <a:srgbClr val="FFFF00"/>
-                </a:solidFill>
-                <a:latin typeface="Consolas" pitchFamily="49" charset="0"/>
-                <a:cs typeface="Consolas" pitchFamily="49" charset="0"/>
-              </a:rPr>
-              <a:t>rbind</a:t>
-            </a:r>
-            <a:r>
-              <a:rPr lang="en-US" dirty="0">
-                <a:solidFill>
-                  <a:srgbClr val="FFFF00"/>
-                </a:solidFill>
-                <a:latin typeface="Consolas" pitchFamily="49" charset="0"/>
-                <a:cs typeface="Consolas" pitchFamily="49" charset="0"/>
-              </a:rPr>
-              <a:t>()</a:t>
-            </a:r>
-            <a:r>
-              <a:rPr lang="en-US" dirty="0">
-                <a:solidFill>
-                  <a:schemeClr val="bg1"/>
-                </a:solidFill>
-              </a:rPr>
-              <a:t>, </a:t>
-            </a:r>
-            <a:r>
-              <a:rPr lang="en-US" dirty="0" err="1">
-                <a:solidFill>
-                  <a:srgbClr val="FFFF00"/>
-                </a:solidFill>
-                <a:latin typeface="Consolas" pitchFamily="49" charset="0"/>
-                <a:cs typeface="Consolas" pitchFamily="49" charset="0"/>
-              </a:rPr>
-              <a:t>cbind</a:t>
-            </a:r>
-            <a:r>
-              <a:rPr lang="en-US" dirty="0">
-                <a:solidFill>
-                  <a:srgbClr val="FFFF00"/>
-                </a:solidFill>
-                <a:latin typeface="Consolas" pitchFamily="49" charset="0"/>
-                <a:cs typeface="Consolas" pitchFamily="49" charset="0"/>
-              </a:rPr>
-              <a:t>()</a:t>
-            </a:r>
-          </a:p>
-          <a:p>
-            <a:r>
-              <a:rPr lang="en-US" dirty="0">
-                <a:solidFill>
-                  <a:schemeClr val="bg1"/>
-                </a:solidFill>
-              </a:rPr>
-              <a:t>Matrix arithmetic / linear algebra can also be done; useful in machine learning</a:t>
-            </a:r>
-            <a:endParaRPr lang="en-GB" dirty="0">
-              <a:solidFill>
-                <a:schemeClr val="bg1"/>
-              </a:solidFill>
-            </a:endParaRPr>
-          </a:p>
-        </p:txBody>
-      </p:sp>
-    </p:spTree>
-    <p:extLst>
-      <p:ext uri="{BB962C8B-B14F-4D97-AF65-F5344CB8AC3E}">
-        <p14:creationId xmlns:p14="http://schemas.microsoft.com/office/powerpoint/2010/main" val="1409631322"/>
-      </p:ext>
-    </p:extLst>
-  </p:cSld>
-  <p:clrMapOvr>
-    <a:masterClrMapping/>
-  </p:clrMapOvr>
-</p:sld>
-</file>
-
 <file path=ppt/slides/slide3.xml><?xml version="1.0" encoding="utf-8"?>
 <p:sld xmlns:a="http://schemas.openxmlformats.org/drawingml/2006/main" xmlns:r="http://schemas.openxmlformats.org/officeDocument/2006/relationships" xmlns:p="http://schemas.openxmlformats.org/presentationml/2006/main">
   <p:cSld>
@@ -10688,6 +10186,22 @@
           <a:bodyPr/>
           <a:lstStyle/>
           <a:p>
+            <a:r>
+              <a:rPr lang="en-US" dirty="0" err="1">
+                <a:solidFill>
+                  <a:schemeClr val="bg1"/>
+                </a:solidFill>
+              </a:rPr>
+              <a:t>Subsetting</a:t>
+            </a:r>
+            <a:r>
+              <a:rPr lang="en-US" dirty="0">
+                <a:solidFill>
+                  <a:schemeClr val="bg1"/>
+                </a:solidFill>
+              </a:rPr>
+              <a:t> </a:t>
+            </a:r>
             <a:endParaRPr lang="en-GB" dirty="0">
               <a:solidFill>
                 <a:schemeClr val="bg1"/>
@@ -10717,6 +10231,743 @@
                   <a:schemeClr val="bg1"/>
                 </a:solidFill>
               </a:rPr>
+              <a:t>The </a:t>
+            </a:r>
+            <a:r>
+              <a:rPr lang="en-US" dirty="0">
+                <a:solidFill>
+                  <a:srgbClr val="FFFF00"/>
+                </a:solidFill>
+                <a:latin typeface="Consolas" pitchFamily="49" charset="0"/>
+                <a:cs typeface="Consolas" pitchFamily="49" charset="0"/>
+              </a:rPr>
+              <a:t>$</a:t>
+            </a:r>
+            <a:r>
+              <a:rPr lang="en-US" dirty="0">
+                <a:solidFill>
+                  <a:schemeClr val="bg1"/>
+                </a:solidFill>
+              </a:rPr>
+              <a:t> operator</a:t>
+            </a:r>
+          </a:p>
+          <a:p>
+            <a:pPr lvl="1"/>
+            <a:r>
+              <a:rPr lang="en-US" dirty="0">
+                <a:solidFill>
+                  <a:schemeClr val="bg1"/>
+                </a:solidFill>
+              </a:rPr>
+              <a:t>Look at the output of </a:t>
+            </a:r>
+            <a:r>
+              <a:rPr lang="en-US" dirty="0">
+                <a:solidFill>
+                  <a:srgbClr val="FFFF00"/>
+                </a:solidFill>
+                <a:latin typeface="Consolas" pitchFamily="49" charset="0"/>
+                <a:cs typeface="Consolas" pitchFamily="49" charset="0"/>
+              </a:rPr>
+              <a:t>str()</a:t>
+            </a:r>
+            <a:r>
+              <a:rPr lang="en-US" dirty="0">
+                <a:solidFill>
+                  <a:schemeClr val="bg1"/>
+                </a:solidFill>
+              </a:rPr>
+              <a:t> again - note the ‘</a:t>
+            </a:r>
+            <a:r>
+              <a:rPr lang="en-US" dirty="0">
+                <a:solidFill>
+                  <a:srgbClr val="FFFF00"/>
+                </a:solidFill>
+                <a:latin typeface="Consolas" pitchFamily="49" charset="0"/>
+                <a:cs typeface="Consolas" pitchFamily="49" charset="0"/>
+              </a:rPr>
+              <a:t>$</a:t>
+            </a:r>
+            <a:r>
+              <a:rPr lang="en-US" dirty="0">
+                <a:solidFill>
+                  <a:schemeClr val="bg1"/>
+                </a:solidFill>
+                <a:latin typeface="Consolas" pitchFamily="49" charset="0"/>
+                <a:cs typeface="Consolas" pitchFamily="49" charset="0"/>
+              </a:rPr>
+              <a:t>’</a:t>
+            </a:r>
+            <a:endParaRPr lang="en-US" dirty="0">
+              <a:solidFill>
+                <a:schemeClr val="bg1"/>
+              </a:solidFill>
+            </a:endParaRPr>
+          </a:p>
+          <a:p>
+            <a:pPr lvl="1"/>
+            <a:r>
+              <a:rPr lang="en-US" dirty="0">
+                <a:solidFill>
+                  <a:schemeClr val="bg1"/>
+                </a:solidFill>
+              </a:rPr>
+              <a:t>You can pick out individual columns </a:t>
+            </a:r>
+            <a:r>
+              <a:rPr lang="en-GB" dirty="0">
+                <a:solidFill>
+                  <a:schemeClr val="bg1"/>
+                </a:solidFill>
+              </a:rPr>
+              <a:t>with syntax </a:t>
+            </a:r>
+            <a:r>
+              <a:rPr lang="en-GB" dirty="0" err="1">
+                <a:solidFill>
+                  <a:srgbClr val="FFFF00"/>
+                </a:solidFill>
+                <a:latin typeface="Consolas" pitchFamily="49" charset="0"/>
+                <a:cs typeface="Consolas" pitchFamily="49" charset="0"/>
+              </a:rPr>
+              <a:t>dataframe$columnname</a:t>
+            </a:r>
+            <a:endParaRPr lang="en-GB" dirty="0">
+              <a:solidFill>
+                <a:srgbClr val="FFFF00"/>
+              </a:solidFill>
+              <a:latin typeface="Consolas" pitchFamily="49" charset="0"/>
+              <a:cs typeface="Consolas" pitchFamily="49" charset="0"/>
+            </a:endParaRPr>
+          </a:p>
+          <a:p>
+            <a:pPr lvl="1"/>
+            <a:r>
+              <a:rPr lang="en-US" dirty="0">
+                <a:solidFill>
+                  <a:schemeClr val="bg1"/>
+                </a:solidFill>
+                <a:cs typeface="Consolas" pitchFamily="49" charset="0"/>
+              </a:rPr>
+              <a:t>Same thing as a vector</a:t>
+            </a:r>
+          </a:p>
+          <a:p>
+            <a:pPr lvl="1"/>
+            <a:r>
+              <a:rPr lang="en-US" dirty="0">
+                <a:solidFill>
+                  <a:schemeClr val="bg1"/>
+                </a:solidFill>
+                <a:cs typeface="Consolas" pitchFamily="49" charset="0"/>
+              </a:rPr>
+              <a:t>Use to </a:t>
+            </a:r>
+            <a:r>
+              <a:rPr lang="en-US" dirty="0">
+                <a:solidFill>
+                  <a:schemeClr val="accent6">
+                    <a:lumMod val="75000"/>
+                  </a:schemeClr>
+                </a:solidFill>
+                <a:cs typeface="Consolas" pitchFamily="49" charset="0"/>
+              </a:rPr>
+              <a:t>get</a:t>
+            </a:r>
+            <a:r>
+              <a:rPr lang="en-US" dirty="0">
+                <a:solidFill>
+                  <a:schemeClr val="bg1"/>
+                </a:solidFill>
+                <a:cs typeface="Consolas" pitchFamily="49" charset="0"/>
+              </a:rPr>
+              <a:t> or </a:t>
+            </a:r>
+            <a:r>
+              <a:rPr lang="en-US" dirty="0">
+                <a:solidFill>
+                  <a:schemeClr val="accent6">
+                    <a:lumMod val="75000"/>
+                  </a:schemeClr>
+                </a:solidFill>
+                <a:cs typeface="Consolas" pitchFamily="49" charset="0"/>
+              </a:rPr>
+              <a:t>set</a:t>
+            </a:r>
+            <a:r>
+              <a:rPr lang="en-US" dirty="0">
+                <a:solidFill>
+                  <a:schemeClr val="bg1"/>
+                </a:solidFill>
+                <a:cs typeface="Consolas" pitchFamily="49" charset="0"/>
+              </a:rPr>
+              <a:t> variables</a:t>
+            </a:r>
+          </a:p>
+        </p:txBody>
+      </p:sp>
+    </p:spTree>
+    <p:extLst>
+      <p:ext uri="{BB962C8B-B14F-4D97-AF65-F5344CB8AC3E}">
+        <p14:creationId xmlns:p14="http://schemas.microsoft.com/office/powerpoint/2010/main" val="3857766663"/>
+      </p:ext>
+    </p:extLst>
+  </p:cSld>
+  <p:clrMapOvr>
+    <a:masterClrMapping/>
+  </p:clrMapOvr>
+</p:sld>
+</file>
+
+<file path=ppt/slides/slide31.xml><?xml version="1.0" encoding="utf-8"?>
+<p:sld xmlns:a="http://schemas.openxmlformats.org/drawingml/2006/main" xmlns:r="http://schemas.openxmlformats.org/officeDocument/2006/relationships" xmlns:p="http://schemas.openxmlformats.org/presentationml/2006/main">
+  <p:cSld>
+    <p:spTree>
+      <p:nvGrpSpPr>
+        <p:cNvPr id="1" name=""/>
+        <p:cNvGrpSpPr/>
+        <p:nvPr/>
+      </p:nvGrpSpPr>
+      <p:grpSpPr>
+        <a:xfrm>
+          <a:off x="0" y="0"/>
+          <a:ext cx="0" cy="0"/>
+          <a:chOff x="0" y="0"/>
+          <a:chExt cx="0" cy="0"/>
+        </a:xfrm>
+      </p:grpSpPr>
+      <p:sp>
+        <p:nvSpPr>
+          <p:cNvPr id="2" name="Title 1"/>
+          <p:cNvSpPr>
+            <a:spLocks noGrp="1"/>
+          </p:cNvSpPr>
+          <p:nvPr>
+            <p:ph type="title"/>
+          </p:nvPr>
+        </p:nvSpPr>
+        <p:spPr/>
+        <p:txBody>
+          <a:bodyPr/>
+          <a:lstStyle/>
+          <a:p>
+            <a:r>
+              <a:rPr lang="en-US" dirty="0">
+                <a:solidFill>
+                  <a:schemeClr val="bg1"/>
+                </a:solidFill>
+              </a:rPr>
+              <a:t>Types of Data Structures</a:t>
+            </a:r>
+            <a:endParaRPr lang="en-GB" dirty="0">
+              <a:solidFill>
+                <a:schemeClr val="bg1"/>
+              </a:solidFill>
+            </a:endParaRPr>
+          </a:p>
+        </p:txBody>
+      </p:sp>
+      <p:sp>
+        <p:nvSpPr>
+          <p:cNvPr id="3" name="Content Placeholder 2"/>
+          <p:cNvSpPr>
+            <a:spLocks noGrp="1"/>
+          </p:cNvSpPr>
+          <p:nvPr>
+            <p:ph idx="1"/>
+          </p:nvPr>
+        </p:nvSpPr>
+        <p:spPr/>
+        <p:txBody>
+          <a:bodyPr/>
+          <a:lstStyle/>
+          <a:p>
+            <a:pPr marL="514350" indent="-514350">
+              <a:buFont typeface="+mj-lt"/>
+              <a:buAutoNum type="arabicPeriod"/>
+            </a:pPr>
+            <a:r>
+              <a:rPr lang="en-US" dirty="0">
+                <a:solidFill>
+                  <a:schemeClr val="bg1"/>
+                </a:solidFill>
+              </a:rPr>
+              <a:t>Atomic Vectors</a:t>
+            </a:r>
+          </a:p>
+          <a:p>
+            <a:pPr marL="514350" indent="-514350">
+              <a:buFont typeface="+mj-lt"/>
+              <a:buAutoNum type="arabicPeriod"/>
+            </a:pPr>
+            <a:r>
+              <a:rPr lang="en-US" dirty="0">
+                <a:solidFill>
+                  <a:schemeClr val="bg1"/>
+                </a:solidFill>
+              </a:rPr>
+              <a:t>Data frames</a:t>
+            </a:r>
+          </a:p>
+          <a:p>
+            <a:pPr marL="514350" indent="-514350">
+              <a:buFont typeface="+mj-lt"/>
+              <a:buAutoNum type="arabicPeriod"/>
+            </a:pPr>
+            <a:r>
+              <a:rPr lang="en-US" dirty="0">
+                <a:solidFill>
+                  <a:schemeClr val="accent6">
+                    <a:lumMod val="75000"/>
+                  </a:schemeClr>
+                </a:solidFill>
+              </a:rPr>
+              <a:t>Matrices</a:t>
+            </a:r>
+          </a:p>
+          <a:p>
+            <a:pPr marL="514350" indent="-514350">
+              <a:buFont typeface="+mj-lt"/>
+              <a:buAutoNum type="arabicPeriod"/>
+            </a:pPr>
+            <a:r>
+              <a:rPr lang="en-US" dirty="0">
+                <a:solidFill>
+                  <a:schemeClr val="bg1"/>
+                </a:solidFill>
+              </a:rPr>
+              <a:t>Lists</a:t>
+            </a:r>
+            <a:endParaRPr lang="en-GB" dirty="0">
+              <a:solidFill>
+                <a:schemeClr val="bg1"/>
+              </a:solidFill>
+            </a:endParaRPr>
+          </a:p>
+        </p:txBody>
+      </p:sp>
+    </p:spTree>
+    <p:extLst>
+      <p:ext uri="{BB962C8B-B14F-4D97-AF65-F5344CB8AC3E}">
+        <p14:creationId xmlns:p14="http://schemas.microsoft.com/office/powerpoint/2010/main" val="506404945"/>
+      </p:ext>
+    </p:extLst>
+  </p:cSld>
+  <p:clrMapOvr>
+    <a:masterClrMapping/>
+  </p:clrMapOvr>
+</p:sld>
+</file>
+
+<file path=ppt/slides/slide32.xml><?xml version="1.0" encoding="utf-8"?>
+<p:sld xmlns:a="http://schemas.openxmlformats.org/drawingml/2006/main" xmlns:r="http://schemas.openxmlformats.org/officeDocument/2006/relationships" xmlns:p="http://schemas.openxmlformats.org/presentationml/2006/main">
+  <p:cSld>
+    <p:spTree>
+      <p:nvGrpSpPr>
+        <p:cNvPr id="1" name=""/>
+        <p:cNvGrpSpPr/>
+        <p:nvPr/>
+      </p:nvGrpSpPr>
+      <p:grpSpPr>
+        <a:xfrm>
+          <a:off x="0" y="0"/>
+          <a:ext cx="0" cy="0"/>
+          <a:chOff x="0" y="0"/>
+          <a:chExt cx="0" cy="0"/>
+        </a:xfrm>
+      </p:grpSpPr>
+      <p:sp>
+        <p:nvSpPr>
+          <p:cNvPr id="2" name="Title 1"/>
+          <p:cNvSpPr>
+            <a:spLocks noGrp="1"/>
+          </p:cNvSpPr>
+          <p:nvPr>
+            <p:ph type="title"/>
+          </p:nvPr>
+        </p:nvSpPr>
+        <p:spPr/>
+        <p:txBody>
+          <a:bodyPr/>
+          <a:lstStyle/>
+          <a:p>
+            <a:endParaRPr lang="en-GB" dirty="0"/>
+          </a:p>
+        </p:txBody>
+      </p:sp>
+      <p:sp>
+        <p:nvSpPr>
+          <p:cNvPr id="3" name="Content Placeholder 2"/>
+          <p:cNvSpPr>
+            <a:spLocks noGrp="1"/>
+          </p:cNvSpPr>
+          <p:nvPr>
+            <p:ph idx="1"/>
+          </p:nvPr>
+        </p:nvSpPr>
+        <p:spPr/>
+        <p:txBody>
+          <a:bodyPr/>
+          <a:lstStyle/>
+          <a:p>
+            <a:endParaRPr lang="en-GB"/>
+          </a:p>
+        </p:txBody>
+      </p:sp>
+      <p:pic>
+        <p:nvPicPr>
+          <p:cNvPr id="1026" name="Picture 2"/>
+          <p:cNvPicPr>
+            <a:picLocks noChangeAspect="1" noChangeArrowheads="1"/>
+          </p:cNvPicPr>
+          <p:nvPr/>
+        </p:nvPicPr>
+        <p:blipFill>
+          <a:blip r:embed="rId2">
+            <a:extLst>
+              <a:ext uri="{28A0092B-C50C-407E-A947-70E740481C1C}">
+                <a14:useLocalDpi xmlns:a14="http://schemas.microsoft.com/office/drawing/2010/main" val="0"/>
+              </a:ext>
+            </a:extLst>
+          </a:blip>
+          <a:srcRect/>
+          <a:stretch>
+            <a:fillRect/>
+          </a:stretch>
+        </p:blipFill>
+        <p:spPr bwMode="auto">
+          <a:xfrm>
+            <a:off x="866222" y="1844824"/>
+            <a:ext cx="7515760" cy="3528391"/>
+          </a:xfrm>
+          <a:prstGeom prst="rect">
+            <a:avLst/>
+          </a:prstGeom>
+          <a:noFill/>
+          <a:ln>
+            <a:noFill/>
+          </a:ln>
+          <a:effectLst/>
+          <a:extLst>
+            <a:ext uri="{909E8E84-426E-40DD-AFC4-6F175D3DCCD1}">
+              <a14:hiddenFill xmlns:a14="http://schemas.microsoft.com/office/drawing/2010/main">
+                <a:solidFill>
+                  <a:schemeClr val="accent1"/>
+                </a:solidFill>
+              </a14:hiddenFill>
+            </a:ext>
+            <a:ext uri="{91240B29-F687-4F45-9708-019B960494DF}">
+              <a14:hiddenLine xmlns:a14="http://schemas.microsoft.com/office/drawing/2010/main" w="9525">
+                <a:solidFill>
+                  <a:schemeClr val="tx1"/>
+                </a:solidFill>
+                <a:miter lim="800000"/>
+                <a:headEnd/>
+                <a:tailEnd/>
+              </a14:hiddenLine>
+            </a:ext>
+            <a:ext uri="{AF507438-7753-43E0-B8FC-AC1667EBCBE1}">
+              <a14:hiddenEffects xmlns:a14="http://schemas.microsoft.com/office/drawing/2010/main">
+                <a:effectLst>
+                  <a:outerShdw dist="35921" dir="2700000" algn="ctr" rotWithShape="0">
+                    <a:schemeClr val="bg2"/>
+                  </a:outerShdw>
+                </a:effectLst>
+              </a14:hiddenEffects>
+            </a:ext>
+          </a:extLst>
+        </p:spPr>
+      </p:pic>
+    </p:spTree>
+    <p:extLst>
+      <p:ext uri="{BB962C8B-B14F-4D97-AF65-F5344CB8AC3E}">
+        <p14:creationId xmlns:p14="http://schemas.microsoft.com/office/powerpoint/2010/main" val="2833957217"/>
+      </p:ext>
+    </p:extLst>
+  </p:cSld>
+  <p:clrMapOvr>
+    <a:masterClrMapping/>
+  </p:clrMapOvr>
+</p:sld>
+</file>
+
+<file path=ppt/slides/slide33.xml><?xml version="1.0" encoding="utf-8"?>
+<p:sld xmlns:a="http://schemas.openxmlformats.org/drawingml/2006/main" xmlns:r="http://schemas.openxmlformats.org/officeDocument/2006/relationships" xmlns:p="http://schemas.openxmlformats.org/presentationml/2006/main">
+  <p:cSld>
+    <p:spTree>
+      <p:nvGrpSpPr>
+        <p:cNvPr id="1" name=""/>
+        <p:cNvGrpSpPr/>
+        <p:nvPr/>
+      </p:nvGrpSpPr>
+      <p:grpSpPr>
+        <a:xfrm>
+          <a:off x="0" y="0"/>
+          <a:ext cx="0" cy="0"/>
+          <a:chOff x="0" y="0"/>
+          <a:chExt cx="0" cy="0"/>
+        </a:xfrm>
+      </p:grpSpPr>
+      <p:sp>
+        <p:nvSpPr>
+          <p:cNvPr id="2" name="Title 1"/>
+          <p:cNvSpPr>
+            <a:spLocks noGrp="1"/>
+          </p:cNvSpPr>
+          <p:nvPr>
+            <p:ph type="title"/>
+          </p:nvPr>
+        </p:nvSpPr>
+        <p:spPr/>
+        <p:txBody>
+          <a:bodyPr/>
+          <a:lstStyle/>
+          <a:p>
+            <a:r>
+              <a:rPr lang="en-US" dirty="0">
+                <a:solidFill>
+                  <a:schemeClr val="bg1"/>
+                </a:solidFill>
+              </a:rPr>
+              <a:t>Matrices</a:t>
+            </a:r>
+            <a:endParaRPr lang="en-GB" dirty="0">
+              <a:solidFill>
+                <a:schemeClr val="bg1"/>
+              </a:solidFill>
+            </a:endParaRPr>
+          </a:p>
+        </p:txBody>
+      </p:sp>
+      <p:sp>
+        <p:nvSpPr>
+          <p:cNvPr id="3" name="Content Placeholder 2"/>
+          <p:cNvSpPr>
+            <a:spLocks noGrp="1"/>
+          </p:cNvSpPr>
+          <p:nvPr>
+            <p:ph idx="1"/>
+          </p:nvPr>
+        </p:nvSpPr>
+        <p:spPr/>
+        <p:txBody>
+          <a:bodyPr>
+            <a:normAutofit/>
+          </a:bodyPr>
+          <a:lstStyle/>
+          <a:p>
+            <a:r>
+              <a:rPr lang="en-US" dirty="0">
+                <a:solidFill>
+                  <a:schemeClr val="bg1"/>
+                </a:solidFill>
+              </a:rPr>
+              <a:t>Like data frame are 2-dimensional</a:t>
+            </a:r>
+          </a:p>
+          <a:p>
+            <a:pPr lvl="1"/>
+            <a:r>
+              <a:rPr lang="en-US" dirty="0">
+                <a:solidFill>
+                  <a:schemeClr val="bg1"/>
+                </a:solidFill>
+              </a:rPr>
+              <a:t>rows &amp; columns</a:t>
+            </a:r>
+          </a:p>
+          <a:p>
+            <a:r>
+              <a:rPr lang="en-US" dirty="0">
+                <a:solidFill>
+                  <a:schemeClr val="bg1"/>
+                </a:solidFill>
+              </a:rPr>
+              <a:t>Like vectors, only of particular type</a:t>
+            </a:r>
+          </a:p>
+          <a:p>
+            <a:pPr lvl="1"/>
+            <a:r>
+              <a:rPr lang="en-US" dirty="0">
+                <a:solidFill>
+                  <a:schemeClr val="bg1"/>
+                </a:solidFill>
+              </a:rPr>
+              <a:t>integer, character, numeric, logical, etc.</a:t>
+            </a:r>
+          </a:p>
+          <a:p>
+            <a:r>
+              <a:rPr lang="en-US" dirty="0">
+                <a:solidFill>
+                  <a:schemeClr val="bg1"/>
+                </a:solidFill>
+              </a:rPr>
+              <a:t>Can be built using </a:t>
+            </a:r>
+            <a:r>
+              <a:rPr lang="en-US" dirty="0">
+                <a:solidFill>
+                  <a:srgbClr val="FFFF00"/>
+                </a:solidFill>
+                <a:latin typeface="Consolas" pitchFamily="49" charset="0"/>
+                <a:cs typeface="Consolas" pitchFamily="49" charset="0"/>
+              </a:rPr>
+              <a:t>matrix()</a:t>
+            </a:r>
+          </a:p>
+          <a:p>
+            <a:r>
+              <a:rPr lang="en-US" dirty="0">
+                <a:solidFill>
+                  <a:schemeClr val="bg1"/>
+                </a:solidFill>
+              </a:rPr>
+              <a:t>Others include </a:t>
+            </a:r>
+            <a:r>
+              <a:rPr lang="en-US" dirty="0" err="1">
+                <a:solidFill>
+                  <a:srgbClr val="FFFF00"/>
+                </a:solidFill>
+                <a:latin typeface="Consolas" pitchFamily="49" charset="0"/>
+                <a:cs typeface="Consolas" pitchFamily="49" charset="0"/>
+              </a:rPr>
+              <a:t>rbind</a:t>
+            </a:r>
+            <a:r>
+              <a:rPr lang="en-US" dirty="0">
+                <a:solidFill>
+                  <a:srgbClr val="FFFF00"/>
+                </a:solidFill>
+                <a:latin typeface="Consolas" pitchFamily="49" charset="0"/>
+                <a:cs typeface="Consolas" pitchFamily="49" charset="0"/>
+              </a:rPr>
+              <a:t>()</a:t>
+            </a:r>
+            <a:r>
+              <a:rPr lang="en-US" dirty="0">
+                <a:solidFill>
+                  <a:schemeClr val="bg1"/>
+                </a:solidFill>
+              </a:rPr>
+              <a:t>, </a:t>
+            </a:r>
+            <a:r>
+              <a:rPr lang="en-US" dirty="0" err="1">
+                <a:solidFill>
+                  <a:srgbClr val="FFFF00"/>
+                </a:solidFill>
+                <a:latin typeface="Consolas" pitchFamily="49" charset="0"/>
+                <a:cs typeface="Consolas" pitchFamily="49" charset="0"/>
+              </a:rPr>
+              <a:t>cbind</a:t>
+            </a:r>
+            <a:r>
+              <a:rPr lang="en-US" dirty="0">
+                <a:solidFill>
+                  <a:srgbClr val="FFFF00"/>
+                </a:solidFill>
+                <a:latin typeface="Consolas" pitchFamily="49" charset="0"/>
+                <a:cs typeface="Consolas" pitchFamily="49" charset="0"/>
+              </a:rPr>
+              <a:t>()</a:t>
+            </a:r>
+          </a:p>
+          <a:p>
+            <a:r>
+              <a:rPr lang="en-US" dirty="0">
+                <a:solidFill>
+                  <a:schemeClr val="bg1"/>
+                </a:solidFill>
+              </a:rPr>
+              <a:t>Matrix arithmetic / linear algebra can also be done; useful in machine learning</a:t>
+            </a:r>
+            <a:endParaRPr lang="en-GB" dirty="0">
+              <a:solidFill>
+                <a:schemeClr val="bg1"/>
+              </a:solidFill>
+            </a:endParaRPr>
+          </a:p>
+        </p:txBody>
+      </p:sp>
+    </p:spTree>
+    <p:extLst>
+      <p:ext uri="{BB962C8B-B14F-4D97-AF65-F5344CB8AC3E}">
+        <p14:creationId xmlns:p14="http://schemas.microsoft.com/office/powerpoint/2010/main" val="1409631322"/>
+      </p:ext>
+    </p:extLst>
+  </p:cSld>
+  <p:clrMapOvr>
+    <a:masterClrMapping/>
+  </p:clrMapOvr>
+</p:sld>
+</file>
+
+<file path=ppt/slides/slide34.xml><?xml version="1.0" encoding="utf-8"?>
+<p:sld xmlns:a="http://schemas.openxmlformats.org/drawingml/2006/main" xmlns:r="http://schemas.openxmlformats.org/officeDocument/2006/relationships" xmlns:p="http://schemas.openxmlformats.org/presentationml/2006/main">
+  <p:cSld>
+    <p:spTree>
+      <p:nvGrpSpPr>
+        <p:cNvPr id="1" name=""/>
+        <p:cNvGrpSpPr/>
+        <p:nvPr/>
+      </p:nvGrpSpPr>
+      <p:grpSpPr>
+        <a:xfrm>
+          <a:off x="0" y="0"/>
+          <a:ext cx="0" cy="0"/>
+          <a:chOff x="0" y="0"/>
+          <a:chExt cx="0" cy="0"/>
+        </a:xfrm>
+      </p:grpSpPr>
+      <p:sp>
+        <p:nvSpPr>
+          <p:cNvPr id="2" name="Title 1"/>
+          <p:cNvSpPr>
+            <a:spLocks noGrp="1"/>
+          </p:cNvSpPr>
+          <p:nvPr>
+            <p:ph type="title"/>
+          </p:nvPr>
+        </p:nvSpPr>
+        <p:spPr/>
+        <p:txBody>
+          <a:bodyPr/>
+          <a:lstStyle/>
+          <a:p>
+            <a:endParaRPr lang="en-GB" dirty="0">
+              <a:solidFill>
+                <a:schemeClr val="bg1"/>
+              </a:solidFill>
+            </a:endParaRPr>
+          </a:p>
+        </p:txBody>
+      </p:sp>
+      <p:sp>
+        <p:nvSpPr>
+          <p:cNvPr id="3" name="Content Placeholder 2"/>
+          <p:cNvSpPr>
+            <a:spLocks noGrp="1"/>
+          </p:cNvSpPr>
+          <p:nvPr>
+            <p:ph idx="1"/>
+          </p:nvPr>
+        </p:nvSpPr>
+        <p:spPr/>
+        <p:txBody>
+          <a:bodyPr/>
+          <a:lstStyle/>
+          <a:p>
+            <a:r>
+              <a:rPr lang="en-US" dirty="0">
+                <a:solidFill>
+                  <a:schemeClr val="bg1"/>
+                </a:solidFill>
+              </a:rPr>
               <a:t>Matrix creation is also useful in other operations such as drawing multiple plots</a:t>
             </a:r>
           </a:p>
@@ -10801,7 +11052,7 @@
 </p:sld>
 </file>
 
-<file path=ppt/slides/slide31.xml><?xml version="1.0" encoding="utf-8"?>
+<file path=ppt/slides/slide35.xml><?xml version="1.0" encoding="utf-8"?>
 <p:sld xmlns:a="http://schemas.openxmlformats.org/drawingml/2006/main" xmlns:r="http://schemas.openxmlformats.org/officeDocument/2006/relationships" xmlns:p="http://schemas.openxmlformats.org/presentationml/2006/main">
   <p:cSld>
     <p:spTree>
@@ -11075,7 +11326,7 @@
 </p:sld>
 </file>
 
-<file path=ppt/slides/slide32.xml><?xml version="1.0" encoding="utf-8"?>
+<file path=ppt/slides/slide36.xml><?xml version="1.0" encoding="utf-8"?>
 <p:sld xmlns:a="http://schemas.openxmlformats.org/drawingml/2006/main" xmlns:r="http://schemas.openxmlformats.org/officeDocument/2006/relationships" xmlns:p="http://schemas.openxmlformats.org/presentationml/2006/main">
   <p:cSld>
     <p:spTree>
@@ -11324,7 +11575,7 @@
 </p:sld>
 </file>
 
-<file path=ppt/slides/slide33.xml><?xml version="1.0" encoding="utf-8"?>
+<file path=ppt/slides/slide37.xml><?xml version="1.0" encoding="utf-8"?>
 <p:sld xmlns:a="http://schemas.openxmlformats.org/drawingml/2006/main" xmlns:r="http://schemas.openxmlformats.org/officeDocument/2006/relationships" xmlns:p="http://schemas.openxmlformats.org/presentationml/2006/main">
   <p:cSld>
     <p:spTree>
@@ -11901,7 +12152,7 @@
 </p:sld>
 </file>
 
-<file path=ppt/slides/slide34.xml><?xml version="1.0" encoding="utf-8"?>
+<file path=ppt/slides/slide38.xml><?xml version="1.0" encoding="utf-8"?>
 <p:sld xmlns:a="http://schemas.openxmlformats.org/drawingml/2006/main" xmlns:r="http://schemas.openxmlformats.org/officeDocument/2006/relationships" xmlns:p="http://schemas.openxmlformats.org/presentationml/2006/main">
   <p:cSld>
     <p:spTree>
@@ -12096,7 +12347,7 @@
 </p:sld>
 </file>
 
-<file path=ppt/slides/slide35.xml><?xml version="1.0" encoding="utf-8"?>
+<file path=ppt/slides/slide39.xml><?xml version="1.0" encoding="utf-8"?>
 <p:sld xmlns:a="http://schemas.openxmlformats.org/drawingml/2006/main" xmlns:r="http://schemas.openxmlformats.org/officeDocument/2006/relationships" xmlns:p="http://schemas.openxmlformats.org/presentationml/2006/main">
   <p:cSld>
     <p:spTree>
@@ -12281,7 +12532,99 @@
 </p:sld>
 </file>
 
-<file path=ppt/slides/slide36.xml><?xml version="1.0" encoding="utf-8"?>
+<file path=ppt/slides/slide4.xml><?xml version="1.0" encoding="utf-8"?>
+<p:sld xmlns:a="http://schemas.openxmlformats.org/drawingml/2006/main" xmlns:r="http://schemas.openxmlformats.org/officeDocument/2006/relationships" xmlns:p="http://schemas.openxmlformats.org/presentationml/2006/main">
+  <p:cSld>
+    <p:spTree>
+      <p:nvGrpSpPr>
+        <p:cNvPr id="1" name=""/>
+        <p:cNvGrpSpPr/>
+        <p:nvPr/>
+      </p:nvGrpSpPr>
+      <p:grpSpPr>
+        <a:xfrm>
+          <a:off x="0" y="0"/>
+          <a:ext cx="0" cy="0"/>
+          <a:chOff x="0" y="0"/>
+          <a:chExt cx="0" cy="0"/>
+        </a:xfrm>
+      </p:grpSpPr>
+      <p:sp>
+        <p:nvSpPr>
+          <p:cNvPr id="2" name="Title 1">
+            <a:extLst>
+              <a:ext uri="{FF2B5EF4-FFF2-40B4-BE49-F238E27FC236}">
+                <a16:creationId xmlns:a16="http://schemas.microsoft.com/office/drawing/2014/main" id="{AB4FF280-E880-46C3-B00B-2CE5947C0864}"/>
+              </a:ext>
+            </a:extLst>
+          </p:cNvPr>
+          <p:cNvSpPr>
+            <a:spLocks noGrp="1"/>
+          </p:cNvSpPr>
+          <p:nvPr>
+            <p:ph type="title"/>
+          </p:nvPr>
+        </p:nvSpPr>
+        <p:spPr/>
+        <p:txBody>
+          <a:bodyPr/>
+          <a:lstStyle/>
+          <a:p>
+            <a:r>
+              <a:rPr lang="en-GB" dirty="0">
+                <a:solidFill>
+                  <a:schemeClr val="bg1"/>
+                </a:solidFill>
+              </a:rPr>
+              <a:t>Dimensionality vs Sameness</a:t>
+            </a:r>
+          </a:p>
+        </p:txBody>
+      </p:sp>
+      <p:pic>
+        <p:nvPicPr>
+          <p:cNvPr id="3" name="Picture 2">
+            <a:extLst>
+              <a:ext uri="{FF2B5EF4-FFF2-40B4-BE49-F238E27FC236}">
+                <a16:creationId xmlns:a16="http://schemas.microsoft.com/office/drawing/2014/main" id="{480A6E14-0FE8-4198-82DC-C7E12A3F1BE3}"/>
+              </a:ext>
+            </a:extLst>
+          </p:cNvPr>
+          <p:cNvPicPr>
+            <a:picLocks noChangeAspect="1"/>
+          </p:cNvPicPr>
+          <p:nvPr/>
+        </p:nvPicPr>
+        <p:blipFill>
+          <a:blip r:embed="rId2"/>
+          <a:stretch>
+            <a:fillRect/>
+          </a:stretch>
+        </p:blipFill>
+        <p:spPr>
+          <a:xfrm>
+            <a:off x="179451" y="1196752"/>
+            <a:ext cx="8785097" cy="5273497"/>
+          </a:xfrm>
+          <a:prstGeom prst="rect">
+            <a:avLst/>
+          </a:prstGeom>
+        </p:spPr>
+      </p:pic>
+    </p:spTree>
+    <p:extLst>
+      <p:ext uri="{BB962C8B-B14F-4D97-AF65-F5344CB8AC3E}">
+        <p14:creationId xmlns:p14="http://schemas.microsoft.com/office/powerpoint/2010/main" val="3532161743"/>
+      </p:ext>
+    </p:extLst>
+  </p:cSld>
+  <p:clrMapOvr>
+    <a:masterClrMapping/>
+  </p:clrMapOvr>
+</p:sld>
+</file>
+
+<file path=ppt/slides/slide40.xml><?xml version="1.0" encoding="utf-8"?>
 <p:sld xmlns:a="http://schemas.openxmlformats.org/drawingml/2006/main" xmlns:r="http://schemas.openxmlformats.org/officeDocument/2006/relationships" xmlns:p="http://schemas.openxmlformats.org/presentationml/2006/main">
   <p:cSld>
     <p:spTree>
@@ -12679,7 +13022,7 @@
 </p:sld>
 </file>
 
-<file path=ppt/slides/slide37.xml><?xml version="1.0" encoding="utf-8"?>
+<file path=ppt/slides/slide41.xml><?xml version="1.0" encoding="utf-8"?>
 <p:sld xmlns:a="http://schemas.openxmlformats.org/drawingml/2006/main" xmlns:r="http://schemas.openxmlformats.org/officeDocument/2006/relationships" xmlns:p="http://schemas.openxmlformats.org/presentationml/2006/main">
   <p:cSld>
     <p:spTree>
@@ -13071,7 +13414,7 @@
 </p:sld>
 </file>
 
-<file path=ppt/slides/slide38.xml><?xml version="1.0" encoding="utf-8"?>
+<file path=ppt/slides/slide42.xml><?xml version="1.0" encoding="utf-8"?>
 <p:sld xmlns:a="http://schemas.openxmlformats.org/drawingml/2006/main" xmlns:r="http://schemas.openxmlformats.org/officeDocument/2006/relationships" xmlns:p="http://schemas.openxmlformats.org/presentationml/2006/main">
   <p:cSld>
     <p:spTree>
@@ -13264,7 +13607,7 @@
 </p:sld>
 </file>
 
-<file path=ppt/slides/slide39.xml><?xml version="1.0" encoding="utf-8"?>
+<file path=ppt/slides/slide43.xml><?xml version="1.0" encoding="utf-8"?>
 <p:sld xmlns:a="http://schemas.openxmlformats.org/drawingml/2006/main" xmlns:r="http://schemas.openxmlformats.org/officeDocument/2006/relationships" xmlns:p="http://schemas.openxmlformats.org/presentationml/2006/main">
   <p:cSld>
     <p:spTree>
@@ -13442,242 +13785,7 @@
 </p:sld>
 </file>
 
-<file path=ppt/slides/slide4.xml><?xml version="1.0" encoding="utf-8"?>
-<p:sld xmlns:a="http://schemas.openxmlformats.org/drawingml/2006/main" xmlns:r="http://schemas.openxmlformats.org/officeDocument/2006/relationships" xmlns:p="http://schemas.openxmlformats.org/presentationml/2006/main">
-  <p:cSld>
-    <p:spTree>
-      <p:nvGrpSpPr>
-        <p:cNvPr id="1" name=""/>
-        <p:cNvGrpSpPr/>
-        <p:nvPr/>
-      </p:nvGrpSpPr>
-      <p:grpSpPr>
-        <a:xfrm>
-          <a:off x="0" y="0"/>
-          <a:ext cx="0" cy="0"/>
-          <a:chOff x="0" y="0"/>
-          <a:chExt cx="0" cy="0"/>
-        </a:xfrm>
-      </p:grpSpPr>
-      <p:sp>
-        <p:nvSpPr>
-          <p:cNvPr id="2" name="Title 1">
-            <a:extLst>
-              <a:ext uri="{FF2B5EF4-FFF2-40B4-BE49-F238E27FC236}">
-                <a16:creationId xmlns:a16="http://schemas.microsoft.com/office/drawing/2014/main" id="{AB4FF280-E880-46C3-B00B-2CE5947C0864}"/>
-              </a:ext>
-            </a:extLst>
-          </p:cNvPr>
-          <p:cNvSpPr>
-            <a:spLocks noGrp="1"/>
-          </p:cNvSpPr>
-          <p:nvPr>
-            <p:ph type="title"/>
-          </p:nvPr>
-        </p:nvSpPr>
-        <p:spPr/>
-        <p:txBody>
-          <a:bodyPr/>
-          <a:lstStyle/>
-          <a:p>
-            <a:r>
-              <a:rPr lang="en-GB" dirty="0">
-                <a:solidFill>
-                  <a:schemeClr val="bg1"/>
-                </a:solidFill>
-              </a:rPr>
-              <a:t>Dimensionality vs Sameness</a:t>
-            </a:r>
-          </a:p>
-        </p:txBody>
-      </p:sp>
-      <p:pic>
-        <p:nvPicPr>
-          <p:cNvPr id="3" name="Picture 2">
-            <a:extLst>
-              <a:ext uri="{FF2B5EF4-FFF2-40B4-BE49-F238E27FC236}">
-                <a16:creationId xmlns:a16="http://schemas.microsoft.com/office/drawing/2014/main" id="{480A6E14-0FE8-4198-82DC-C7E12A3F1BE3}"/>
-              </a:ext>
-            </a:extLst>
-          </p:cNvPr>
-          <p:cNvPicPr>
-            <a:picLocks noChangeAspect="1"/>
-          </p:cNvPicPr>
-          <p:nvPr/>
-        </p:nvPicPr>
-        <p:blipFill>
-          <a:blip r:embed="rId2"/>
-          <a:stretch>
-            <a:fillRect/>
-          </a:stretch>
-        </p:blipFill>
-        <p:spPr>
-          <a:xfrm>
-            <a:off x="179451" y="1196752"/>
-            <a:ext cx="8785097" cy="5273497"/>
-          </a:xfrm>
-          <a:prstGeom prst="rect">
-            <a:avLst/>
-          </a:prstGeom>
-        </p:spPr>
-      </p:pic>
-    </p:spTree>
-    <p:extLst>
-      <p:ext uri="{BB962C8B-B14F-4D97-AF65-F5344CB8AC3E}">
-        <p14:creationId xmlns:p14="http://schemas.microsoft.com/office/powerpoint/2010/main" val="3532161743"/>
-      </p:ext>
-    </p:extLst>
-  </p:cSld>
-  <p:clrMapOvr>
-    <a:masterClrMapping/>
-  </p:clrMapOvr>
-</p:sld>
-</file>
-
-<file path=ppt/slides/slide40.xml><?xml version="1.0" encoding="utf-8"?>
-<p:sld xmlns:a="http://schemas.openxmlformats.org/drawingml/2006/main" xmlns:r="http://schemas.openxmlformats.org/officeDocument/2006/relationships" xmlns:p="http://schemas.openxmlformats.org/presentationml/2006/main">
-  <p:cSld>
-    <p:spTree>
-      <p:nvGrpSpPr>
-        <p:cNvPr id="1" name=""/>
-        <p:cNvGrpSpPr/>
-        <p:nvPr/>
-      </p:nvGrpSpPr>
-      <p:grpSpPr>
-        <a:xfrm>
-          <a:off x="0" y="0"/>
-          <a:ext cx="0" cy="0"/>
-          <a:chOff x="0" y="0"/>
-          <a:chExt cx="0" cy="0"/>
-        </a:xfrm>
-      </p:grpSpPr>
-      <p:sp>
-        <p:nvSpPr>
-          <p:cNvPr id="2" name="Title 1"/>
-          <p:cNvSpPr>
-            <a:spLocks noGrp="1"/>
-          </p:cNvSpPr>
-          <p:nvPr>
-            <p:ph type="title"/>
-          </p:nvPr>
-        </p:nvSpPr>
-        <p:spPr/>
-        <p:txBody>
-          <a:bodyPr/>
-          <a:lstStyle/>
-          <a:p>
-            <a:r>
-              <a:rPr lang="en-GB" dirty="0">
-                <a:solidFill>
-                  <a:schemeClr val="bg1"/>
-                </a:solidFill>
-              </a:rPr>
-              <a:t>Indexing works for vectors, too!</a:t>
-            </a:r>
-          </a:p>
-        </p:txBody>
-      </p:sp>
-      <p:sp>
-        <p:nvSpPr>
-          <p:cNvPr id="3" name="Content Placeholder 2"/>
-          <p:cNvSpPr>
-            <a:spLocks noGrp="1"/>
-          </p:cNvSpPr>
-          <p:nvPr>
-            <p:ph idx="1"/>
-          </p:nvPr>
-        </p:nvSpPr>
-        <p:spPr/>
-        <p:txBody>
-          <a:bodyPr/>
-          <a:lstStyle/>
-          <a:p>
-            <a:r>
-              <a:rPr lang="en-GB" dirty="0">
-                <a:solidFill>
-                  <a:schemeClr val="bg1"/>
-                </a:solidFill>
-              </a:rPr>
-              <a:t>Bracket notation applies to vectors</a:t>
-            </a:r>
-          </a:p>
-          <a:p>
-            <a:r>
-              <a:rPr lang="en-GB" dirty="0">
-                <a:solidFill>
-                  <a:schemeClr val="bg1"/>
-                </a:solidFill>
-              </a:rPr>
-              <a:t>Because they have 1 dimension, there will be no comma inside the brackets</a:t>
-            </a:r>
-          </a:p>
-          <a:p>
-            <a:pPr marL="0" indent="0">
-              <a:buNone/>
-            </a:pPr>
-            <a:r>
-              <a:rPr lang="en-GB" dirty="0">
-                <a:solidFill>
-                  <a:schemeClr val="bg1"/>
-                </a:solidFill>
-              </a:rPr>
-              <a:t>	 i.e. </a:t>
-            </a:r>
-            <a:r>
-              <a:rPr lang="en-GB" dirty="0">
-                <a:solidFill>
-                  <a:srgbClr val="FFFF00"/>
-                </a:solidFill>
-                <a:latin typeface="Consolas" pitchFamily="49" charset="0"/>
-                <a:cs typeface="Consolas" pitchFamily="49" charset="0"/>
-              </a:rPr>
-              <a:t>[ ]</a:t>
-            </a:r>
-            <a:r>
-              <a:rPr lang="en-GB" dirty="0">
-                <a:solidFill>
-                  <a:schemeClr val="bg1"/>
-                </a:solidFill>
-              </a:rPr>
-              <a:t> and not </a:t>
-            </a:r>
-            <a:r>
-              <a:rPr lang="en-GB" dirty="0">
-                <a:solidFill>
-                  <a:srgbClr val="FFFF00"/>
-                </a:solidFill>
-                <a:latin typeface="Consolas" pitchFamily="49" charset="0"/>
-                <a:cs typeface="Consolas" pitchFamily="49" charset="0"/>
-              </a:rPr>
-              <a:t>[ , ]</a:t>
-            </a:r>
-          </a:p>
-          <a:p>
-            <a:r>
-              <a:rPr lang="en-GB" dirty="0">
-                <a:solidFill>
-                  <a:schemeClr val="bg1"/>
-                </a:solidFill>
-              </a:rPr>
-              <a:t>Try it out!</a:t>
-            </a:r>
-          </a:p>
-        </p:txBody>
-      </p:sp>
-    </p:spTree>
-    <p:extLst>
-      <p:ext uri="{BB962C8B-B14F-4D97-AF65-F5344CB8AC3E}">
-        <p14:creationId xmlns:p14="http://schemas.microsoft.com/office/powerpoint/2010/main" val="1008260757"/>
-      </p:ext>
-    </p:extLst>
-  </p:cSld>
-  <p:clrMapOvr>
-    <a:masterClrMapping/>
-  </p:clrMapOvr>
-</p:sld>
-</file>
-
-<file path=ppt/slides/slide41.xml><?xml version="1.0" encoding="utf-8"?>
+<file path=ppt/slides/slide44.xml><?xml version="1.0" encoding="utf-8"?>
 <p:sld xmlns:a="http://schemas.openxmlformats.org/drawingml/2006/main" xmlns:r="http://schemas.openxmlformats.org/officeDocument/2006/relationships" xmlns:p="http://schemas.openxmlformats.org/presentationml/2006/main">
   <p:cSld>
     <p:spTree>
@@ -13959,7 +14067,7 @@
 </p:sld>
 </file>
 
-<file path=ppt/slides/slide42.xml><?xml version="1.0" encoding="utf-8"?>
+<file path=ppt/slides/slide45.xml><?xml version="1.0" encoding="utf-8"?>
 <p:sld xmlns:a="http://schemas.openxmlformats.org/drawingml/2006/main" xmlns:r="http://schemas.openxmlformats.org/officeDocument/2006/relationships" xmlns:p="http://schemas.openxmlformats.org/presentationml/2006/main">
   <p:cSld>
     <p:spTree>
@@ -14360,7 +14468,7 @@
 </p:sld>
 </file>
 
-<file path=ppt/slides/slide43.xml><?xml version="1.0" encoding="utf-8"?>
+<file path=ppt/slides/slide46.xml><?xml version="1.0" encoding="utf-8"?>
 <p:sld xmlns:a="http://schemas.openxmlformats.org/drawingml/2006/main" xmlns:r="http://schemas.openxmlformats.org/officeDocument/2006/relationships" xmlns:p="http://schemas.openxmlformats.org/presentationml/2006/main">
   <p:cSld>
     <p:spTree>
@@ -14488,7 +14596,7 @@
 </p:sld>
 </file>
 
-<file path=ppt/slides/slide44.xml><?xml version="1.0" encoding="utf-8"?>
+<file path=ppt/slides/slide47.xml><?xml version="1.0" encoding="utf-8"?>
 <p:sld xmlns:a="http://schemas.openxmlformats.org/drawingml/2006/main" xmlns:r="http://schemas.openxmlformats.org/officeDocument/2006/relationships" xmlns:p="http://schemas.openxmlformats.org/presentationml/2006/main">
   <p:cSld>
     <p:spTree>
@@ -15042,7 +15150,7 @@
 </p:sld>
 </file>
 
-<file path=ppt/slides/slide45.xml><?xml version="1.0" encoding="utf-8"?>
+<file path=ppt/slides/slide48.xml><?xml version="1.0" encoding="utf-8"?>
 <p:sld xmlns:a="http://schemas.openxmlformats.org/drawingml/2006/main" xmlns:r="http://schemas.openxmlformats.org/officeDocument/2006/relationships" xmlns:p="http://schemas.openxmlformats.org/presentationml/2006/main">
   <p:cSld>
     <p:spTree>
@@ -15457,7 +15565,7 @@
 </p:sld>
 </file>
 
-<file path=ppt/slides/slide46.xml><?xml version="1.0" encoding="utf-8"?>
+<file path=ppt/slides/slide49.xml><?xml version="1.0" encoding="utf-8"?>
 <p:sld xmlns:a="http://schemas.openxmlformats.org/drawingml/2006/main" xmlns:r="http://schemas.openxmlformats.org/officeDocument/2006/relationships" xmlns:p="http://schemas.openxmlformats.org/presentationml/2006/main">
   <p:cSld>
     <p:spTree>
@@ -15980,500 +16088,6 @@
 </p:sld>
 </file>
 
-<file path=ppt/slides/slide47.xml><?xml version="1.0" encoding="utf-8"?>
-<p:sld xmlns:a="http://schemas.openxmlformats.org/drawingml/2006/main" xmlns:r="http://schemas.openxmlformats.org/officeDocument/2006/relationships" xmlns:p="http://schemas.openxmlformats.org/presentationml/2006/main">
-  <p:cSld>
-    <p:spTree>
-      <p:nvGrpSpPr>
-        <p:cNvPr id="1" name=""/>
-        <p:cNvGrpSpPr/>
-        <p:nvPr/>
-      </p:nvGrpSpPr>
-      <p:grpSpPr>
-        <a:xfrm>
-          <a:off x="0" y="0"/>
-          <a:ext cx="0" cy="0"/>
-          <a:chOff x="0" y="0"/>
-          <a:chExt cx="0" cy="0"/>
-        </a:xfrm>
-      </p:grpSpPr>
-      <p:sp>
-        <p:nvSpPr>
-          <p:cNvPr id="2" name="Title 1"/>
-          <p:cNvSpPr>
-            <a:spLocks noGrp="1"/>
-          </p:cNvSpPr>
-          <p:nvPr>
-            <p:ph type="title"/>
-          </p:nvPr>
-        </p:nvSpPr>
-        <p:spPr/>
-        <p:txBody>
-          <a:bodyPr/>
-          <a:lstStyle/>
-          <a:p>
-            <a:r>
-              <a:rPr lang="en-GB" dirty="0">
-                <a:solidFill>
-                  <a:schemeClr val="bg1"/>
-                </a:solidFill>
-              </a:rPr>
-              <a:t>Homework</a:t>
-            </a:r>
-          </a:p>
-        </p:txBody>
-      </p:sp>
-      <p:sp>
-        <p:nvSpPr>
-          <p:cNvPr id="3" name="Content Placeholder 2"/>
-          <p:cNvSpPr>
-            <a:spLocks noGrp="1"/>
-          </p:cNvSpPr>
-          <p:nvPr>
-            <p:ph idx="1"/>
-          </p:nvPr>
-        </p:nvSpPr>
-        <p:spPr/>
-        <p:txBody>
-          <a:bodyPr>
-            <a:normAutofit fontScale="62500" lnSpcReduction="20000"/>
-          </a:bodyPr>
-          <a:lstStyle/>
-          <a:p>
-            <a:r>
-              <a:rPr lang="en-GB" dirty="0">
-                <a:solidFill>
-                  <a:schemeClr val="bg1"/>
-                </a:solidFill>
-              </a:rPr>
-              <a:t>Name the elements of </a:t>
-            </a:r>
-            <a:r>
-              <a:rPr lang="en-GB" dirty="0" err="1">
-                <a:solidFill>
-                  <a:srgbClr val="FFFF00"/>
-                </a:solidFill>
-                <a:latin typeface="Consolas" pitchFamily="49" charset="0"/>
-              </a:rPr>
-              <a:t>mumbo_jumbo</a:t>
-            </a:r>
-            <a:r>
-              <a:rPr lang="en-GB" dirty="0">
-                <a:solidFill>
-                  <a:schemeClr val="bg1"/>
-                </a:solidFill>
-              </a:rPr>
-              <a:t> with the </a:t>
-            </a:r>
-            <a:r>
-              <a:rPr lang="en-GB" dirty="0">
-                <a:solidFill>
-                  <a:srgbClr val="FFFF00"/>
-                </a:solidFill>
-                <a:latin typeface="Consolas" pitchFamily="49" charset="0"/>
-              </a:rPr>
-              <a:t>names()</a:t>
-            </a:r>
-            <a:r>
-              <a:rPr lang="en-GB" dirty="0">
-                <a:solidFill>
-                  <a:schemeClr val="bg1"/>
-                </a:solidFill>
-              </a:rPr>
-              <a:t> function as follows (Hint: </a:t>
-            </a:r>
-            <a:r>
-              <a:rPr lang="en-GB">
-                <a:solidFill>
-                  <a:schemeClr val="bg1"/>
-                </a:solidFill>
-              </a:rPr>
-              <a:t>First, visit </a:t>
-            </a:r>
-            <a:r>
-              <a:rPr lang="en-GB" dirty="0">
-                <a:solidFill>
-                  <a:schemeClr val="bg1"/>
-                </a:solidFill>
-              </a:rPr>
-              <a:t>the help file with </a:t>
-            </a:r>
-            <a:r>
-              <a:rPr lang="en-GB" dirty="0">
-                <a:solidFill>
-                  <a:srgbClr val="FFFF00"/>
-                </a:solidFill>
-                <a:latin typeface="Consolas" panose="020B0609020204030204" pitchFamily="49" charset="0"/>
-              </a:rPr>
-              <a:t>?names</a:t>
-            </a:r>
-            <a:r>
-              <a:rPr lang="en-GB" dirty="0">
-                <a:solidFill>
-                  <a:schemeClr val="bg1"/>
-                </a:solidFill>
-              </a:rPr>
-              <a:t>)</a:t>
-            </a:r>
-          </a:p>
-          <a:p>
-            <a:pPr marL="971550" lvl="1" indent="-514350">
-              <a:buFont typeface="+mj-lt"/>
-              <a:buAutoNum type="arabicPeriod"/>
-            </a:pPr>
-            <a:r>
-              <a:rPr lang="en-GB" dirty="0">
-                <a:solidFill>
-                  <a:schemeClr val="bg1"/>
-                </a:solidFill>
-              </a:rPr>
-              <a:t>Calcium</a:t>
-            </a:r>
-          </a:p>
-          <a:p>
-            <a:pPr marL="971550" lvl="1" indent="-514350">
-              <a:buFont typeface="+mj-lt"/>
-              <a:buAutoNum type="arabicPeriod"/>
-            </a:pPr>
-            <a:r>
-              <a:rPr lang="en-GB" dirty="0" err="1">
-                <a:solidFill>
-                  <a:schemeClr val="bg1"/>
-                </a:solidFill>
-              </a:rPr>
-              <a:t>EAR_done</a:t>
-            </a:r>
-            <a:endParaRPr lang="en-GB" dirty="0">
-              <a:solidFill>
-                <a:schemeClr val="bg1"/>
-              </a:solidFill>
-            </a:endParaRPr>
-          </a:p>
-          <a:p>
-            <a:pPr marL="971550" lvl="1" indent="-514350">
-              <a:buFont typeface="+mj-lt"/>
-              <a:buAutoNum type="arabicPeriod"/>
-            </a:pPr>
-            <a:r>
-              <a:rPr lang="en-GB" dirty="0" err="1">
-                <a:solidFill>
-                  <a:schemeClr val="bg1"/>
-                </a:solidFill>
-              </a:rPr>
-              <a:t>Bin.code</a:t>
-            </a:r>
-            <a:endParaRPr lang="en-GB" dirty="0">
-              <a:solidFill>
-                <a:schemeClr val="bg1"/>
-              </a:solidFill>
-            </a:endParaRPr>
-          </a:p>
-          <a:p>
-            <a:pPr marL="971550" lvl="1" indent="-514350">
-              <a:buFont typeface="+mj-lt"/>
-              <a:buAutoNum type="arabicPeriod"/>
-            </a:pPr>
-            <a:r>
-              <a:rPr lang="en-GB" dirty="0" err="1">
-                <a:solidFill>
-                  <a:schemeClr val="bg1"/>
-                </a:solidFill>
-              </a:rPr>
-              <a:t>Bin.code_expt</a:t>
-            </a:r>
-            <a:endParaRPr lang="en-GB" dirty="0">
-              <a:solidFill>
-                <a:schemeClr val="bg1"/>
-              </a:solidFill>
-            </a:endParaRPr>
-          </a:p>
-          <a:p>
-            <a:pPr marL="971550" lvl="1" indent="-514350">
-              <a:buFont typeface="+mj-lt"/>
-              <a:buAutoNum type="arabicPeriod"/>
-            </a:pPr>
-            <a:r>
-              <a:rPr lang="en-GB" dirty="0" err="1">
-                <a:solidFill>
-                  <a:schemeClr val="bg1"/>
-                </a:solidFill>
-              </a:rPr>
-              <a:t>filesOnFlash</a:t>
-            </a:r>
-            <a:endParaRPr lang="en-GB" dirty="0">
-              <a:solidFill>
-                <a:schemeClr val="bg1"/>
-              </a:solidFill>
-            </a:endParaRPr>
-          </a:p>
-          <a:p>
-            <a:pPr marL="971550" lvl="1" indent="-514350">
-              <a:buFont typeface="+mj-lt"/>
-              <a:buAutoNum type="arabicPeriod"/>
-            </a:pPr>
-            <a:r>
-              <a:rPr lang="en-GB" dirty="0">
-                <a:solidFill>
-                  <a:schemeClr val="bg1"/>
-                </a:solidFill>
-              </a:rPr>
-              <a:t>Circle</a:t>
-            </a:r>
-          </a:p>
-          <a:p>
-            <a:pPr marL="971550" lvl="1" indent="-514350">
-              <a:buFont typeface="+mj-lt"/>
-              <a:buAutoNum type="arabicPeriod"/>
-            </a:pPr>
-            <a:r>
-              <a:rPr lang="en-GB" dirty="0" err="1">
-                <a:solidFill>
-                  <a:schemeClr val="bg1"/>
-                </a:solidFill>
-              </a:rPr>
-              <a:t>table_def</a:t>
-            </a:r>
-            <a:endParaRPr lang="en-GB" dirty="0">
-              <a:solidFill>
-                <a:schemeClr val="bg1"/>
-              </a:solidFill>
-            </a:endParaRPr>
-          </a:p>
-          <a:p>
-            <a:pPr marL="971550" lvl="1" indent="-514350">
-              <a:buFont typeface="+mj-lt"/>
-              <a:buAutoNum type="arabicPeriod"/>
-            </a:pPr>
-            <a:r>
-              <a:rPr lang="en-GB" dirty="0" err="1">
-                <a:solidFill>
-                  <a:schemeClr val="bg1"/>
-                </a:solidFill>
-              </a:rPr>
-              <a:t>MS_simul</a:t>
-            </a:r>
-            <a:endParaRPr lang="en-GB" dirty="0">
-              <a:solidFill>
-                <a:schemeClr val="bg1"/>
-              </a:solidFill>
-            </a:endParaRPr>
-          </a:p>
-          <a:p>
-            <a:pPr marL="971550" lvl="1" indent="-514350">
-              <a:buFont typeface="+mj-lt"/>
-              <a:buAutoNum type="arabicPeriod"/>
-            </a:pPr>
-            <a:r>
-              <a:rPr lang="en-GB" dirty="0" err="1">
-                <a:solidFill>
-                  <a:schemeClr val="bg1"/>
-                </a:solidFill>
-              </a:rPr>
-              <a:t>my_hex</a:t>
-            </a:r>
-            <a:endParaRPr lang="en-GB" dirty="0">
-              <a:solidFill>
-                <a:schemeClr val="bg1"/>
-              </a:solidFill>
-            </a:endParaRPr>
-          </a:p>
-          <a:p>
-            <a:pPr marL="971550" lvl="1" indent="-514350">
-              <a:buFont typeface="+mj-lt"/>
-              <a:buAutoNum type="arabicPeriod"/>
-            </a:pPr>
-            <a:r>
-              <a:rPr lang="en-GB" dirty="0" err="1">
-                <a:solidFill>
-                  <a:schemeClr val="bg1"/>
-                </a:solidFill>
-              </a:rPr>
-              <a:t>my_bits</a:t>
-            </a:r>
-            <a:endParaRPr lang="en-GB" dirty="0">
-              <a:solidFill>
-                <a:schemeClr val="bg1"/>
-              </a:solidFill>
-            </a:endParaRPr>
-          </a:p>
-          <a:p>
-            <a:pPr marL="571500" indent="-514350"/>
-            <a:r>
-              <a:rPr lang="en-GB" dirty="0">
-                <a:solidFill>
-                  <a:schemeClr val="bg1"/>
-                </a:solidFill>
-              </a:rPr>
-              <a:t>Use the name and </a:t>
-            </a:r>
-            <a:r>
-              <a:rPr lang="en-GB" dirty="0">
-                <a:solidFill>
-                  <a:srgbClr val="FFFF00"/>
-                </a:solidFill>
-                <a:latin typeface="Consolas" pitchFamily="49" charset="0"/>
-              </a:rPr>
-              <a:t>$</a:t>
-            </a:r>
-            <a:r>
-              <a:rPr lang="en-GB" dirty="0">
-                <a:solidFill>
-                  <a:schemeClr val="bg1"/>
-                </a:solidFill>
-              </a:rPr>
-              <a:t> to extract any element from the list.</a:t>
-            </a:r>
-          </a:p>
-          <a:p>
-            <a:pPr marL="571500" indent="-514350"/>
-            <a:r>
-              <a:rPr lang="en-GB" dirty="0">
-                <a:solidFill>
-                  <a:schemeClr val="bg1"/>
-                </a:solidFill>
-              </a:rPr>
-              <a:t>What is the type of the extracted element? What does that tell you about the nature of indexing done with </a:t>
-            </a:r>
-            <a:r>
-              <a:rPr lang="en-GB" dirty="0">
-                <a:solidFill>
-                  <a:srgbClr val="FFFF00"/>
-                </a:solidFill>
-                <a:latin typeface="Consolas" pitchFamily="49" charset="0"/>
-              </a:rPr>
-              <a:t>$</a:t>
-            </a:r>
-            <a:r>
-              <a:rPr lang="en-GB" dirty="0">
-                <a:solidFill>
-                  <a:schemeClr val="bg1"/>
-                </a:solidFill>
-              </a:rPr>
-              <a:t>.</a:t>
-            </a:r>
-          </a:p>
-          <a:p>
-            <a:pPr marL="571500" indent="-514350"/>
-            <a:r>
-              <a:rPr lang="en-GB" dirty="0">
-                <a:solidFill>
-                  <a:schemeClr val="bg1"/>
-                </a:solidFill>
-              </a:rPr>
-              <a:t>Run and review file </a:t>
-            </a:r>
-            <a:r>
-              <a:rPr lang="en-GB" dirty="0">
-                <a:solidFill>
-                  <a:schemeClr val="bg1"/>
-                </a:solidFill>
-                <a:hlinkClick r:id="rId2"/>
-              </a:rPr>
-              <a:t>create-</a:t>
-            </a:r>
-            <a:r>
-              <a:rPr lang="en-GB" dirty="0" err="1">
-                <a:solidFill>
-                  <a:schemeClr val="bg1"/>
-                </a:solidFill>
-                <a:hlinkClick r:id="rId2"/>
-              </a:rPr>
-              <a:t>vector.R</a:t>
-            </a:r>
-            <a:endParaRPr lang="en-GB" dirty="0">
-              <a:solidFill>
-                <a:schemeClr val="bg1"/>
-              </a:solidFill>
-            </a:endParaRPr>
-          </a:p>
-        </p:txBody>
-      </p:sp>
-    </p:spTree>
-    <p:extLst>
-      <p:ext uri="{BB962C8B-B14F-4D97-AF65-F5344CB8AC3E}">
-        <p14:creationId xmlns:p14="http://schemas.microsoft.com/office/powerpoint/2010/main" val="826075202"/>
-      </p:ext>
-    </p:extLst>
-  </p:cSld>
-  <p:clrMapOvr>
-    <a:masterClrMapping/>
-  </p:clrMapOvr>
-</p:sld>
-</file>
-
-<file path=ppt/slides/slide48.xml><?xml version="1.0" encoding="utf-8"?>
-<p:sld xmlns:a="http://schemas.openxmlformats.org/drawingml/2006/main" xmlns:r="http://schemas.openxmlformats.org/officeDocument/2006/relationships" xmlns:p="http://schemas.openxmlformats.org/presentationml/2006/main">
-  <p:cSld>
-    <p:spTree>
-      <p:nvGrpSpPr>
-        <p:cNvPr id="1" name=""/>
-        <p:cNvGrpSpPr/>
-        <p:nvPr/>
-      </p:nvGrpSpPr>
-      <p:grpSpPr>
-        <a:xfrm>
-          <a:off x="0" y="0"/>
-          <a:ext cx="0" cy="0"/>
-          <a:chOff x="0" y="0"/>
-          <a:chExt cx="0" cy="0"/>
-        </a:xfrm>
-      </p:grpSpPr>
-      <p:sp>
-        <p:nvSpPr>
-          <p:cNvPr id="3" name="Content Placeholder 2"/>
-          <p:cNvSpPr>
-            <a:spLocks noGrp="1"/>
-          </p:cNvSpPr>
-          <p:nvPr>
-            <p:ph idx="1"/>
-          </p:nvPr>
-        </p:nvSpPr>
-        <p:spPr/>
-        <p:txBody>
-          <a:bodyPr/>
-          <a:lstStyle/>
-          <a:p>
-            <a:endParaRPr lang="en-GB" dirty="0">
-              <a:solidFill>
-                <a:schemeClr val="bg1"/>
-              </a:solidFill>
-            </a:endParaRPr>
-          </a:p>
-          <a:p>
-            <a:endParaRPr lang="en-GB" dirty="0">
-              <a:solidFill>
-                <a:schemeClr val="bg1"/>
-              </a:solidFill>
-            </a:endParaRPr>
-          </a:p>
-          <a:p>
-            <a:pPr marL="0" indent="0" algn="ctr">
-              <a:buNone/>
-            </a:pPr>
-            <a:r>
-              <a:rPr lang="en-GB" dirty="0">
-                <a:solidFill>
-                  <a:schemeClr val="bg1"/>
-                </a:solidFill>
-              </a:rPr>
-              <a:t>Questions?</a:t>
-            </a:r>
-          </a:p>
-        </p:txBody>
-      </p:sp>
-    </p:spTree>
-    <p:extLst>
-      <p:ext uri="{BB962C8B-B14F-4D97-AF65-F5344CB8AC3E}">
-        <p14:creationId xmlns:p14="http://schemas.microsoft.com/office/powerpoint/2010/main" val="873408373"/>
-      </p:ext>
-    </p:extLst>
-  </p:cSld>
-  <p:clrMapOvr>
-    <a:masterClrMapping/>
-  </p:clrMapOvr>
-</p:sld>
-</file>
-
 <file path=ppt/slides/slide5.xml><?xml version="1.0" encoding="utf-8"?>
 <p:sld xmlns:a="http://schemas.openxmlformats.org/drawingml/2006/main" xmlns:r="http://schemas.openxmlformats.org/officeDocument/2006/relationships" xmlns:p="http://schemas.openxmlformats.org/presentationml/2006/main">
   <p:cSld>
@@ -16818,6 +16432,500 @@
       </p:par>
     </p:tnLst>
   </p:timing>
+</p:sld>
+</file>
+
+<file path=ppt/slides/slide50.xml><?xml version="1.0" encoding="utf-8"?>
+<p:sld xmlns:a="http://schemas.openxmlformats.org/drawingml/2006/main" xmlns:r="http://schemas.openxmlformats.org/officeDocument/2006/relationships" xmlns:p="http://schemas.openxmlformats.org/presentationml/2006/main">
+  <p:cSld>
+    <p:spTree>
+      <p:nvGrpSpPr>
+        <p:cNvPr id="1" name=""/>
+        <p:cNvGrpSpPr/>
+        <p:nvPr/>
+      </p:nvGrpSpPr>
+      <p:grpSpPr>
+        <a:xfrm>
+          <a:off x="0" y="0"/>
+          <a:ext cx="0" cy="0"/>
+          <a:chOff x="0" y="0"/>
+          <a:chExt cx="0" cy="0"/>
+        </a:xfrm>
+      </p:grpSpPr>
+      <p:sp>
+        <p:nvSpPr>
+          <p:cNvPr id="2" name="Title 1"/>
+          <p:cNvSpPr>
+            <a:spLocks noGrp="1"/>
+          </p:cNvSpPr>
+          <p:nvPr>
+            <p:ph type="title"/>
+          </p:nvPr>
+        </p:nvSpPr>
+        <p:spPr/>
+        <p:txBody>
+          <a:bodyPr/>
+          <a:lstStyle/>
+          <a:p>
+            <a:r>
+              <a:rPr lang="en-GB" dirty="0">
+                <a:solidFill>
+                  <a:schemeClr val="bg1"/>
+                </a:solidFill>
+              </a:rPr>
+              <a:t>Homework</a:t>
+            </a:r>
+          </a:p>
+        </p:txBody>
+      </p:sp>
+      <p:sp>
+        <p:nvSpPr>
+          <p:cNvPr id="3" name="Content Placeholder 2"/>
+          <p:cNvSpPr>
+            <a:spLocks noGrp="1"/>
+          </p:cNvSpPr>
+          <p:nvPr>
+            <p:ph idx="1"/>
+          </p:nvPr>
+        </p:nvSpPr>
+        <p:spPr/>
+        <p:txBody>
+          <a:bodyPr>
+            <a:normAutofit fontScale="62500" lnSpcReduction="20000"/>
+          </a:bodyPr>
+          <a:lstStyle/>
+          <a:p>
+            <a:r>
+              <a:rPr lang="en-GB" dirty="0">
+                <a:solidFill>
+                  <a:schemeClr val="bg1"/>
+                </a:solidFill>
+              </a:rPr>
+              <a:t>Name the elements of </a:t>
+            </a:r>
+            <a:r>
+              <a:rPr lang="en-GB" dirty="0" err="1">
+                <a:solidFill>
+                  <a:srgbClr val="FFFF00"/>
+                </a:solidFill>
+                <a:latin typeface="Consolas" pitchFamily="49" charset="0"/>
+              </a:rPr>
+              <a:t>mumbo_jumbo</a:t>
+            </a:r>
+            <a:r>
+              <a:rPr lang="en-GB" dirty="0">
+                <a:solidFill>
+                  <a:schemeClr val="bg1"/>
+                </a:solidFill>
+              </a:rPr>
+              <a:t> with the </a:t>
+            </a:r>
+            <a:r>
+              <a:rPr lang="en-GB" dirty="0">
+                <a:solidFill>
+                  <a:srgbClr val="FFFF00"/>
+                </a:solidFill>
+                <a:latin typeface="Consolas" pitchFamily="49" charset="0"/>
+              </a:rPr>
+              <a:t>names()</a:t>
+            </a:r>
+            <a:r>
+              <a:rPr lang="en-GB" dirty="0">
+                <a:solidFill>
+                  <a:schemeClr val="bg1"/>
+                </a:solidFill>
+              </a:rPr>
+              <a:t> function as follows (Hint: </a:t>
+            </a:r>
+            <a:r>
+              <a:rPr lang="en-GB">
+                <a:solidFill>
+                  <a:schemeClr val="bg1"/>
+                </a:solidFill>
+              </a:rPr>
+              <a:t>First, visit </a:t>
+            </a:r>
+            <a:r>
+              <a:rPr lang="en-GB" dirty="0">
+                <a:solidFill>
+                  <a:schemeClr val="bg1"/>
+                </a:solidFill>
+              </a:rPr>
+              <a:t>the help file with </a:t>
+            </a:r>
+            <a:r>
+              <a:rPr lang="en-GB" dirty="0">
+                <a:solidFill>
+                  <a:srgbClr val="FFFF00"/>
+                </a:solidFill>
+                <a:latin typeface="Consolas" panose="020B0609020204030204" pitchFamily="49" charset="0"/>
+              </a:rPr>
+              <a:t>?names</a:t>
+            </a:r>
+            <a:r>
+              <a:rPr lang="en-GB" dirty="0">
+                <a:solidFill>
+                  <a:schemeClr val="bg1"/>
+                </a:solidFill>
+              </a:rPr>
+              <a:t>)</a:t>
+            </a:r>
+          </a:p>
+          <a:p>
+            <a:pPr marL="971550" lvl="1" indent="-514350">
+              <a:buFont typeface="+mj-lt"/>
+              <a:buAutoNum type="arabicPeriod"/>
+            </a:pPr>
+            <a:r>
+              <a:rPr lang="en-GB" dirty="0">
+                <a:solidFill>
+                  <a:schemeClr val="bg1"/>
+                </a:solidFill>
+              </a:rPr>
+              <a:t>Calcium</a:t>
+            </a:r>
+          </a:p>
+          <a:p>
+            <a:pPr marL="971550" lvl="1" indent="-514350">
+              <a:buFont typeface="+mj-lt"/>
+              <a:buAutoNum type="arabicPeriod"/>
+            </a:pPr>
+            <a:r>
+              <a:rPr lang="en-GB" dirty="0" err="1">
+                <a:solidFill>
+                  <a:schemeClr val="bg1"/>
+                </a:solidFill>
+              </a:rPr>
+              <a:t>EAR_done</a:t>
+            </a:r>
+            <a:endParaRPr lang="en-GB" dirty="0">
+              <a:solidFill>
+                <a:schemeClr val="bg1"/>
+              </a:solidFill>
+            </a:endParaRPr>
+          </a:p>
+          <a:p>
+            <a:pPr marL="971550" lvl="1" indent="-514350">
+              <a:buFont typeface="+mj-lt"/>
+              <a:buAutoNum type="arabicPeriod"/>
+            </a:pPr>
+            <a:r>
+              <a:rPr lang="en-GB" dirty="0" err="1">
+                <a:solidFill>
+                  <a:schemeClr val="bg1"/>
+                </a:solidFill>
+              </a:rPr>
+              <a:t>Bin.code</a:t>
+            </a:r>
+            <a:endParaRPr lang="en-GB" dirty="0">
+              <a:solidFill>
+                <a:schemeClr val="bg1"/>
+              </a:solidFill>
+            </a:endParaRPr>
+          </a:p>
+          <a:p>
+            <a:pPr marL="971550" lvl="1" indent="-514350">
+              <a:buFont typeface="+mj-lt"/>
+              <a:buAutoNum type="arabicPeriod"/>
+            </a:pPr>
+            <a:r>
+              <a:rPr lang="en-GB" dirty="0" err="1">
+                <a:solidFill>
+                  <a:schemeClr val="bg1"/>
+                </a:solidFill>
+              </a:rPr>
+              <a:t>Bin.code_expt</a:t>
+            </a:r>
+            <a:endParaRPr lang="en-GB" dirty="0">
+              <a:solidFill>
+                <a:schemeClr val="bg1"/>
+              </a:solidFill>
+            </a:endParaRPr>
+          </a:p>
+          <a:p>
+            <a:pPr marL="971550" lvl="1" indent="-514350">
+              <a:buFont typeface="+mj-lt"/>
+              <a:buAutoNum type="arabicPeriod"/>
+            </a:pPr>
+            <a:r>
+              <a:rPr lang="en-GB" dirty="0" err="1">
+                <a:solidFill>
+                  <a:schemeClr val="bg1"/>
+                </a:solidFill>
+              </a:rPr>
+              <a:t>filesOnFlash</a:t>
+            </a:r>
+            <a:endParaRPr lang="en-GB" dirty="0">
+              <a:solidFill>
+                <a:schemeClr val="bg1"/>
+              </a:solidFill>
+            </a:endParaRPr>
+          </a:p>
+          <a:p>
+            <a:pPr marL="971550" lvl="1" indent="-514350">
+              <a:buFont typeface="+mj-lt"/>
+              <a:buAutoNum type="arabicPeriod"/>
+            </a:pPr>
+            <a:r>
+              <a:rPr lang="en-GB" dirty="0">
+                <a:solidFill>
+                  <a:schemeClr val="bg1"/>
+                </a:solidFill>
+              </a:rPr>
+              <a:t>Circle</a:t>
+            </a:r>
+          </a:p>
+          <a:p>
+            <a:pPr marL="971550" lvl="1" indent="-514350">
+              <a:buFont typeface="+mj-lt"/>
+              <a:buAutoNum type="arabicPeriod"/>
+            </a:pPr>
+            <a:r>
+              <a:rPr lang="en-GB" dirty="0" err="1">
+                <a:solidFill>
+                  <a:schemeClr val="bg1"/>
+                </a:solidFill>
+              </a:rPr>
+              <a:t>table_def</a:t>
+            </a:r>
+            <a:endParaRPr lang="en-GB" dirty="0">
+              <a:solidFill>
+                <a:schemeClr val="bg1"/>
+              </a:solidFill>
+            </a:endParaRPr>
+          </a:p>
+          <a:p>
+            <a:pPr marL="971550" lvl="1" indent="-514350">
+              <a:buFont typeface="+mj-lt"/>
+              <a:buAutoNum type="arabicPeriod"/>
+            </a:pPr>
+            <a:r>
+              <a:rPr lang="en-GB" dirty="0" err="1">
+                <a:solidFill>
+                  <a:schemeClr val="bg1"/>
+                </a:solidFill>
+              </a:rPr>
+              <a:t>MS_simul</a:t>
+            </a:r>
+            <a:endParaRPr lang="en-GB" dirty="0">
+              <a:solidFill>
+                <a:schemeClr val="bg1"/>
+              </a:solidFill>
+            </a:endParaRPr>
+          </a:p>
+          <a:p>
+            <a:pPr marL="971550" lvl="1" indent="-514350">
+              <a:buFont typeface="+mj-lt"/>
+              <a:buAutoNum type="arabicPeriod"/>
+            </a:pPr>
+            <a:r>
+              <a:rPr lang="en-GB" dirty="0" err="1">
+                <a:solidFill>
+                  <a:schemeClr val="bg1"/>
+                </a:solidFill>
+              </a:rPr>
+              <a:t>my_hex</a:t>
+            </a:r>
+            <a:endParaRPr lang="en-GB" dirty="0">
+              <a:solidFill>
+                <a:schemeClr val="bg1"/>
+              </a:solidFill>
+            </a:endParaRPr>
+          </a:p>
+          <a:p>
+            <a:pPr marL="971550" lvl="1" indent="-514350">
+              <a:buFont typeface="+mj-lt"/>
+              <a:buAutoNum type="arabicPeriod"/>
+            </a:pPr>
+            <a:r>
+              <a:rPr lang="en-GB" dirty="0" err="1">
+                <a:solidFill>
+                  <a:schemeClr val="bg1"/>
+                </a:solidFill>
+              </a:rPr>
+              <a:t>my_bits</a:t>
+            </a:r>
+            <a:endParaRPr lang="en-GB" dirty="0">
+              <a:solidFill>
+                <a:schemeClr val="bg1"/>
+              </a:solidFill>
+            </a:endParaRPr>
+          </a:p>
+          <a:p>
+            <a:pPr marL="571500" indent="-514350"/>
+            <a:r>
+              <a:rPr lang="en-GB" dirty="0">
+                <a:solidFill>
+                  <a:schemeClr val="bg1"/>
+                </a:solidFill>
+              </a:rPr>
+              <a:t>Use the name and </a:t>
+            </a:r>
+            <a:r>
+              <a:rPr lang="en-GB" dirty="0">
+                <a:solidFill>
+                  <a:srgbClr val="FFFF00"/>
+                </a:solidFill>
+                <a:latin typeface="Consolas" pitchFamily="49" charset="0"/>
+              </a:rPr>
+              <a:t>$</a:t>
+            </a:r>
+            <a:r>
+              <a:rPr lang="en-GB" dirty="0">
+                <a:solidFill>
+                  <a:schemeClr val="bg1"/>
+                </a:solidFill>
+              </a:rPr>
+              <a:t> to extract any element from the list.</a:t>
+            </a:r>
+          </a:p>
+          <a:p>
+            <a:pPr marL="571500" indent="-514350"/>
+            <a:r>
+              <a:rPr lang="en-GB" dirty="0">
+                <a:solidFill>
+                  <a:schemeClr val="bg1"/>
+                </a:solidFill>
+              </a:rPr>
+              <a:t>What is the type of the extracted element? What does that tell you about the nature of indexing done with </a:t>
+            </a:r>
+            <a:r>
+              <a:rPr lang="en-GB" dirty="0">
+                <a:solidFill>
+                  <a:srgbClr val="FFFF00"/>
+                </a:solidFill>
+                <a:latin typeface="Consolas" pitchFamily="49" charset="0"/>
+              </a:rPr>
+              <a:t>$</a:t>
+            </a:r>
+            <a:r>
+              <a:rPr lang="en-GB" dirty="0">
+                <a:solidFill>
+                  <a:schemeClr val="bg1"/>
+                </a:solidFill>
+              </a:rPr>
+              <a:t>.</a:t>
+            </a:r>
+          </a:p>
+          <a:p>
+            <a:pPr marL="571500" indent="-514350"/>
+            <a:r>
+              <a:rPr lang="en-GB" dirty="0">
+                <a:solidFill>
+                  <a:schemeClr val="bg1"/>
+                </a:solidFill>
+              </a:rPr>
+              <a:t>Run and review file </a:t>
+            </a:r>
+            <a:r>
+              <a:rPr lang="en-GB" dirty="0">
+                <a:solidFill>
+                  <a:schemeClr val="bg1"/>
+                </a:solidFill>
+                <a:hlinkClick r:id="rId2"/>
+              </a:rPr>
+              <a:t>create-</a:t>
+            </a:r>
+            <a:r>
+              <a:rPr lang="en-GB" dirty="0" err="1">
+                <a:solidFill>
+                  <a:schemeClr val="bg1"/>
+                </a:solidFill>
+                <a:hlinkClick r:id="rId2"/>
+              </a:rPr>
+              <a:t>vector.R</a:t>
+            </a:r>
+            <a:endParaRPr lang="en-GB" dirty="0">
+              <a:solidFill>
+                <a:schemeClr val="bg1"/>
+              </a:solidFill>
+            </a:endParaRPr>
+          </a:p>
+        </p:txBody>
+      </p:sp>
+    </p:spTree>
+    <p:extLst>
+      <p:ext uri="{BB962C8B-B14F-4D97-AF65-F5344CB8AC3E}">
+        <p14:creationId xmlns:p14="http://schemas.microsoft.com/office/powerpoint/2010/main" val="826075202"/>
+      </p:ext>
+    </p:extLst>
+  </p:cSld>
+  <p:clrMapOvr>
+    <a:masterClrMapping/>
+  </p:clrMapOvr>
+</p:sld>
+</file>
+
+<file path=ppt/slides/slide51.xml><?xml version="1.0" encoding="utf-8"?>
+<p:sld xmlns:a="http://schemas.openxmlformats.org/drawingml/2006/main" xmlns:r="http://schemas.openxmlformats.org/officeDocument/2006/relationships" xmlns:p="http://schemas.openxmlformats.org/presentationml/2006/main">
+  <p:cSld>
+    <p:spTree>
+      <p:nvGrpSpPr>
+        <p:cNvPr id="1" name=""/>
+        <p:cNvGrpSpPr/>
+        <p:nvPr/>
+      </p:nvGrpSpPr>
+      <p:grpSpPr>
+        <a:xfrm>
+          <a:off x="0" y="0"/>
+          <a:ext cx="0" cy="0"/>
+          <a:chOff x="0" y="0"/>
+          <a:chExt cx="0" cy="0"/>
+        </a:xfrm>
+      </p:grpSpPr>
+      <p:sp>
+        <p:nvSpPr>
+          <p:cNvPr id="3" name="Content Placeholder 2"/>
+          <p:cNvSpPr>
+            <a:spLocks noGrp="1"/>
+          </p:cNvSpPr>
+          <p:nvPr>
+            <p:ph idx="1"/>
+          </p:nvPr>
+        </p:nvSpPr>
+        <p:spPr/>
+        <p:txBody>
+          <a:bodyPr/>
+          <a:lstStyle/>
+          <a:p>
+            <a:endParaRPr lang="en-GB" dirty="0">
+              <a:solidFill>
+                <a:schemeClr val="bg1"/>
+              </a:solidFill>
+            </a:endParaRPr>
+          </a:p>
+          <a:p>
+            <a:endParaRPr lang="en-GB" dirty="0">
+              <a:solidFill>
+                <a:schemeClr val="bg1"/>
+              </a:solidFill>
+            </a:endParaRPr>
+          </a:p>
+          <a:p>
+            <a:pPr marL="0" indent="0" algn="ctr">
+              <a:buNone/>
+            </a:pPr>
+            <a:r>
+              <a:rPr lang="en-GB" dirty="0">
+                <a:solidFill>
+                  <a:schemeClr val="bg1"/>
+                </a:solidFill>
+              </a:rPr>
+              <a:t>Questions?</a:t>
+            </a:r>
+          </a:p>
+        </p:txBody>
+      </p:sp>
+    </p:spTree>
+    <p:extLst>
+      <p:ext uri="{BB962C8B-B14F-4D97-AF65-F5344CB8AC3E}">
+        <p14:creationId xmlns:p14="http://schemas.microsoft.com/office/powerpoint/2010/main" val="873408373"/>
+      </p:ext>
+    </p:extLst>
+  </p:cSld>
+  <p:clrMapOvr>
+    <a:masterClrMapping/>
+  </p:clrMapOvr>
 </p:sld>
 </file>
 
@@ -17476,17 +17584,19 @@
             </a:r>
           </a:p>
           <a:p>
-            <a:pPr lvl="1"/>
-            <a:r>
-              <a:rPr lang="en-US" dirty="0">
-                <a:solidFill>
-                  <a:schemeClr val="tx1">
-                    <a:lumMod val="50000"/>
-                    <a:lumOff val="50000"/>
+            <a:pPr marL="457200" lvl="1" indent="0">
+              <a:buNone/>
+            </a:pPr>
+            <a:r>
+              <a:rPr lang="en-US" dirty="0">
+                <a:solidFill>
+                  <a:schemeClr val="accent6">
+                    <a:lumMod val="75000"/>
                   </a:schemeClr>
                 </a:solidFill>
-              </a:rPr>
-              <a:t>You may ask how, much, much, much, much later</a:t>
+                <a:latin typeface="Consolas" panose="020B0609020204030204" pitchFamily="49" charset="0"/>
+              </a:rPr>
+              <a:t>append()</a:t>
             </a:r>
           </a:p>
         </p:txBody>
@@ -17839,14 +17949,24 @@
           </a:p>
           <a:p>
             <a:r>
-              <a:rPr lang="en-US" dirty="0">
+              <a:rPr lang="en-US" b="1" dirty="0">
                 <a:solidFill>
                   <a:schemeClr val="bg1"/>
                 </a:solidFill>
                 <a:latin typeface="Consolas" pitchFamily="49" charset="0"/>
                 <a:cs typeface="Consolas" pitchFamily="49" charset="0"/>
               </a:rPr>
-              <a:t>Limit: Approx. </a:t>
+              <a:t>Limit</a:t>
+            </a:r>
+            <a:r>
+              <a:rPr lang="en-US" dirty="0">
+                <a:solidFill>
+                  <a:schemeClr val="bg1"/>
+                </a:solidFill>
+                <a:latin typeface="Consolas" pitchFamily="49" charset="0"/>
+                <a:cs typeface="Consolas" pitchFamily="49" charset="0"/>
+              </a:rPr>
+              <a:t>: Approx. </a:t>
             </a:r>
             <a:r>
               <a:rPr lang="en-US" dirty="0">
